--- a/sport_equipment_sales.pptx
+++ b/sport_equipment_sales.pptx
@@ -5,7 +5,7 @@
     <p:sldMasterId id="2147483648" r:id="rId1"/>
   </p:sldMasterIdLst>
   <p:notesMasterIdLst>
-    <p:notesMasterId r:id="rId11"/>
+    <p:notesMasterId r:id="rId14"/>
   </p:notesMasterIdLst>
   <p:sldIdLst>
     <p:sldId id="256" r:id="rId2"/>
@@ -13,41 +13,44 @@
     <p:sldId id="258" r:id="rId4"/>
     <p:sldId id="259" r:id="rId5"/>
     <p:sldId id="261" r:id="rId6"/>
-    <p:sldId id="262" r:id="rId7"/>
-    <p:sldId id="263" r:id="rId8"/>
-    <p:sldId id="264" r:id="rId9"/>
-    <p:sldId id="265" r:id="rId10"/>
+    <p:sldId id="266" r:id="rId7"/>
+    <p:sldId id="262" r:id="rId8"/>
+    <p:sldId id="267" r:id="rId9"/>
+    <p:sldId id="263" r:id="rId10"/>
+    <p:sldId id="264" r:id="rId11"/>
+    <p:sldId id="268" r:id="rId12"/>
+    <p:sldId id="265" r:id="rId13"/>
   </p:sldIdLst>
   <p:sldSz cx="9144000" cy="5143500" type="screen16x9"/>
   <p:notesSz cx="6858000" cy="9144000"/>
   <p:embeddedFontLst>
     <p:embeddedFont>
       <p:font typeface="Rubik" panose="020B0604020202020204" charset="-79"/>
-      <p:regular r:id="rId12"/>
-      <p:bold r:id="rId13"/>
-      <p:italic r:id="rId14"/>
-      <p:boldItalic r:id="rId15"/>
+      <p:regular r:id="rId15"/>
+      <p:bold r:id="rId16"/>
+      <p:italic r:id="rId17"/>
+      <p:boldItalic r:id="rId18"/>
     </p:embeddedFont>
     <p:embeddedFont>
       <p:font typeface="Rubik Light" panose="020B0604020202020204" charset="-79"/>
-      <p:regular r:id="rId16"/>
-      <p:bold r:id="rId17"/>
-      <p:italic r:id="rId18"/>
-      <p:boldItalic r:id="rId19"/>
+      <p:regular r:id="rId19"/>
+      <p:bold r:id="rId20"/>
+      <p:italic r:id="rId21"/>
+      <p:boldItalic r:id="rId22"/>
     </p:embeddedFont>
     <p:embeddedFont>
       <p:font typeface="Rubik Medium" panose="020B0604020202020204" charset="-79"/>
-      <p:regular r:id="rId20"/>
-      <p:bold r:id="rId21"/>
-      <p:italic r:id="rId22"/>
-      <p:boldItalic r:id="rId23"/>
+      <p:regular r:id="rId23"/>
+      <p:bold r:id="rId24"/>
+      <p:italic r:id="rId25"/>
+      <p:boldItalic r:id="rId26"/>
     </p:embeddedFont>
     <p:embeddedFont>
       <p:font typeface="Rubik SemiBold" panose="020B0604020202020204" charset="-79"/>
-      <p:regular r:id="rId24"/>
-      <p:bold r:id="rId25"/>
-      <p:italic r:id="rId26"/>
-      <p:boldItalic r:id="rId27"/>
+      <p:regular r:id="rId27"/>
+      <p:bold r:id="rId28"/>
+      <p:italic r:id="rId29"/>
+      <p:boldItalic r:id="rId30"/>
     </p:embeddedFont>
   </p:embeddedFontLst>
   <p:defaultTextStyle>
@@ -295,7 +298,7 @@
       </p15:sldGuideLst>
     </p:ext>
     <p:ext uri="GoogleSlidesCustomDataVersion2">
-      <go:slidesCustomData xmlns:go="http://customooxmlschemas.google.com/" xmlns:ahyp="http://schemas.microsoft.com/office/drawing/2018/hyperlinkcolor" xmlns:p15="http://schemas.microsoft.com/office/powerpoint/2012/main" xmlns:p14="http://schemas.microsoft.com/office/powerpoint/2010/main" xmlns:com="http://schemas.openxmlformats.org/drawingml/2006/compatibility" xmlns:pvml="urn:schemas-microsoft-com:office:powerpoint" xmlns:v="urn:schemas-microsoft-com:vml" xmlns:o="urn:schemas-microsoft-com:office:office" xmlns:dgm="http://schemas.openxmlformats.org/drawingml/2006/diagram" xmlns:c="http://schemas.openxmlformats.org/drawingml/2006/chart" xmlns:mv="urn:schemas-microsoft-com:mac:vml" xmlns:mc="http://schemas.openxmlformats.org/markup-compatibility/2006" xmlns="" r:id="rId32" roundtripDataSignature="AMtx7mgLo4haSyFik/H8UaYSe0UZJwJqgg=="/>
+      <go:slidesCustomData xmlns="" xmlns:mc="http://schemas.openxmlformats.org/markup-compatibility/2006" xmlns:mv="urn:schemas-microsoft-com:mac:vml" xmlns:c="http://schemas.openxmlformats.org/drawingml/2006/chart" xmlns:dgm="http://schemas.openxmlformats.org/drawingml/2006/diagram" xmlns:o="urn:schemas-microsoft-com:office:office" xmlns:v="urn:schemas-microsoft-com:vml" xmlns:pvml="urn:schemas-microsoft-com:office:powerpoint" xmlns:com="http://schemas.openxmlformats.org/drawingml/2006/compatibility" xmlns:p14="http://schemas.microsoft.com/office/powerpoint/2010/main" xmlns:p15="http://schemas.microsoft.com/office/powerpoint/2012/main" xmlns:ahyp="http://schemas.microsoft.com/office/drawing/2018/hyperlinkcolor" xmlns:go="http://customooxmlschemas.google.com/" r:id="rId32" roundtripDataSignature="AMtx7mgLo4haSyFik/H8UaYSe0UZJwJqgg=="/>
     </p:ext>
   </p:extLst>
 </p:presentation>
@@ -999,6 +1002,395 @@
 </p:notes>
 </file>
 
+<file path=ppt/notesSlides/notesSlide10.xml><?xml version="1.0" encoding="utf-8"?>
+<p:notes xmlns:a="http://schemas.openxmlformats.org/drawingml/2006/main" xmlns:r="http://schemas.openxmlformats.org/officeDocument/2006/relationships" xmlns:p="http://schemas.openxmlformats.org/presentationml/2006/main" showMasterSp="0" showMasterPhAnim="0">
+  <p:cSld>
+    <p:spTree>
+      <p:nvGrpSpPr>
+        <p:cNvPr id="1" name="Shape 132"/>
+        <p:cNvGrpSpPr/>
+        <p:nvPr/>
+      </p:nvGrpSpPr>
+      <p:grpSpPr>
+        <a:xfrm>
+          <a:off x="0" y="0"/>
+          <a:ext cx="0" cy="0"/>
+          <a:chOff x="0" y="0"/>
+          <a:chExt cx="0" cy="0"/>
+        </a:xfrm>
+      </p:grpSpPr>
+      <p:sp>
+        <p:nvSpPr>
+          <p:cNvPr id="133" name="Google Shape;133;g23ec2985a68_1_56:notes"/>
+          <p:cNvSpPr>
+            <a:spLocks noGrp="1" noRot="1" noChangeAspect="1"/>
+          </p:cNvSpPr>
+          <p:nvPr>
+            <p:ph type="sldImg" idx="2"/>
+          </p:nvPr>
+        </p:nvSpPr>
+        <p:spPr>
+          <a:xfrm>
+            <a:off x="381000" y="685800"/>
+            <a:ext cx="6096000" cy="3429000"/>
+          </a:xfrm>
+          <a:custGeom>
+            <a:avLst/>
+            <a:gdLst/>
+            <a:ahLst/>
+            <a:cxnLst/>
+            <a:rect l="l" t="t" r="r" b="b"/>
+            <a:pathLst>
+              <a:path w="120000" h="120000" extrusionOk="0">
+                <a:moveTo>
+                  <a:pt x="0" y="0"/>
+                </a:moveTo>
+                <a:lnTo>
+                  <a:pt x="120000" y="0"/>
+                </a:lnTo>
+                <a:lnTo>
+                  <a:pt x="120000" y="120000"/>
+                </a:lnTo>
+                <a:lnTo>
+                  <a:pt x="0" y="120000"/>
+                </a:lnTo>
+                <a:close/>
+              </a:path>
+            </a:pathLst>
+          </a:custGeom>
+          <a:noFill/>
+          <a:ln w="9525" cap="flat" cmpd="sng">
+            <a:solidFill>
+              <a:srgbClr val="000000"/>
+            </a:solidFill>
+            <a:prstDash val="solid"/>
+            <a:round/>
+            <a:headEnd type="none" w="sm" len="sm"/>
+            <a:tailEnd type="none" w="sm" len="sm"/>
+          </a:ln>
+        </p:spPr>
+      </p:sp>
+      <p:sp>
+        <p:nvSpPr>
+          <p:cNvPr id="134" name="Google Shape;134;g23ec2985a68_1_56:notes"/>
+          <p:cNvSpPr txBox="1">
+            <a:spLocks noGrp="1"/>
+          </p:cNvSpPr>
+          <p:nvPr>
+            <p:ph type="body" idx="1"/>
+          </p:nvPr>
+        </p:nvSpPr>
+        <p:spPr>
+          <a:xfrm>
+            <a:off x="685800" y="4343400"/>
+            <a:ext cx="5486400" cy="4114800"/>
+          </a:xfrm>
+          <a:prstGeom prst="rect">
+            <a:avLst/>
+          </a:prstGeom>
+          <a:noFill/>
+          <a:ln>
+            <a:noFill/>
+          </a:ln>
+        </p:spPr>
+        <p:txBody>
+          <a:bodyPr spcFirstLastPara="1" wrap="square" lIns="91425" tIns="91425" rIns="91425" bIns="91425" anchor="t" anchorCtr="0">
+            <a:noAutofit/>
+          </a:bodyPr>
+          <a:lstStyle/>
+          <a:p>
+            <a:pPr marL="0" lvl="0" indent="0" algn="l" rtl="0">
+              <a:lnSpc>
+                <a:spcPct val="100000"/>
+              </a:lnSpc>
+              <a:spcBef>
+                <a:spcPts val="0"/>
+              </a:spcBef>
+              <a:spcAft>
+                <a:spcPts val="0"/>
+              </a:spcAft>
+              <a:buSzPts val="1100"/>
+              <a:buNone/>
+            </a:pPr>
+            <a:endParaRPr/>
+          </a:p>
+        </p:txBody>
+      </p:sp>
+    </p:spTree>
+  </p:cSld>
+  <p:clrMapOvr>
+    <a:masterClrMapping/>
+  </p:clrMapOvr>
+</p:notes>
+</file>
+
+<file path=ppt/notesSlides/notesSlide11.xml><?xml version="1.0" encoding="utf-8"?>
+<p:notes xmlns:a="http://schemas.openxmlformats.org/drawingml/2006/main" xmlns:r="http://schemas.openxmlformats.org/officeDocument/2006/relationships" xmlns:p="http://schemas.openxmlformats.org/presentationml/2006/main" showMasterSp="0" showMasterPhAnim="0">
+  <p:cSld>
+    <p:spTree>
+      <p:nvGrpSpPr>
+        <p:cNvPr id="1" name="Shape 87">
+          <a:extLst>
+            <a:ext uri="{FF2B5EF4-FFF2-40B4-BE49-F238E27FC236}">
+              <a16:creationId xmlns:a16="http://schemas.microsoft.com/office/drawing/2014/main" id="{24EED8B0-0031-BD06-AEB9-F00C4497BF72}"/>
+            </a:ext>
+          </a:extLst>
+        </p:cNvPr>
+        <p:cNvGrpSpPr/>
+        <p:nvPr/>
+      </p:nvGrpSpPr>
+      <p:grpSpPr>
+        <a:xfrm>
+          <a:off x="0" y="0"/>
+          <a:ext cx="0" cy="0"/>
+          <a:chOff x="0" y="0"/>
+          <a:chExt cx="0" cy="0"/>
+        </a:xfrm>
+      </p:grpSpPr>
+      <p:sp>
+        <p:nvSpPr>
+          <p:cNvPr id="88" name="Google Shape;88;p4:notes">
+            <a:extLst>
+              <a:ext uri="{FF2B5EF4-FFF2-40B4-BE49-F238E27FC236}">
+                <a16:creationId xmlns:a16="http://schemas.microsoft.com/office/drawing/2014/main" id="{90704F00-BB71-C79C-0576-265DCE5E282F}"/>
+              </a:ext>
+            </a:extLst>
+          </p:cNvPr>
+          <p:cNvSpPr>
+            <a:spLocks noGrp="1" noRot="1" noChangeAspect="1"/>
+          </p:cNvSpPr>
+          <p:nvPr>
+            <p:ph type="sldImg" idx="2"/>
+          </p:nvPr>
+        </p:nvSpPr>
+        <p:spPr>
+          <a:xfrm>
+            <a:off x="381000" y="685800"/>
+            <a:ext cx="6096000" cy="3429000"/>
+          </a:xfrm>
+          <a:custGeom>
+            <a:avLst/>
+            <a:gdLst/>
+            <a:ahLst/>
+            <a:cxnLst/>
+            <a:rect l="l" t="t" r="r" b="b"/>
+            <a:pathLst>
+              <a:path w="120000" h="120000" extrusionOk="0">
+                <a:moveTo>
+                  <a:pt x="0" y="0"/>
+                </a:moveTo>
+                <a:lnTo>
+                  <a:pt x="120000" y="0"/>
+                </a:lnTo>
+                <a:lnTo>
+                  <a:pt x="120000" y="120000"/>
+                </a:lnTo>
+                <a:lnTo>
+                  <a:pt x="0" y="120000"/>
+                </a:lnTo>
+                <a:close/>
+              </a:path>
+            </a:pathLst>
+          </a:custGeom>
+          <a:noFill/>
+          <a:ln w="9525" cap="flat" cmpd="sng">
+            <a:solidFill>
+              <a:srgbClr val="000000"/>
+            </a:solidFill>
+            <a:prstDash val="solid"/>
+            <a:round/>
+            <a:headEnd type="none" w="sm" len="sm"/>
+            <a:tailEnd type="none" w="sm" len="sm"/>
+          </a:ln>
+        </p:spPr>
+      </p:sp>
+      <p:sp>
+        <p:nvSpPr>
+          <p:cNvPr id="89" name="Google Shape;89;p4:notes">
+            <a:extLst>
+              <a:ext uri="{FF2B5EF4-FFF2-40B4-BE49-F238E27FC236}">
+                <a16:creationId xmlns:a16="http://schemas.microsoft.com/office/drawing/2014/main" id="{32F90BC1-C1BA-B40A-F939-C7C3A14BB239}"/>
+              </a:ext>
+            </a:extLst>
+          </p:cNvPr>
+          <p:cNvSpPr txBox="1">
+            <a:spLocks noGrp="1"/>
+          </p:cNvSpPr>
+          <p:nvPr>
+            <p:ph type="body" idx="1"/>
+          </p:nvPr>
+        </p:nvSpPr>
+        <p:spPr>
+          <a:xfrm>
+            <a:off x="685800" y="4343400"/>
+            <a:ext cx="5486400" cy="4114800"/>
+          </a:xfrm>
+          <a:prstGeom prst="rect">
+            <a:avLst/>
+          </a:prstGeom>
+          <a:noFill/>
+          <a:ln>
+            <a:noFill/>
+          </a:ln>
+        </p:spPr>
+        <p:txBody>
+          <a:bodyPr spcFirstLastPara="1" wrap="square" lIns="91425" tIns="91425" rIns="91425" bIns="91425" anchor="t" anchorCtr="0">
+            <a:noAutofit/>
+          </a:bodyPr>
+          <a:lstStyle/>
+          <a:p>
+            <a:pPr marL="0" lvl="0" indent="0" algn="l" rtl="0">
+              <a:lnSpc>
+                <a:spcPct val="100000"/>
+              </a:lnSpc>
+              <a:spcBef>
+                <a:spcPts val="0"/>
+              </a:spcBef>
+              <a:spcAft>
+                <a:spcPts val="0"/>
+              </a:spcAft>
+              <a:buSzPts val="1100"/>
+              <a:buNone/>
+            </a:pPr>
+            <a:endParaRPr/>
+          </a:p>
+        </p:txBody>
+      </p:sp>
+    </p:spTree>
+    <p:extLst>
+      <p:ext uri="{BB962C8B-B14F-4D97-AF65-F5344CB8AC3E}">
+        <p14:creationId xmlns:p14="http://schemas.microsoft.com/office/powerpoint/2010/main" val="1862158724"/>
+      </p:ext>
+    </p:extLst>
+  </p:cSld>
+  <p:clrMapOvr>
+    <a:masterClrMapping/>
+  </p:clrMapOvr>
+</p:notes>
+</file>
+
+<file path=ppt/notesSlides/notesSlide12.xml><?xml version="1.0" encoding="utf-8"?>
+<p:notes xmlns:a="http://schemas.openxmlformats.org/drawingml/2006/main" xmlns:r="http://schemas.openxmlformats.org/officeDocument/2006/relationships" xmlns:p="http://schemas.openxmlformats.org/presentationml/2006/main" showMasterSp="0" showMasterPhAnim="0">
+  <p:cSld>
+    <p:spTree>
+      <p:nvGrpSpPr>
+        <p:cNvPr id="1" name="Shape 141"/>
+        <p:cNvGrpSpPr/>
+        <p:nvPr/>
+      </p:nvGrpSpPr>
+      <p:grpSpPr>
+        <a:xfrm>
+          <a:off x="0" y="0"/>
+          <a:ext cx="0" cy="0"/>
+          <a:chOff x="0" y="0"/>
+          <a:chExt cx="0" cy="0"/>
+        </a:xfrm>
+      </p:grpSpPr>
+      <p:sp>
+        <p:nvSpPr>
+          <p:cNvPr id="142" name="Google Shape;142;p8:notes"/>
+          <p:cNvSpPr>
+            <a:spLocks noGrp="1" noRot="1" noChangeAspect="1"/>
+          </p:cNvSpPr>
+          <p:nvPr>
+            <p:ph type="sldImg" idx="2"/>
+          </p:nvPr>
+        </p:nvSpPr>
+        <p:spPr>
+          <a:xfrm>
+            <a:off x="381000" y="685800"/>
+            <a:ext cx="6096000" cy="3429000"/>
+          </a:xfrm>
+          <a:custGeom>
+            <a:avLst/>
+            <a:gdLst/>
+            <a:ahLst/>
+            <a:cxnLst/>
+            <a:rect l="l" t="t" r="r" b="b"/>
+            <a:pathLst>
+              <a:path w="120000" h="120000" extrusionOk="0">
+                <a:moveTo>
+                  <a:pt x="0" y="0"/>
+                </a:moveTo>
+                <a:lnTo>
+                  <a:pt x="120000" y="0"/>
+                </a:lnTo>
+                <a:lnTo>
+                  <a:pt x="120000" y="120000"/>
+                </a:lnTo>
+                <a:lnTo>
+                  <a:pt x="0" y="120000"/>
+                </a:lnTo>
+                <a:close/>
+              </a:path>
+            </a:pathLst>
+          </a:custGeom>
+          <a:noFill/>
+          <a:ln w="9525" cap="flat" cmpd="sng">
+            <a:solidFill>
+              <a:srgbClr val="000000"/>
+            </a:solidFill>
+            <a:prstDash val="solid"/>
+            <a:round/>
+            <a:headEnd type="none" w="sm" len="sm"/>
+            <a:tailEnd type="none" w="sm" len="sm"/>
+          </a:ln>
+        </p:spPr>
+      </p:sp>
+      <p:sp>
+        <p:nvSpPr>
+          <p:cNvPr id="143" name="Google Shape;143;p8:notes"/>
+          <p:cNvSpPr txBox="1">
+            <a:spLocks noGrp="1"/>
+          </p:cNvSpPr>
+          <p:nvPr>
+            <p:ph type="body" idx="1"/>
+          </p:nvPr>
+        </p:nvSpPr>
+        <p:spPr>
+          <a:xfrm>
+            <a:off x="685800" y="4343400"/>
+            <a:ext cx="5486400" cy="4114800"/>
+          </a:xfrm>
+          <a:prstGeom prst="rect">
+            <a:avLst/>
+          </a:prstGeom>
+          <a:noFill/>
+          <a:ln>
+            <a:noFill/>
+          </a:ln>
+        </p:spPr>
+        <p:txBody>
+          <a:bodyPr spcFirstLastPara="1" wrap="square" lIns="91425" tIns="91425" rIns="91425" bIns="91425" anchor="t" anchorCtr="0">
+            <a:noAutofit/>
+          </a:bodyPr>
+          <a:lstStyle/>
+          <a:p>
+            <a:pPr marL="0" lvl="0" indent="0" algn="l" rtl="0">
+              <a:lnSpc>
+                <a:spcPct val="100000"/>
+              </a:lnSpc>
+              <a:spcBef>
+                <a:spcPts val="0"/>
+              </a:spcBef>
+              <a:spcAft>
+                <a:spcPts val="0"/>
+              </a:spcAft>
+              <a:buSzPts val="1100"/>
+              <a:buNone/>
+            </a:pPr>
+            <a:endParaRPr/>
+          </a:p>
+        </p:txBody>
+      </p:sp>
+    </p:spTree>
+  </p:cSld>
+  <p:clrMapOvr>
+    <a:masterClrMapping/>
+  </p:clrMapOvr>
+</p:notes>
+</file>
+
 <file path=ppt/notesSlides/notesSlide2.xml><?xml version="1.0" encoding="utf-8"?>
 <p:notes xmlns:a="http://schemas.openxmlformats.org/drawingml/2006/main" xmlns:r="http://schemas.openxmlformats.org/officeDocument/2006/relationships" xmlns:p="http://schemas.openxmlformats.org/presentationml/2006/main" showMasterSp="0" showMasterPhAnim="0">
   <p:cSld>
@@ -1492,6 +1884,151 @@
   <p:cSld>
     <p:spTree>
       <p:nvGrpSpPr>
+        <p:cNvPr id="1" name="Shape 87">
+          <a:extLst>
+            <a:ext uri="{FF2B5EF4-FFF2-40B4-BE49-F238E27FC236}">
+              <a16:creationId xmlns:a16="http://schemas.microsoft.com/office/drawing/2014/main" id="{3A23CE10-0086-4228-C8E0-E055E6BCAFBC}"/>
+            </a:ext>
+          </a:extLst>
+        </p:cNvPr>
+        <p:cNvGrpSpPr/>
+        <p:nvPr/>
+      </p:nvGrpSpPr>
+      <p:grpSpPr>
+        <a:xfrm>
+          <a:off x="0" y="0"/>
+          <a:ext cx="0" cy="0"/>
+          <a:chOff x="0" y="0"/>
+          <a:chExt cx="0" cy="0"/>
+        </a:xfrm>
+      </p:grpSpPr>
+      <p:sp>
+        <p:nvSpPr>
+          <p:cNvPr id="88" name="Google Shape;88;p4:notes">
+            <a:extLst>
+              <a:ext uri="{FF2B5EF4-FFF2-40B4-BE49-F238E27FC236}">
+                <a16:creationId xmlns:a16="http://schemas.microsoft.com/office/drawing/2014/main" id="{424B9EC4-79CA-61C9-A1E3-ABAC186F214F}"/>
+              </a:ext>
+            </a:extLst>
+          </p:cNvPr>
+          <p:cNvSpPr>
+            <a:spLocks noGrp="1" noRot="1" noChangeAspect="1"/>
+          </p:cNvSpPr>
+          <p:nvPr>
+            <p:ph type="sldImg" idx="2"/>
+          </p:nvPr>
+        </p:nvSpPr>
+        <p:spPr>
+          <a:xfrm>
+            <a:off x="381000" y="685800"/>
+            <a:ext cx="6096000" cy="3429000"/>
+          </a:xfrm>
+          <a:custGeom>
+            <a:avLst/>
+            <a:gdLst/>
+            <a:ahLst/>
+            <a:cxnLst/>
+            <a:rect l="l" t="t" r="r" b="b"/>
+            <a:pathLst>
+              <a:path w="120000" h="120000" extrusionOk="0">
+                <a:moveTo>
+                  <a:pt x="0" y="0"/>
+                </a:moveTo>
+                <a:lnTo>
+                  <a:pt x="120000" y="0"/>
+                </a:lnTo>
+                <a:lnTo>
+                  <a:pt x="120000" y="120000"/>
+                </a:lnTo>
+                <a:lnTo>
+                  <a:pt x="0" y="120000"/>
+                </a:lnTo>
+                <a:close/>
+              </a:path>
+            </a:pathLst>
+          </a:custGeom>
+          <a:noFill/>
+          <a:ln w="9525" cap="flat" cmpd="sng">
+            <a:solidFill>
+              <a:srgbClr val="000000"/>
+            </a:solidFill>
+            <a:prstDash val="solid"/>
+            <a:round/>
+            <a:headEnd type="none" w="sm" len="sm"/>
+            <a:tailEnd type="none" w="sm" len="sm"/>
+          </a:ln>
+        </p:spPr>
+      </p:sp>
+      <p:sp>
+        <p:nvSpPr>
+          <p:cNvPr id="89" name="Google Shape;89;p4:notes">
+            <a:extLst>
+              <a:ext uri="{FF2B5EF4-FFF2-40B4-BE49-F238E27FC236}">
+                <a16:creationId xmlns:a16="http://schemas.microsoft.com/office/drawing/2014/main" id="{08AC8A2F-4499-03AA-287C-0CEF75213749}"/>
+              </a:ext>
+            </a:extLst>
+          </p:cNvPr>
+          <p:cNvSpPr txBox="1">
+            <a:spLocks noGrp="1"/>
+          </p:cNvSpPr>
+          <p:nvPr>
+            <p:ph type="body" idx="1"/>
+          </p:nvPr>
+        </p:nvSpPr>
+        <p:spPr>
+          <a:xfrm>
+            <a:off x="685800" y="4343400"/>
+            <a:ext cx="5486400" cy="4114800"/>
+          </a:xfrm>
+          <a:prstGeom prst="rect">
+            <a:avLst/>
+          </a:prstGeom>
+          <a:noFill/>
+          <a:ln>
+            <a:noFill/>
+          </a:ln>
+        </p:spPr>
+        <p:txBody>
+          <a:bodyPr spcFirstLastPara="1" wrap="square" lIns="91425" tIns="91425" rIns="91425" bIns="91425" anchor="t" anchorCtr="0">
+            <a:noAutofit/>
+          </a:bodyPr>
+          <a:lstStyle/>
+          <a:p>
+            <a:pPr marL="0" lvl="0" indent="0" algn="l" rtl="0">
+              <a:lnSpc>
+                <a:spcPct val="100000"/>
+              </a:lnSpc>
+              <a:spcBef>
+                <a:spcPts val="0"/>
+              </a:spcBef>
+              <a:spcAft>
+                <a:spcPts val="0"/>
+              </a:spcAft>
+              <a:buSzPts val="1100"/>
+              <a:buNone/>
+            </a:pPr>
+            <a:endParaRPr/>
+          </a:p>
+        </p:txBody>
+      </p:sp>
+    </p:spTree>
+    <p:extLst>
+      <p:ext uri="{BB962C8B-B14F-4D97-AF65-F5344CB8AC3E}">
+        <p14:creationId xmlns:p14="http://schemas.microsoft.com/office/powerpoint/2010/main" val="3292478283"/>
+      </p:ext>
+    </p:extLst>
+  </p:cSld>
+  <p:clrMapOvr>
+    <a:masterClrMapping/>
+  </p:clrMapOvr>
+</p:notes>
+</file>
+
+<file path=ppt/notesSlides/notesSlide7.xml><?xml version="1.0" encoding="utf-8"?>
+<p:notes xmlns:a="http://schemas.openxmlformats.org/drawingml/2006/main" xmlns:r="http://schemas.openxmlformats.org/officeDocument/2006/relationships" xmlns:p="http://schemas.openxmlformats.org/presentationml/2006/main" showMasterSp="0" showMasterPhAnim="0">
+  <p:cSld>
+    <p:spTree>
+      <p:nvGrpSpPr>
         <p:cNvPr id="1" name="Shape 114"/>
         <p:cNvGrpSpPr/>
         <p:nvPr/>
@@ -1609,7 +2146,152 @@
 </p:notes>
 </file>
 
-<file path=ppt/notesSlides/notesSlide7.xml><?xml version="1.0" encoding="utf-8"?>
+<file path=ppt/notesSlides/notesSlide8.xml><?xml version="1.0" encoding="utf-8"?>
+<p:notes xmlns:a="http://schemas.openxmlformats.org/drawingml/2006/main" xmlns:r="http://schemas.openxmlformats.org/officeDocument/2006/relationships" xmlns:p="http://schemas.openxmlformats.org/presentationml/2006/main" showMasterSp="0" showMasterPhAnim="0">
+  <p:cSld>
+    <p:spTree>
+      <p:nvGrpSpPr>
+        <p:cNvPr id="1" name="Shape 87">
+          <a:extLst>
+            <a:ext uri="{FF2B5EF4-FFF2-40B4-BE49-F238E27FC236}">
+              <a16:creationId xmlns:a16="http://schemas.microsoft.com/office/drawing/2014/main" id="{BCAD202B-0DAC-FDC9-9081-A9697734FF82}"/>
+            </a:ext>
+          </a:extLst>
+        </p:cNvPr>
+        <p:cNvGrpSpPr/>
+        <p:nvPr/>
+      </p:nvGrpSpPr>
+      <p:grpSpPr>
+        <a:xfrm>
+          <a:off x="0" y="0"/>
+          <a:ext cx="0" cy="0"/>
+          <a:chOff x="0" y="0"/>
+          <a:chExt cx="0" cy="0"/>
+        </a:xfrm>
+      </p:grpSpPr>
+      <p:sp>
+        <p:nvSpPr>
+          <p:cNvPr id="88" name="Google Shape;88;p4:notes">
+            <a:extLst>
+              <a:ext uri="{FF2B5EF4-FFF2-40B4-BE49-F238E27FC236}">
+                <a16:creationId xmlns:a16="http://schemas.microsoft.com/office/drawing/2014/main" id="{E7531A55-8430-3DC0-0A86-66BB886D8B95}"/>
+              </a:ext>
+            </a:extLst>
+          </p:cNvPr>
+          <p:cNvSpPr>
+            <a:spLocks noGrp="1" noRot="1" noChangeAspect="1"/>
+          </p:cNvSpPr>
+          <p:nvPr>
+            <p:ph type="sldImg" idx="2"/>
+          </p:nvPr>
+        </p:nvSpPr>
+        <p:spPr>
+          <a:xfrm>
+            <a:off x="381000" y="685800"/>
+            <a:ext cx="6096000" cy="3429000"/>
+          </a:xfrm>
+          <a:custGeom>
+            <a:avLst/>
+            <a:gdLst/>
+            <a:ahLst/>
+            <a:cxnLst/>
+            <a:rect l="l" t="t" r="r" b="b"/>
+            <a:pathLst>
+              <a:path w="120000" h="120000" extrusionOk="0">
+                <a:moveTo>
+                  <a:pt x="0" y="0"/>
+                </a:moveTo>
+                <a:lnTo>
+                  <a:pt x="120000" y="0"/>
+                </a:lnTo>
+                <a:lnTo>
+                  <a:pt x="120000" y="120000"/>
+                </a:lnTo>
+                <a:lnTo>
+                  <a:pt x="0" y="120000"/>
+                </a:lnTo>
+                <a:close/>
+              </a:path>
+            </a:pathLst>
+          </a:custGeom>
+          <a:noFill/>
+          <a:ln w="9525" cap="flat" cmpd="sng">
+            <a:solidFill>
+              <a:srgbClr val="000000"/>
+            </a:solidFill>
+            <a:prstDash val="solid"/>
+            <a:round/>
+            <a:headEnd type="none" w="sm" len="sm"/>
+            <a:tailEnd type="none" w="sm" len="sm"/>
+          </a:ln>
+        </p:spPr>
+      </p:sp>
+      <p:sp>
+        <p:nvSpPr>
+          <p:cNvPr id="89" name="Google Shape;89;p4:notes">
+            <a:extLst>
+              <a:ext uri="{FF2B5EF4-FFF2-40B4-BE49-F238E27FC236}">
+                <a16:creationId xmlns:a16="http://schemas.microsoft.com/office/drawing/2014/main" id="{B20AB246-DD39-8A92-4B1E-D785560C5ED2}"/>
+              </a:ext>
+            </a:extLst>
+          </p:cNvPr>
+          <p:cNvSpPr txBox="1">
+            <a:spLocks noGrp="1"/>
+          </p:cNvSpPr>
+          <p:nvPr>
+            <p:ph type="body" idx="1"/>
+          </p:nvPr>
+        </p:nvSpPr>
+        <p:spPr>
+          <a:xfrm>
+            <a:off x="685800" y="4343400"/>
+            <a:ext cx="5486400" cy="4114800"/>
+          </a:xfrm>
+          <a:prstGeom prst="rect">
+            <a:avLst/>
+          </a:prstGeom>
+          <a:noFill/>
+          <a:ln>
+            <a:noFill/>
+          </a:ln>
+        </p:spPr>
+        <p:txBody>
+          <a:bodyPr spcFirstLastPara="1" wrap="square" lIns="91425" tIns="91425" rIns="91425" bIns="91425" anchor="t" anchorCtr="0">
+            <a:noAutofit/>
+          </a:bodyPr>
+          <a:lstStyle/>
+          <a:p>
+            <a:pPr marL="0" lvl="0" indent="0" algn="l" rtl="0">
+              <a:lnSpc>
+                <a:spcPct val="100000"/>
+              </a:lnSpc>
+              <a:spcBef>
+                <a:spcPts val="0"/>
+              </a:spcBef>
+              <a:spcAft>
+                <a:spcPts val="0"/>
+              </a:spcAft>
+              <a:buSzPts val="1100"/>
+              <a:buNone/>
+            </a:pPr>
+            <a:endParaRPr/>
+          </a:p>
+        </p:txBody>
+      </p:sp>
+    </p:spTree>
+    <p:extLst>
+      <p:ext uri="{BB962C8B-B14F-4D97-AF65-F5344CB8AC3E}">
+        <p14:creationId xmlns:p14="http://schemas.microsoft.com/office/powerpoint/2010/main" val="1589803632"/>
+      </p:ext>
+    </p:extLst>
+  </p:cSld>
+  <p:clrMapOvr>
+    <a:masterClrMapping/>
+  </p:clrMapOvr>
+</p:notes>
+</file>
+
+<file path=ppt/notesSlides/notesSlide9.xml><?xml version="1.0" encoding="utf-8"?>
 <p:notes xmlns:a="http://schemas.openxmlformats.org/drawingml/2006/main" xmlns:r="http://schemas.openxmlformats.org/officeDocument/2006/relationships" xmlns:p="http://schemas.openxmlformats.org/presentationml/2006/main" showMasterSp="0" showMasterPhAnim="0">
   <p:cSld>
     <p:spTree>
@@ -1680,250 +2362,6 @@
       <p:sp>
         <p:nvSpPr>
           <p:cNvPr id="125" name="Google Shape;125;g23ec2985a68_1_49:notes"/>
-          <p:cNvSpPr txBox="1">
-            <a:spLocks noGrp="1"/>
-          </p:cNvSpPr>
-          <p:nvPr>
-            <p:ph type="body" idx="1"/>
-          </p:nvPr>
-        </p:nvSpPr>
-        <p:spPr>
-          <a:xfrm>
-            <a:off x="685800" y="4343400"/>
-            <a:ext cx="5486400" cy="4114800"/>
-          </a:xfrm>
-          <a:prstGeom prst="rect">
-            <a:avLst/>
-          </a:prstGeom>
-          <a:noFill/>
-          <a:ln>
-            <a:noFill/>
-          </a:ln>
-        </p:spPr>
-        <p:txBody>
-          <a:bodyPr spcFirstLastPara="1" wrap="square" lIns="91425" tIns="91425" rIns="91425" bIns="91425" anchor="t" anchorCtr="0">
-            <a:noAutofit/>
-          </a:bodyPr>
-          <a:lstStyle/>
-          <a:p>
-            <a:pPr marL="0" lvl="0" indent="0" algn="l" rtl="0">
-              <a:lnSpc>
-                <a:spcPct val="100000"/>
-              </a:lnSpc>
-              <a:spcBef>
-                <a:spcPts val="0"/>
-              </a:spcBef>
-              <a:spcAft>
-                <a:spcPts val="0"/>
-              </a:spcAft>
-              <a:buSzPts val="1100"/>
-              <a:buNone/>
-            </a:pPr>
-            <a:endParaRPr/>
-          </a:p>
-        </p:txBody>
-      </p:sp>
-    </p:spTree>
-  </p:cSld>
-  <p:clrMapOvr>
-    <a:masterClrMapping/>
-  </p:clrMapOvr>
-</p:notes>
-</file>
-
-<file path=ppt/notesSlides/notesSlide8.xml><?xml version="1.0" encoding="utf-8"?>
-<p:notes xmlns:a="http://schemas.openxmlformats.org/drawingml/2006/main" xmlns:r="http://schemas.openxmlformats.org/officeDocument/2006/relationships" xmlns:p="http://schemas.openxmlformats.org/presentationml/2006/main" showMasterSp="0" showMasterPhAnim="0">
-  <p:cSld>
-    <p:spTree>
-      <p:nvGrpSpPr>
-        <p:cNvPr id="1" name="Shape 132"/>
-        <p:cNvGrpSpPr/>
-        <p:nvPr/>
-      </p:nvGrpSpPr>
-      <p:grpSpPr>
-        <a:xfrm>
-          <a:off x="0" y="0"/>
-          <a:ext cx="0" cy="0"/>
-          <a:chOff x="0" y="0"/>
-          <a:chExt cx="0" cy="0"/>
-        </a:xfrm>
-      </p:grpSpPr>
-      <p:sp>
-        <p:nvSpPr>
-          <p:cNvPr id="133" name="Google Shape;133;g23ec2985a68_1_56:notes"/>
-          <p:cNvSpPr>
-            <a:spLocks noGrp="1" noRot="1" noChangeAspect="1"/>
-          </p:cNvSpPr>
-          <p:nvPr>
-            <p:ph type="sldImg" idx="2"/>
-          </p:nvPr>
-        </p:nvSpPr>
-        <p:spPr>
-          <a:xfrm>
-            <a:off x="381000" y="685800"/>
-            <a:ext cx="6096000" cy="3429000"/>
-          </a:xfrm>
-          <a:custGeom>
-            <a:avLst/>
-            <a:gdLst/>
-            <a:ahLst/>
-            <a:cxnLst/>
-            <a:rect l="l" t="t" r="r" b="b"/>
-            <a:pathLst>
-              <a:path w="120000" h="120000" extrusionOk="0">
-                <a:moveTo>
-                  <a:pt x="0" y="0"/>
-                </a:moveTo>
-                <a:lnTo>
-                  <a:pt x="120000" y="0"/>
-                </a:lnTo>
-                <a:lnTo>
-                  <a:pt x="120000" y="120000"/>
-                </a:lnTo>
-                <a:lnTo>
-                  <a:pt x="0" y="120000"/>
-                </a:lnTo>
-                <a:close/>
-              </a:path>
-            </a:pathLst>
-          </a:custGeom>
-          <a:noFill/>
-          <a:ln w="9525" cap="flat" cmpd="sng">
-            <a:solidFill>
-              <a:srgbClr val="000000"/>
-            </a:solidFill>
-            <a:prstDash val="solid"/>
-            <a:round/>
-            <a:headEnd type="none" w="sm" len="sm"/>
-            <a:tailEnd type="none" w="sm" len="sm"/>
-          </a:ln>
-        </p:spPr>
-      </p:sp>
-      <p:sp>
-        <p:nvSpPr>
-          <p:cNvPr id="134" name="Google Shape;134;g23ec2985a68_1_56:notes"/>
-          <p:cNvSpPr txBox="1">
-            <a:spLocks noGrp="1"/>
-          </p:cNvSpPr>
-          <p:nvPr>
-            <p:ph type="body" idx="1"/>
-          </p:nvPr>
-        </p:nvSpPr>
-        <p:spPr>
-          <a:xfrm>
-            <a:off x="685800" y="4343400"/>
-            <a:ext cx="5486400" cy="4114800"/>
-          </a:xfrm>
-          <a:prstGeom prst="rect">
-            <a:avLst/>
-          </a:prstGeom>
-          <a:noFill/>
-          <a:ln>
-            <a:noFill/>
-          </a:ln>
-        </p:spPr>
-        <p:txBody>
-          <a:bodyPr spcFirstLastPara="1" wrap="square" lIns="91425" tIns="91425" rIns="91425" bIns="91425" anchor="t" anchorCtr="0">
-            <a:noAutofit/>
-          </a:bodyPr>
-          <a:lstStyle/>
-          <a:p>
-            <a:pPr marL="0" lvl="0" indent="0" algn="l" rtl="0">
-              <a:lnSpc>
-                <a:spcPct val="100000"/>
-              </a:lnSpc>
-              <a:spcBef>
-                <a:spcPts val="0"/>
-              </a:spcBef>
-              <a:spcAft>
-                <a:spcPts val="0"/>
-              </a:spcAft>
-              <a:buSzPts val="1100"/>
-              <a:buNone/>
-            </a:pPr>
-            <a:endParaRPr/>
-          </a:p>
-        </p:txBody>
-      </p:sp>
-    </p:spTree>
-  </p:cSld>
-  <p:clrMapOvr>
-    <a:masterClrMapping/>
-  </p:clrMapOvr>
-</p:notes>
-</file>
-
-<file path=ppt/notesSlides/notesSlide9.xml><?xml version="1.0" encoding="utf-8"?>
-<p:notes xmlns:a="http://schemas.openxmlformats.org/drawingml/2006/main" xmlns:r="http://schemas.openxmlformats.org/officeDocument/2006/relationships" xmlns:p="http://schemas.openxmlformats.org/presentationml/2006/main" showMasterSp="0" showMasterPhAnim="0">
-  <p:cSld>
-    <p:spTree>
-      <p:nvGrpSpPr>
-        <p:cNvPr id="1" name="Shape 141"/>
-        <p:cNvGrpSpPr/>
-        <p:nvPr/>
-      </p:nvGrpSpPr>
-      <p:grpSpPr>
-        <a:xfrm>
-          <a:off x="0" y="0"/>
-          <a:ext cx="0" cy="0"/>
-          <a:chOff x="0" y="0"/>
-          <a:chExt cx="0" cy="0"/>
-        </a:xfrm>
-      </p:grpSpPr>
-      <p:sp>
-        <p:nvSpPr>
-          <p:cNvPr id="142" name="Google Shape;142;p8:notes"/>
-          <p:cNvSpPr>
-            <a:spLocks noGrp="1" noRot="1" noChangeAspect="1"/>
-          </p:cNvSpPr>
-          <p:nvPr>
-            <p:ph type="sldImg" idx="2"/>
-          </p:nvPr>
-        </p:nvSpPr>
-        <p:spPr>
-          <a:xfrm>
-            <a:off x="381000" y="685800"/>
-            <a:ext cx="6096000" cy="3429000"/>
-          </a:xfrm>
-          <a:custGeom>
-            <a:avLst/>
-            <a:gdLst/>
-            <a:ahLst/>
-            <a:cxnLst/>
-            <a:rect l="l" t="t" r="r" b="b"/>
-            <a:pathLst>
-              <a:path w="120000" h="120000" extrusionOk="0">
-                <a:moveTo>
-                  <a:pt x="0" y="0"/>
-                </a:moveTo>
-                <a:lnTo>
-                  <a:pt x="120000" y="0"/>
-                </a:lnTo>
-                <a:lnTo>
-                  <a:pt x="120000" y="120000"/>
-                </a:lnTo>
-                <a:lnTo>
-                  <a:pt x="0" y="120000"/>
-                </a:lnTo>
-                <a:close/>
-              </a:path>
-            </a:pathLst>
-          </a:custGeom>
-          <a:noFill/>
-          <a:ln w="9525" cap="flat" cmpd="sng">
-            <a:solidFill>
-              <a:srgbClr val="000000"/>
-            </a:solidFill>
-            <a:prstDash val="solid"/>
-            <a:round/>
-            <a:headEnd type="none" w="sm" len="sm"/>
-            <a:tailEnd type="none" w="sm" len="sm"/>
-          </a:ln>
-        </p:spPr>
-      </p:sp>
-      <p:sp>
-        <p:nvSpPr>
-          <p:cNvPr id="143" name="Google Shape;143;p8:notes"/>
           <p:cNvSpPr txBox="1">
             <a:spLocks noGrp="1"/>
           </p:cNvSpPr>
@@ -10102,6 +10540,2364 @@
 </p:sld>
 </file>
 
+<file path=ppt/slides/slide10.xml><?xml version="1.0" encoding="utf-8"?>
+<p:sld xmlns:a="http://schemas.openxmlformats.org/drawingml/2006/main" xmlns:r="http://schemas.openxmlformats.org/officeDocument/2006/relationships" xmlns:p="http://schemas.openxmlformats.org/presentationml/2006/main">
+  <p:cSld>
+    <p:spTree>
+      <p:nvGrpSpPr>
+        <p:cNvPr id="1" name="Shape 135"/>
+        <p:cNvGrpSpPr/>
+        <p:nvPr/>
+      </p:nvGrpSpPr>
+      <p:grpSpPr>
+        <a:xfrm>
+          <a:off x="0" y="0"/>
+          <a:ext cx="0" cy="0"/>
+          <a:chOff x="0" y="0"/>
+          <a:chExt cx="0" cy="0"/>
+        </a:xfrm>
+      </p:grpSpPr>
+      <p:pic>
+        <p:nvPicPr>
+          <p:cNvPr id="136" name="Google Shape;136;g23ec2985a68_1_56"/>
+          <p:cNvPicPr preferRelativeResize="0"/>
+          <p:nvPr/>
+        </p:nvPicPr>
+        <p:blipFill rotWithShape="1">
+          <a:blip r:embed="rId3">
+            <a:alphaModFix amt="10000"/>
+          </a:blip>
+          <a:srcRect/>
+          <a:stretch/>
+        </p:blipFill>
+        <p:spPr>
+          <a:xfrm>
+            <a:off x="0" y="0"/>
+            <a:ext cx="9144001" cy="5143501"/>
+          </a:xfrm>
+          <a:prstGeom prst="rect">
+            <a:avLst/>
+          </a:prstGeom>
+          <a:noFill/>
+          <a:ln>
+            <a:noFill/>
+          </a:ln>
+        </p:spPr>
+      </p:pic>
+      <p:sp>
+        <p:nvSpPr>
+          <p:cNvPr id="138" name="Google Shape;138;g23ec2985a68_1_56"/>
+          <p:cNvSpPr txBox="1"/>
+          <p:nvPr/>
+        </p:nvSpPr>
+        <p:spPr>
+          <a:xfrm>
+            <a:off x="340500" y="452038"/>
+            <a:ext cx="8463000" cy="600134"/>
+          </a:xfrm>
+          <a:prstGeom prst="rect">
+            <a:avLst/>
+          </a:prstGeom>
+          <a:noFill/>
+          <a:ln>
+            <a:noFill/>
+          </a:ln>
+          <a:effectLst>
+            <a:outerShdw blurRad="57150" dist="19050" dir="2820000" algn="bl" rotWithShape="0">
+              <a:srgbClr val="B7B7B7">
+                <a:alpha val="85098"/>
+              </a:srgbClr>
+            </a:outerShdw>
+          </a:effectLst>
+        </p:spPr>
+        <p:txBody>
+          <a:bodyPr spcFirstLastPara="1" wrap="square" lIns="91425" tIns="91425" rIns="91425" bIns="91425" anchor="t" anchorCtr="0">
+            <a:spAutoFit/>
+          </a:bodyPr>
+          <a:lstStyle/>
+          <a:p>
+            <a:pPr marL="457200" marR="0" lvl="0" indent="-400050" algn="l" rtl="0">
+              <a:lnSpc>
+                <a:spcPct val="100000"/>
+              </a:lnSpc>
+              <a:spcBef>
+                <a:spcPts val="0"/>
+              </a:spcBef>
+              <a:spcAft>
+                <a:spcPts val="0"/>
+              </a:spcAft>
+              <a:buClr>
+                <a:srgbClr val="000000"/>
+              </a:buClr>
+              <a:buSzPts val="2700"/>
+              <a:buFont typeface="Rubik"/>
+              <a:buAutoNum type="arabicPeriod" startAt="4"/>
+            </a:pPr>
+            <a:r>
+              <a:rPr lang="en-US" sz="2700" b="1" i="0" u="none" strike="noStrike" cap="none" dirty="0">
+                <a:solidFill>
+                  <a:srgbClr val="000000"/>
+                </a:solidFill>
+                <a:latin typeface="Rubik"/>
+                <a:ea typeface="Rubik"/>
+                <a:cs typeface="Rubik"/>
+                <a:sym typeface="Rubik"/>
+              </a:rPr>
+              <a:t>Dashboard Profit YTD, dan Profit MAT.</a:t>
+            </a:r>
+          </a:p>
+        </p:txBody>
+      </p:sp>
+      <p:sp>
+        <p:nvSpPr>
+          <p:cNvPr id="139" name="Google Shape;139;g23ec2985a68_1_56"/>
+          <p:cNvSpPr txBox="1"/>
+          <p:nvPr/>
+        </p:nvSpPr>
+        <p:spPr>
+          <a:xfrm>
+            <a:off x="804524" y="1370809"/>
+            <a:ext cx="7998976" cy="877133"/>
+          </a:xfrm>
+          <a:prstGeom prst="rect">
+            <a:avLst/>
+          </a:prstGeom>
+          <a:noFill/>
+          <a:ln>
+            <a:noFill/>
+          </a:ln>
+          <a:effectLst>
+            <a:outerShdw blurRad="57150" dist="19050" dir="2820000" algn="bl" rotWithShape="0">
+              <a:srgbClr val="B7B7B7">
+                <a:alpha val="85098"/>
+              </a:srgbClr>
+            </a:outerShdw>
+          </a:effectLst>
+        </p:spPr>
+        <p:txBody>
+          <a:bodyPr spcFirstLastPara="1" wrap="square" lIns="91425" tIns="91425" rIns="91425" bIns="91425" anchor="t" anchorCtr="0">
+            <a:spAutoFit/>
+          </a:bodyPr>
+          <a:lstStyle/>
+          <a:p>
+            <a:pPr marL="0" marR="0" lvl="0" indent="0" algn="l" rtl="0">
+              <a:lnSpc>
+                <a:spcPct val="150000"/>
+              </a:lnSpc>
+              <a:spcBef>
+                <a:spcPts val="0"/>
+              </a:spcBef>
+              <a:spcAft>
+                <a:spcPts val="0"/>
+              </a:spcAft>
+              <a:buClr>
+                <a:schemeClr val="dk1"/>
+              </a:buClr>
+              <a:buSzPts val="1400"/>
+              <a:buFont typeface="Arial"/>
+              <a:buNone/>
+            </a:pPr>
+            <a:r>
+              <a:rPr lang="id-ID" sz="1500" b="0" i="0" u="none" strike="noStrike" cap="none" dirty="0">
+                <a:solidFill>
+                  <a:schemeClr val="dk1"/>
+                </a:solidFill>
+                <a:latin typeface="Rubik"/>
+                <a:ea typeface="Rubik"/>
+                <a:cs typeface="Rubik"/>
+                <a:sym typeface="Rubik"/>
+              </a:rPr>
+              <a:t>Saya membuat dashboard untuk </a:t>
+            </a:r>
+            <a:r>
+              <a:rPr lang="en-US" sz="1500" b="0" i="0" u="none" strike="noStrike" cap="none" dirty="0">
+                <a:solidFill>
+                  <a:schemeClr val="dk1"/>
+                </a:solidFill>
+                <a:latin typeface="Rubik"/>
+                <a:ea typeface="Rubik"/>
+                <a:cs typeface="Rubik"/>
+                <a:sym typeface="Rubik"/>
+              </a:rPr>
+              <a:t>Profit YTD (Year-To-Date), dan Profit MAT (Moving Annual Total) agar </a:t>
+            </a:r>
+            <a:r>
+              <a:rPr lang="en-US" sz="1500" b="0" i="0" u="none" strike="noStrike" cap="none" dirty="0" err="1">
+                <a:solidFill>
+                  <a:schemeClr val="dk1"/>
+                </a:solidFill>
+                <a:latin typeface="Rubik"/>
+                <a:ea typeface="Rubik"/>
+                <a:cs typeface="Rubik"/>
+                <a:sym typeface="Rubik"/>
+              </a:rPr>
+              <a:t>memudahkan</a:t>
+            </a:r>
+            <a:r>
+              <a:rPr lang="en-US" sz="1500" b="0" i="0" u="none" strike="noStrike" cap="none" dirty="0">
+                <a:solidFill>
+                  <a:schemeClr val="dk1"/>
+                </a:solidFill>
+                <a:latin typeface="Rubik"/>
+                <a:ea typeface="Rubik"/>
+                <a:cs typeface="Rubik"/>
+                <a:sym typeface="Rubik"/>
+              </a:rPr>
+              <a:t> </a:t>
+            </a:r>
+            <a:r>
+              <a:rPr lang="en-US" sz="1500" b="0" i="0" u="none" strike="noStrike" cap="none" dirty="0" err="1">
+                <a:solidFill>
+                  <a:schemeClr val="dk1"/>
+                </a:solidFill>
+                <a:latin typeface="Rubik"/>
+                <a:ea typeface="Rubik"/>
+                <a:cs typeface="Rubik"/>
+                <a:sym typeface="Rubik"/>
+              </a:rPr>
+              <a:t>dalam</a:t>
+            </a:r>
+            <a:r>
+              <a:rPr lang="en-US" sz="1500" b="0" i="0" u="none" strike="noStrike" cap="none" dirty="0">
+                <a:solidFill>
+                  <a:schemeClr val="dk1"/>
+                </a:solidFill>
+                <a:latin typeface="Rubik"/>
+                <a:ea typeface="Rubik"/>
+                <a:cs typeface="Rubik"/>
+                <a:sym typeface="Rubik"/>
+              </a:rPr>
+              <a:t> </a:t>
+            </a:r>
+            <a:r>
+              <a:rPr lang="en-US" sz="1500" b="0" i="0" u="none" strike="noStrike" cap="none" dirty="0" err="1">
+                <a:solidFill>
+                  <a:schemeClr val="dk1"/>
+                </a:solidFill>
+                <a:latin typeface="Rubik"/>
+                <a:ea typeface="Rubik"/>
+                <a:cs typeface="Rubik"/>
+                <a:sym typeface="Rubik"/>
+              </a:rPr>
+              <a:t>melakukan</a:t>
+            </a:r>
+            <a:r>
+              <a:rPr lang="en-US" sz="1500" b="0" i="0" u="none" strike="noStrike" cap="none" dirty="0">
+                <a:solidFill>
+                  <a:schemeClr val="dk1"/>
+                </a:solidFill>
+                <a:latin typeface="Rubik"/>
+                <a:ea typeface="Rubik"/>
+                <a:cs typeface="Rubik"/>
+                <a:sym typeface="Rubik"/>
+              </a:rPr>
+              <a:t> </a:t>
+            </a:r>
+            <a:r>
+              <a:rPr lang="en-US" sz="1500" b="0" i="0" u="none" strike="noStrike" cap="none" dirty="0" err="1">
+                <a:solidFill>
+                  <a:schemeClr val="dk1"/>
+                </a:solidFill>
+                <a:latin typeface="Rubik"/>
+                <a:ea typeface="Rubik"/>
+                <a:cs typeface="Rubik"/>
+                <a:sym typeface="Rubik"/>
+              </a:rPr>
+              <a:t>analisis</a:t>
+            </a:r>
+            <a:r>
+              <a:rPr lang="en-US" sz="1500" b="0" i="0" u="none" strike="noStrike" cap="none" dirty="0">
+                <a:solidFill>
+                  <a:schemeClr val="dk1"/>
+                </a:solidFill>
+                <a:latin typeface="Rubik"/>
+                <a:ea typeface="Rubik"/>
+                <a:cs typeface="Rubik"/>
+                <a:sym typeface="Rubik"/>
+              </a:rPr>
+              <a:t> </a:t>
+            </a:r>
+            <a:r>
+              <a:rPr lang="en-US" sz="1500" b="0" i="0" u="none" strike="noStrike" cap="none" dirty="0" err="1">
+                <a:solidFill>
+                  <a:schemeClr val="dk1"/>
+                </a:solidFill>
+                <a:latin typeface="Rubik"/>
+                <a:ea typeface="Rubik"/>
+                <a:cs typeface="Rubik"/>
+                <a:sym typeface="Rubik"/>
+              </a:rPr>
+              <a:t>terhadap</a:t>
+            </a:r>
+            <a:r>
+              <a:rPr lang="en-US" sz="1500" b="0" i="0" u="none" strike="noStrike" cap="none" dirty="0">
+                <a:solidFill>
+                  <a:schemeClr val="dk1"/>
+                </a:solidFill>
+                <a:latin typeface="Rubik"/>
+                <a:ea typeface="Rubik"/>
+                <a:cs typeface="Rubik"/>
+                <a:sym typeface="Rubik"/>
+              </a:rPr>
+              <a:t> data yang </a:t>
+            </a:r>
+            <a:r>
+              <a:rPr lang="en-US" sz="1500" b="0" i="0" u="none" strike="noStrike" cap="none" dirty="0" err="1">
+                <a:solidFill>
+                  <a:schemeClr val="dk1"/>
+                </a:solidFill>
+                <a:latin typeface="Rubik"/>
+                <a:ea typeface="Rubik"/>
+                <a:cs typeface="Rubik"/>
+                <a:sym typeface="Rubik"/>
+              </a:rPr>
+              <a:t>ada</a:t>
+            </a:r>
+            <a:r>
+              <a:rPr lang="en-US" sz="1500" b="0" i="0" u="none" strike="noStrike" cap="none" dirty="0">
+                <a:solidFill>
+                  <a:schemeClr val="dk1"/>
+                </a:solidFill>
+                <a:latin typeface="Rubik"/>
+                <a:ea typeface="Rubik"/>
+                <a:cs typeface="Rubik"/>
+                <a:sym typeface="Rubik"/>
+              </a:rPr>
+              <a:t>.</a:t>
+            </a:r>
+          </a:p>
+        </p:txBody>
+      </p:sp>
+      <p:pic>
+        <p:nvPicPr>
+          <p:cNvPr id="3" name="Picture 2">
+            <a:extLst>
+              <a:ext uri="{FF2B5EF4-FFF2-40B4-BE49-F238E27FC236}">
+                <a16:creationId xmlns:a16="http://schemas.microsoft.com/office/drawing/2014/main" id="{FB15D936-00C9-F712-37D9-20524F9450FE}"/>
+              </a:ext>
+            </a:extLst>
+          </p:cNvPr>
+          <p:cNvPicPr>
+            <a:picLocks noChangeAspect="1"/>
+          </p:cNvPicPr>
+          <p:nvPr/>
+        </p:nvPicPr>
+        <p:blipFill>
+          <a:blip r:embed="rId4"/>
+          <a:stretch>
+            <a:fillRect/>
+          </a:stretch>
+        </p:blipFill>
+        <p:spPr>
+          <a:xfrm>
+            <a:off x="900752" y="2247942"/>
+            <a:ext cx="4576550" cy="2692888"/>
+          </a:xfrm>
+          <a:prstGeom prst="rect">
+            <a:avLst/>
+          </a:prstGeom>
+        </p:spPr>
+      </p:pic>
+    </p:spTree>
+  </p:cSld>
+  <p:clrMapOvr>
+    <a:masterClrMapping/>
+  </p:clrMapOvr>
+</p:sld>
+</file>
+
+<file path=ppt/slides/slide11.xml><?xml version="1.0" encoding="utf-8"?>
+<p:sld xmlns:a="http://schemas.openxmlformats.org/drawingml/2006/main" xmlns:r="http://schemas.openxmlformats.org/officeDocument/2006/relationships" xmlns:p="http://schemas.openxmlformats.org/presentationml/2006/main">
+  <p:cSld>
+    <p:spTree>
+      <p:nvGrpSpPr>
+        <p:cNvPr id="1" name="Shape 90">
+          <a:extLst>
+            <a:ext uri="{FF2B5EF4-FFF2-40B4-BE49-F238E27FC236}">
+              <a16:creationId xmlns:a16="http://schemas.microsoft.com/office/drawing/2014/main" id="{4353B51C-71E2-1FDE-DC9C-2768E861FF7F}"/>
+            </a:ext>
+          </a:extLst>
+        </p:cNvPr>
+        <p:cNvGrpSpPr/>
+        <p:nvPr/>
+      </p:nvGrpSpPr>
+      <p:grpSpPr>
+        <a:xfrm>
+          <a:off x="0" y="0"/>
+          <a:ext cx="0" cy="0"/>
+          <a:chOff x="0" y="0"/>
+          <a:chExt cx="0" cy="0"/>
+        </a:xfrm>
+      </p:grpSpPr>
+      <p:pic>
+        <p:nvPicPr>
+          <p:cNvPr id="91" name="Google Shape;91;p4">
+            <a:extLst>
+              <a:ext uri="{FF2B5EF4-FFF2-40B4-BE49-F238E27FC236}">
+                <a16:creationId xmlns:a16="http://schemas.microsoft.com/office/drawing/2014/main" id="{15414601-A948-59CD-CC37-1A9FF7C36C2B}"/>
+              </a:ext>
+            </a:extLst>
+          </p:cNvPr>
+          <p:cNvPicPr preferRelativeResize="0"/>
+          <p:nvPr/>
+        </p:nvPicPr>
+        <p:blipFill rotWithShape="1">
+          <a:blip r:embed="rId3">
+            <a:alphaModFix amt="10000"/>
+          </a:blip>
+          <a:srcRect/>
+          <a:stretch/>
+        </p:blipFill>
+        <p:spPr>
+          <a:xfrm>
+            <a:off x="0" y="0"/>
+            <a:ext cx="9144001" cy="5143501"/>
+          </a:xfrm>
+          <a:prstGeom prst="rect">
+            <a:avLst/>
+          </a:prstGeom>
+          <a:noFill/>
+          <a:ln>
+            <a:noFill/>
+          </a:ln>
+        </p:spPr>
+      </p:pic>
+      <p:sp>
+        <p:nvSpPr>
+          <p:cNvPr id="5" name="Google Shape;93;p4">
+            <a:extLst>
+              <a:ext uri="{FF2B5EF4-FFF2-40B4-BE49-F238E27FC236}">
+                <a16:creationId xmlns:a16="http://schemas.microsoft.com/office/drawing/2014/main" id="{00CE43C0-DB46-D7F6-F6DE-4B964A9ED603}"/>
+              </a:ext>
+            </a:extLst>
+          </p:cNvPr>
+          <p:cNvSpPr txBox="1"/>
+          <p:nvPr/>
+        </p:nvSpPr>
+        <p:spPr>
+          <a:xfrm>
+            <a:off x="340500" y="819919"/>
+            <a:ext cx="8462999" cy="1883562"/>
+          </a:xfrm>
+          <a:prstGeom prst="rect">
+            <a:avLst/>
+          </a:prstGeom>
+          <a:noFill/>
+          <a:ln>
+            <a:noFill/>
+          </a:ln>
+        </p:spPr>
+        <p:txBody>
+          <a:bodyPr spcFirstLastPara="1" wrap="square" lIns="91425" tIns="91425" rIns="91425" bIns="91425" anchor="t" anchorCtr="0">
+            <a:spAutoFit/>
+          </a:bodyPr>
+          <a:lstStyle/>
+          <a:p>
+            <a:pPr marL="228600" marR="0" lvl="0" indent="-228600" algn="just" defTabSz="914400" rtl="0" eaLnBrk="1" fontAlgn="auto" latinLnBrk="0" hangingPunct="1">
+              <a:lnSpc>
+                <a:spcPct val="115000"/>
+              </a:lnSpc>
+              <a:spcBef>
+                <a:spcPts val="0"/>
+              </a:spcBef>
+              <a:spcAft>
+                <a:spcPts val="0"/>
+              </a:spcAft>
+              <a:buClr>
+                <a:srgbClr val="000000"/>
+              </a:buClr>
+              <a:buSzPts val="1100"/>
+              <a:buFont typeface="Arial"/>
+              <a:buAutoNum type="arabicPeriod"/>
+              <a:tabLst/>
+              <a:defRPr/>
+            </a:pPr>
+            <a:r>
+              <a:rPr kumimoji="0" lang="en-US" sz="1200" b="0" i="0" u="none" strike="noStrike" kern="0" cap="none" spc="0" normalizeH="0" baseline="0" noProof="0" dirty="0" err="1">
+                <a:ln>
+                  <a:noFill/>
+                </a:ln>
+                <a:solidFill>
+                  <a:srgbClr val="000000"/>
+                </a:solidFill>
+                <a:effectLst/>
+                <a:uLnTx/>
+                <a:uFillTx/>
+                <a:latin typeface="Rubik"/>
+                <a:ea typeface="Rubik"/>
+                <a:cs typeface="Rubik"/>
+                <a:sym typeface="Rubik"/>
+              </a:rPr>
+              <a:t>Gunakan</a:t>
+            </a:r>
+            <a:r>
+              <a:rPr kumimoji="0" lang="en-US" sz="1200" b="0" i="0" u="none" strike="noStrike" kern="0" cap="none" spc="0" normalizeH="0" baseline="0" noProof="0" dirty="0">
+                <a:ln>
+                  <a:noFill/>
+                </a:ln>
+                <a:solidFill>
+                  <a:srgbClr val="000000"/>
+                </a:solidFill>
+                <a:effectLst/>
+                <a:uLnTx/>
+                <a:uFillTx/>
+                <a:latin typeface="Rubik"/>
+                <a:ea typeface="Rubik"/>
+                <a:cs typeface="Rubik"/>
+                <a:sym typeface="Rubik"/>
+              </a:rPr>
+              <a:t> YTD </a:t>
+            </a:r>
+            <a:r>
+              <a:rPr kumimoji="0" lang="en-US" sz="1200" b="0" i="0" u="none" strike="noStrike" kern="0" cap="none" spc="0" normalizeH="0" baseline="0" noProof="0" dirty="0" err="1">
+                <a:ln>
+                  <a:noFill/>
+                </a:ln>
+                <a:solidFill>
+                  <a:srgbClr val="000000"/>
+                </a:solidFill>
+                <a:effectLst/>
+                <a:uLnTx/>
+                <a:uFillTx/>
+                <a:latin typeface="Rubik"/>
+                <a:ea typeface="Rubik"/>
+                <a:cs typeface="Rubik"/>
+                <a:sym typeface="Rubik"/>
+              </a:rPr>
+              <a:t>untuk</a:t>
+            </a:r>
+            <a:r>
+              <a:rPr kumimoji="0" lang="en-US" sz="1200" b="0" i="0" u="none" strike="noStrike" kern="0" cap="none" spc="0" normalizeH="0" baseline="0" noProof="0" dirty="0">
+                <a:ln>
+                  <a:noFill/>
+                </a:ln>
+                <a:solidFill>
+                  <a:srgbClr val="000000"/>
+                </a:solidFill>
+                <a:effectLst/>
+                <a:uLnTx/>
+                <a:uFillTx/>
+                <a:latin typeface="Rubik"/>
+                <a:ea typeface="Rubik"/>
+                <a:cs typeface="Rubik"/>
+                <a:sym typeface="Rubik"/>
+              </a:rPr>
+              <a:t> </a:t>
+            </a:r>
+            <a:r>
+              <a:rPr kumimoji="0" lang="en-US" sz="1200" b="0" i="0" u="none" strike="noStrike" kern="0" cap="none" spc="0" normalizeH="0" baseline="0" noProof="0" dirty="0" err="1">
+                <a:ln>
+                  <a:noFill/>
+                </a:ln>
+                <a:solidFill>
+                  <a:srgbClr val="000000"/>
+                </a:solidFill>
+                <a:effectLst/>
+                <a:uLnTx/>
+                <a:uFillTx/>
+                <a:latin typeface="Rubik"/>
+                <a:ea typeface="Rubik"/>
+                <a:cs typeface="Rubik"/>
+                <a:sym typeface="Rubik"/>
+              </a:rPr>
+              <a:t>perbandingan</a:t>
+            </a:r>
+            <a:r>
+              <a:rPr kumimoji="0" lang="en-US" sz="1200" b="0" i="0" u="none" strike="noStrike" kern="0" cap="none" spc="0" normalizeH="0" baseline="0" noProof="0" dirty="0">
+                <a:ln>
+                  <a:noFill/>
+                </a:ln>
+                <a:solidFill>
+                  <a:srgbClr val="000000"/>
+                </a:solidFill>
+                <a:effectLst/>
+                <a:uLnTx/>
+                <a:uFillTx/>
+                <a:latin typeface="Rubik"/>
+                <a:ea typeface="Rubik"/>
+                <a:cs typeface="Rubik"/>
+                <a:sym typeface="Rubik"/>
+              </a:rPr>
+              <a:t> </a:t>
+            </a:r>
+            <a:r>
+              <a:rPr kumimoji="0" lang="en-US" sz="1200" b="0" i="0" u="none" strike="noStrike" kern="0" cap="none" spc="0" normalizeH="0" baseline="0" noProof="0" dirty="0" err="1">
+                <a:ln>
+                  <a:noFill/>
+                </a:ln>
+                <a:solidFill>
+                  <a:srgbClr val="000000"/>
+                </a:solidFill>
+                <a:effectLst/>
+                <a:uLnTx/>
+                <a:uFillTx/>
+                <a:latin typeface="Rubik"/>
+                <a:ea typeface="Rubik"/>
+                <a:cs typeface="Rubik"/>
+                <a:sym typeface="Rubik"/>
+              </a:rPr>
+              <a:t>dengan</a:t>
+            </a:r>
+            <a:r>
+              <a:rPr kumimoji="0" lang="en-US" sz="1200" b="0" i="0" u="none" strike="noStrike" kern="0" cap="none" spc="0" normalizeH="0" baseline="0" noProof="0" dirty="0">
+                <a:ln>
+                  <a:noFill/>
+                </a:ln>
+                <a:solidFill>
+                  <a:srgbClr val="000000"/>
+                </a:solidFill>
+                <a:effectLst/>
+                <a:uLnTx/>
+                <a:uFillTx/>
+                <a:latin typeface="Rubik"/>
+                <a:ea typeface="Rubik"/>
+                <a:cs typeface="Rubik"/>
+                <a:sym typeface="Rubik"/>
+              </a:rPr>
+              <a:t> </a:t>
+            </a:r>
+            <a:r>
+              <a:rPr kumimoji="0" lang="en-US" sz="1200" b="0" i="0" u="none" strike="noStrike" kern="0" cap="none" spc="0" normalizeH="0" baseline="0" noProof="0" dirty="0" err="1">
+                <a:ln>
+                  <a:noFill/>
+                </a:ln>
+                <a:solidFill>
+                  <a:srgbClr val="000000"/>
+                </a:solidFill>
+                <a:effectLst/>
+                <a:uLnTx/>
+                <a:uFillTx/>
+                <a:latin typeface="Rubik"/>
+                <a:ea typeface="Rubik"/>
+                <a:cs typeface="Rubik"/>
+                <a:sym typeface="Rubik"/>
+              </a:rPr>
+              <a:t>periode</a:t>
+            </a:r>
+            <a:r>
+              <a:rPr kumimoji="0" lang="en-US" sz="1200" b="0" i="0" u="none" strike="noStrike" kern="0" cap="none" spc="0" normalizeH="0" baseline="0" noProof="0" dirty="0">
+                <a:ln>
+                  <a:noFill/>
+                </a:ln>
+                <a:solidFill>
+                  <a:srgbClr val="000000"/>
+                </a:solidFill>
+                <a:effectLst/>
+                <a:uLnTx/>
+                <a:uFillTx/>
+                <a:latin typeface="Rubik"/>
+                <a:ea typeface="Rubik"/>
+                <a:cs typeface="Rubik"/>
+                <a:sym typeface="Rubik"/>
+              </a:rPr>
+              <a:t> yang </a:t>
+            </a:r>
+            <a:r>
+              <a:rPr kumimoji="0" lang="en-US" sz="1200" b="0" i="0" u="none" strike="noStrike" kern="0" cap="none" spc="0" normalizeH="0" baseline="0" noProof="0" dirty="0" err="1">
+                <a:ln>
+                  <a:noFill/>
+                </a:ln>
+                <a:solidFill>
+                  <a:srgbClr val="000000"/>
+                </a:solidFill>
+                <a:effectLst/>
+                <a:uLnTx/>
+                <a:uFillTx/>
+                <a:latin typeface="Rubik"/>
+                <a:ea typeface="Rubik"/>
+                <a:cs typeface="Rubik"/>
+                <a:sym typeface="Rubik"/>
+              </a:rPr>
+              <a:t>sama</a:t>
+            </a:r>
+            <a:r>
+              <a:rPr kumimoji="0" lang="en-US" sz="1200" b="0" i="0" u="none" strike="noStrike" kern="0" cap="none" spc="0" normalizeH="0" baseline="0" noProof="0" dirty="0">
+                <a:ln>
+                  <a:noFill/>
+                </a:ln>
+                <a:solidFill>
+                  <a:srgbClr val="000000"/>
+                </a:solidFill>
+                <a:effectLst/>
+                <a:uLnTx/>
+                <a:uFillTx/>
+                <a:latin typeface="Rubik"/>
+                <a:ea typeface="Rubik"/>
+                <a:cs typeface="Rubik"/>
+                <a:sym typeface="Rubik"/>
+              </a:rPr>
+              <a:t> </a:t>
+            </a:r>
+            <a:r>
+              <a:rPr kumimoji="0" lang="en-US" sz="1200" b="0" i="0" u="none" strike="noStrike" kern="0" cap="none" spc="0" normalizeH="0" baseline="0" noProof="0" dirty="0" err="1">
+                <a:ln>
+                  <a:noFill/>
+                </a:ln>
+                <a:solidFill>
+                  <a:srgbClr val="000000"/>
+                </a:solidFill>
+                <a:effectLst/>
+                <a:uLnTx/>
+                <a:uFillTx/>
+                <a:latin typeface="Rubik"/>
+                <a:ea typeface="Rubik"/>
+                <a:cs typeface="Rubik"/>
+                <a:sym typeface="Rubik"/>
+              </a:rPr>
+              <a:t>dengan</a:t>
+            </a:r>
+            <a:r>
+              <a:rPr kumimoji="0" lang="en-US" sz="1200" b="0" i="0" u="none" strike="noStrike" kern="0" cap="none" spc="0" normalizeH="0" baseline="0" noProof="0" dirty="0">
+                <a:ln>
+                  <a:noFill/>
+                </a:ln>
+                <a:solidFill>
+                  <a:srgbClr val="000000"/>
+                </a:solidFill>
+                <a:effectLst/>
+                <a:uLnTx/>
+                <a:uFillTx/>
+                <a:latin typeface="Rubik"/>
+                <a:ea typeface="Rubik"/>
+                <a:cs typeface="Rubik"/>
+                <a:sym typeface="Rubik"/>
+              </a:rPr>
+              <a:t> </a:t>
+            </a:r>
+            <a:r>
+              <a:rPr kumimoji="0" lang="en-US" sz="1200" b="0" i="0" u="none" strike="noStrike" kern="0" cap="none" spc="0" normalizeH="0" baseline="0" noProof="0" dirty="0" err="1">
+                <a:ln>
+                  <a:noFill/>
+                </a:ln>
+                <a:solidFill>
+                  <a:srgbClr val="000000"/>
+                </a:solidFill>
+                <a:effectLst/>
+                <a:uLnTx/>
+                <a:uFillTx/>
+                <a:latin typeface="Rubik"/>
+                <a:ea typeface="Rubik"/>
+                <a:cs typeface="Rubik"/>
+                <a:sym typeface="Rubik"/>
+              </a:rPr>
+              <a:t>tahun</a:t>
+            </a:r>
+            <a:r>
+              <a:rPr kumimoji="0" lang="en-US" sz="1200" b="0" i="0" u="none" strike="noStrike" kern="0" cap="none" spc="0" normalizeH="0" baseline="0" noProof="0" dirty="0">
+                <a:ln>
+                  <a:noFill/>
+                </a:ln>
+                <a:solidFill>
+                  <a:srgbClr val="000000"/>
+                </a:solidFill>
+                <a:effectLst/>
+                <a:uLnTx/>
+                <a:uFillTx/>
+                <a:latin typeface="Rubik"/>
+                <a:ea typeface="Rubik"/>
+                <a:cs typeface="Rubik"/>
+                <a:sym typeface="Rubik"/>
+              </a:rPr>
+              <a:t> </a:t>
+            </a:r>
+            <a:r>
+              <a:rPr kumimoji="0" lang="en-US" sz="1200" b="0" i="0" u="none" strike="noStrike" kern="0" cap="none" spc="0" normalizeH="0" baseline="0" noProof="0" dirty="0" err="1">
+                <a:ln>
+                  <a:noFill/>
+                </a:ln>
+                <a:solidFill>
+                  <a:srgbClr val="000000"/>
+                </a:solidFill>
+                <a:effectLst/>
+                <a:uLnTx/>
+                <a:uFillTx/>
+                <a:latin typeface="Rubik"/>
+                <a:ea typeface="Rubik"/>
+                <a:cs typeface="Rubik"/>
+                <a:sym typeface="Rubik"/>
+              </a:rPr>
+              <a:t>sebelumnya</a:t>
+            </a:r>
+            <a:r>
+              <a:rPr kumimoji="0" lang="en-US" sz="1200" b="0" i="0" u="none" strike="noStrike" kern="0" cap="none" spc="0" normalizeH="0" baseline="0" noProof="0" dirty="0">
+                <a:ln>
+                  <a:noFill/>
+                </a:ln>
+                <a:solidFill>
+                  <a:srgbClr val="000000"/>
+                </a:solidFill>
+                <a:effectLst/>
+                <a:uLnTx/>
+                <a:uFillTx/>
+                <a:latin typeface="Rubik"/>
+                <a:ea typeface="Rubik"/>
+                <a:cs typeface="Rubik"/>
+                <a:sym typeface="Rubik"/>
+              </a:rPr>
+              <a:t>. </a:t>
+            </a:r>
+            <a:r>
+              <a:rPr kumimoji="0" lang="en-US" sz="1200" b="0" i="0" u="none" strike="noStrike" kern="0" cap="none" spc="0" normalizeH="0" baseline="0" noProof="0" dirty="0" err="1">
+                <a:ln>
+                  <a:noFill/>
+                </a:ln>
+                <a:solidFill>
+                  <a:srgbClr val="000000"/>
+                </a:solidFill>
+                <a:effectLst/>
+                <a:uLnTx/>
+                <a:uFillTx/>
+                <a:latin typeface="Rubik"/>
+                <a:ea typeface="Rubik"/>
+                <a:cs typeface="Rubik"/>
+                <a:sym typeface="Rubik"/>
+              </a:rPr>
+              <a:t>Apabila</a:t>
+            </a:r>
+            <a:r>
+              <a:rPr kumimoji="0" lang="en-US" sz="1200" b="0" i="0" u="none" strike="noStrike" kern="0" cap="none" spc="0" normalizeH="0" baseline="0" noProof="0" dirty="0">
+                <a:ln>
+                  <a:noFill/>
+                </a:ln>
+                <a:solidFill>
+                  <a:srgbClr val="000000"/>
+                </a:solidFill>
+                <a:effectLst/>
+                <a:uLnTx/>
+                <a:uFillTx/>
+                <a:latin typeface="Rubik"/>
+                <a:ea typeface="Rubik"/>
+                <a:cs typeface="Rubik"/>
+                <a:sym typeface="Rubik"/>
+              </a:rPr>
+              <a:t> </a:t>
+            </a:r>
+            <a:r>
+              <a:rPr kumimoji="0" lang="en-US" sz="1200" b="0" i="0" u="none" strike="noStrike" kern="0" cap="none" spc="0" normalizeH="0" baseline="0" noProof="0" dirty="0" err="1">
+                <a:ln>
+                  <a:noFill/>
+                </a:ln>
+                <a:solidFill>
+                  <a:srgbClr val="000000"/>
+                </a:solidFill>
+                <a:effectLst/>
+                <a:uLnTx/>
+                <a:uFillTx/>
+                <a:latin typeface="Rubik"/>
+                <a:ea typeface="Rubik"/>
+                <a:cs typeface="Rubik"/>
+                <a:sym typeface="Rubik"/>
+              </a:rPr>
+              <a:t>terjadi</a:t>
+            </a:r>
+            <a:r>
+              <a:rPr kumimoji="0" lang="en-US" sz="1200" b="0" i="0" u="none" strike="noStrike" kern="0" cap="none" spc="0" normalizeH="0" baseline="0" noProof="0" dirty="0">
+                <a:ln>
+                  <a:noFill/>
+                </a:ln>
+                <a:solidFill>
+                  <a:srgbClr val="000000"/>
+                </a:solidFill>
+                <a:effectLst/>
+                <a:uLnTx/>
+                <a:uFillTx/>
+                <a:latin typeface="Rubik"/>
+                <a:ea typeface="Rubik"/>
+                <a:cs typeface="Rubik"/>
+                <a:sym typeface="Rubik"/>
+              </a:rPr>
+              <a:t> </a:t>
+            </a:r>
+            <a:r>
+              <a:rPr kumimoji="0" lang="en-US" sz="1200" b="0" i="0" u="none" strike="noStrike" kern="0" cap="none" spc="0" normalizeH="0" baseline="0" noProof="0" dirty="0" err="1">
+                <a:ln>
+                  <a:noFill/>
+                </a:ln>
+                <a:solidFill>
+                  <a:srgbClr val="000000"/>
+                </a:solidFill>
+                <a:effectLst/>
+                <a:uLnTx/>
+                <a:uFillTx/>
+                <a:latin typeface="Rubik"/>
+                <a:ea typeface="Rubik"/>
+                <a:cs typeface="Rubik"/>
+                <a:sym typeface="Rubik"/>
+              </a:rPr>
+              <a:t>penurunan</a:t>
+            </a:r>
+            <a:r>
+              <a:rPr kumimoji="0" lang="en-US" sz="1200" b="0" i="0" u="none" strike="noStrike" kern="0" cap="none" spc="0" normalizeH="0" baseline="0" noProof="0" dirty="0">
+                <a:ln>
+                  <a:noFill/>
+                </a:ln>
+                <a:solidFill>
+                  <a:srgbClr val="000000"/>
+                </a:solidFill>
+                <a:effectLst/>
+                <a:uLnTx/>
+                <a:uFillTx/>
+                <a:latin typeface="Rubik"/>
+                <a:ea typeface="Rubik"/>
+                <a:cs typeface="Rubik"/>
+                <a:sym typeface="Rubik"/>
+              </a:rPr>
+              <a:t>, </a:t>
+            </a:r>
+            <a:r>
+              <a:rPr kumimoji="0" lang="en-US" sz="1200" b="0" i="0" u="none" strike="noStrike" kern="0" cap="none" spc="0" normalizeH="0" baseline="0" noProof="0" dirty="0" err="1">
+                <a:ln>
+                  <a:noFill/>
+                </a:ln>
+                <a:solidFill>
+                  <a:srgbClr val="000000"/>
+                </a:solidFill>
+                <a:effectLst/>
+                <a:uLnTx/>
+                <a:uFillTx/>
+                <a:latin typeface="Rubik"/>
+                <a:ea typeface="Rubik"/>
+                <a:cs typeface="Rubik"/>
+                <a:sym typeface="Rubik"/>
+              </a:rPr>
+              <a:t>analisis</a:t>
+            </a:r>
+            <a:r>
+              <a:rPr kumimoji="0" lang="en-US" sz="1200" b="0" i="0" u="none" strike="noStrike" kern="0" cap="none" spc="0" normalizeH="0" baseline="0" noProof="0" dirty="0">
+                <a:ln>
+                  <a:noFill/>
+                </a:ln>
+                <a:solidFill>
+                  <a:srgbClr val="000000"/>
+                </a:solidFill>
+                <a:effectLst/>
+                <a:uLnTx/>
+                <a:uFillTx/>
+                <a:latin typeface="Rubik"/>
+                <a:ea typeface="Rubik"/>
+                <a:cs typeface="Rubik"/>
+                <a:sym typeface="Rubik"/>
+              </a:rPr>
+              <a:t> </a:t>
+            </a:r>
+            <a:r>
+              <a:rPr kumimoji="0" lang="en-US" sz="1200" b="0" i="0" u="none" strike="noStrike" kern="0" cap="none" spc="0" normalizeH="0" baseline="0" noProof="0" dirty="0" err="1">
+                <a:ln>
+                  <a:noFill/>
+                </a:ln>
+                <a:solidFill>
+                  <a:srgbClr val="000000"/>
+                </a:solidFill>
+                <a:effectLst/>
+                <a:uLnTx/>
+                <a:uFillTx/>
+                <a:latin typeface="Rubik"/>
+                <a:ea typeface="Rubik"/>
+                <a:cs typeface="Rubik"/>
+                <a:sym typeface="Rubik"/>
+              </a:rPr>
+              <a:t>penyebabnya</a:t>
+            </a:r>
+            <a:r>
+              <a:rPr lang="en-US" sz="1200" dirty="0">
+                <a:latin typeface="Rubik"/>
+                <a:ea typeface="Rubik"/>
+                <a:cs typeface="Rubik"/>
+                <a:sym typeface="Rubik"/>
+              </a:rPr>
+              <a:t>. </a:t>
+            </a:r>
+            <a:r>
+              <a:rPr lang="en-US" sz="1200" dirty="0" err="1">
+                <a:latin typeface="Rubik"/>
+                <a:ea typeface="Rubik"/>
+                <a:cs typeface="Rubik"/>
+                <a:sym typeface="Rubik"/>
+              </a:rPr>
+              <a:t>Apabila</a:t>
+            </a:r>
+            <a:r>
+              <a:rPr lang="en-US" sz="1200" dirty="0">
+                <a:latin typeface="Rubik"/>
+                <a:ea typeface="Rubik"/>
+                <a:cs typeface="Rubik"/>
+                <a:sym typeface="Rubik"/>
+              </a:rPr>
+              <a:t> </a:t>
+            </a:r>
+            <a:r>
+              <a:rPr lang="en-US" sz="1200" dirty="0" err="1">
+                <a:latin typeface="Rubik"/>
+                <a:ea typeface="Rubik"/>
+                <a:cs typeface="Rubik"/>
+                <a:sym typeface="Rubik"/>
+              </a:rPr>
+              <a:t>terjadi</a:t>
+            </a:r>
+            <a:r>
+              <a:rPr lang="en-US" sz="1200" dirty="0">
+                <a:latin typeface="Rubik"/>
+                <a:ea typeface="Rubik"/>
+                <a:cs typeface="Rubik"/>
+                <a:sym typeface="Rubik"/>
+              </a:rPr>
+              <a:t> </a:t>
+            </a:r>
+            <a:r>
+              <a:rPr lang="en-US" sz="1200" dirty="0" err="1">
+                <a:latin typeface="Rubik"/>
+                <a:ea typeface="Rubik"/>
+                <a:cs typeface="Rubik"/>
+                <a:sym typeface="Rubik"/>
+              </a:rPr>
+              <a:t>peningkatan</a:t>
+            </a:r>
+            <a:r>
+              <a:rPr lang="en-US" sz="1200" dirty="0">
+                <a:latin typeface="Rubik"/>
+                <a:ea typeface="Rubik"/>
+                <a:cs typeface="Rubik"/>
+                <a:sym typeface="Rubik"/>
+              </a:rPr>
+              <a:t>, </a:t>
+            </a:r>
+            <a:r>
+              <a:rPr lang="en-US" sz="1200" dirty="0" err="1">
+                <a:latin typeface="Rubik"/>
+                <a:ea typeface="Rubik"/>
+                <a:cs typeface="Rubik"/>
+                <a:sym typeface="Rubik"/>
+              </a:rPr>
+              <a:t>lanjutkan</a:t>
+            </a:r>
+            <a:r>
+              <a:rPr lang="en-US" sz="1200" dirty="0">
+                <a:latin typeface="Rubik"/>
+                <a:ea typeface="Rubik"/>
+                <a:cs typeface="Rubik"/>
+                <a:sym typeface="Rubik"/>
+              </a:rPr>
+              <a:t> strategi yang </a:t>
+            </a:r>
+            <a:r>
+              <a:rPr lang="en-US" sz="1200" dirty="0" err="1">
+                <a:latin typeface="Rubik"/>
+                <a:ea typeface="Rubik"/>
+                <a:cs typeface="Rubik"/>
+                <a:sym typeface="Rubik"/>
+              </a:rPr>
+              <a:t>berhasil</a:t>
+            </a:r>
+            <a:r>
+              <a:rPr lang="en-US" sz="1200" dirty="0">
+                <a:latin typeface="Rubik"/>
+                <a:ea typeface="Rubik"/>
+                <a:cs typeface="Rubik"/>
+                <a:sym typeface="Rubik"/>
+              </a:rPr>
+              <a:t> dan </a:t>
+            </a:r>
+            <a:r>
+              <a:rPr lang="en-US" sz="1200" dirty="0" err="1">
+                <a:latin typeface="Rubik"/>
+                <a:ea typeface="Rubik"/>
+                <a:cs typeface="Rubik"/>
+                <a:sym typeface="Rubik"/>
+              </a:rPr>
+              <a:t>pertimbangkan</a:t>
+            </a:r>
+            <a:r>
+              <a:rPr lang="en-US" sz="1200" dirty="0">
+                <a:latin typeface="Rubik"/>
+                <a:ea typeface="Rubik"/>
+                <a:cs typeface="Rubik"/>
+                <a:sym typeface="Rubik"/>
+              </a:rPr>
+              <a:t> </a:t>
+            </a:r>
+            <a:r>
+              <a:rPr lang="en-US" sz="1200" dirty="0" err="1">
+                <a:latin typeface="Rubik"/>
+                <a:ea typeface="Rubik"/>
+                <a:cs typeface="Rubik"/>
+                <a:sym typeface="Rubik"/>
+              </a:rPr>
+              <a:t>untuk</a:t>
+            </a:r>
+            <a:r>
+              <a:rPr lang="en-US" sz="1200" dirty="0">
+                <a:latin typeface="Rubik"/>
+                <a:ea typeface="Rubik"/>
+                <a:cs typeface="Rubik"/>
+                <a:sym typeface="Rubik"/>
+              </a:rPr>
+              <a:t> </a:t>
+            </a:r>
+            <a:r>
+              <a:rPr lang="en-US" sz="1200" dirty="0" err="1">
+                <a:latin typeface="Rubik"/>
+                <a:ea typeface="Rubik"/>
+                <a:cs typeface="Rubik"/>
+                <a:sym typeface="Rubik"/>
+              </a:rPr>
+              <a:t>investasi</a:t>
+            </a:r>
+            <a:r>
+              <a:rPr lang="en-US" sz="1200" dirty="0">
+                <a:latin typeface="Rubik"/>
+                <a:ea typeface="Rubik"/>
+                <a:cs typeface="Rubik"/>
+                <a:sym typeface="Rubik"/>
+              </a:rPr>
+              <a:t> </a:t>
+            </a:r>
+            <a:r>
+              <a:rPr lang="en-US" sz="1200" dirty="0" err="1">
+                <a:latin typeface="Rubik"/>
+                <a:ea typeface="Rubik"/>
+                <a:cs typeface="Rubik"/>
+                <a:sym typeface="Rubik"/>
+              </a:rPr>
+              <a:t>lebih</a:t>
+            </a:r>
+            <a:r>
+              <a:rPr lang="en-US" sz="1200" dirty="0">
+                <a:latin typeface="Rubik"/>
+                <a:ea typeface="Rubik"/>
+                <a:cs typeface="Rubik"/>
+                <a:sym typeface="Rubik"/>
+              </a:rPr>
+              <a:t> </a:t>
+            </a:r>
+            <a:r>
+              <a:rPr lang="en-US" sz="1200" dirty="0" err="1">
+                <a:latin typeface="Rubik"/>
+                <a:ea typeface="Rubik"/>
+                <a:cs typeface="Rubik"/>
+                <a:sym typeface="Rubik"/>
+              </a:rPr>
+              <a:t>besar</a:t>
+            </a:r>
+            <a:r>
+              <a:rPr lang="en-US" sz="1200" dirty="0">
+                <a:latin typeface="Rubik"/>
+                <a:ea typeface="Rubik"/>
+                <a:cs typeface="Rubik"/>
+                <a:sym typeface="Rubik"/>
+              </a:rPr>
+              <a:t> </a:t>
+            </a:r>
+            <a:r>
+              <a:rPr lang="en-US" sz="1200" dirty="0" err="1">
+                <a:latin typeface="Rubik"/>
+                <a:ea typeface="Rubik"/>
+                <a:cs typeface="Rubik"/>
+                <a:sym typeface="Rubik"/>
+              </a:rPr>
+              <a:t>atau</a:t>
+            </a:r>
+            <a:r>
+              <a:rPr lang="en-US" sz="1200" dirty="0">
+                <a:latin typeface="Rubik"/>
+                <a:ea typeface="Rubik"/>
+                <a:cs typeface="Rubik"/>
+                <a:sym typeface="Rubik"/>
+              </a:rPr>
+              <a:t> </a:t>
+            </a:r>
+            <a:r>
+              <a:rPr lang="en-US" sz="1200" dirty="0" err="1">
+                <a:latin typeface="Rubik"/>
+                <a:ea typeface="Rubik"/>
+                <a:cs typeface="Rubik"/>
+                <a:sym typeface="Rubik"/>
+              </a:rPr>
+              <a:t>ekspansi</a:t>
+            </a:r>
+            <a:r>
+              <a:rPr lang="en-US" sz="1200" dirty="0">
+                <a:latin typeface="Rubik"/>
+                <a:ea typeface="Rubik"/>
+                <a:cs typeface="Rubik"/>
+                <a:sym typeface="Rubik"/>
+              </a:rPr>
+              <a:t> </a:t>
+            </a:r>
+            <a:r>
+              <a:rPr lang="en-US" sz="1200" dirty="0" err="1">
+                <a:latin typeface="Rubik"/>
+                <a:ea typeface="Rubik"/>
+                <a:cs typeface="Rubik"/>
+                <a:sym typeface="Rubik"/>
+              </a:rPr>
+              <a:t>bisnis</a:t>
+            </a:r>
+            <a:r>
+              <a:rPr lang="en-US" sz="1200" dirty="0">
+                <a:latin typeface="Rubik"/>
+                <a:ea typeface="Rubik"/>
+                <a:cs typeface="Rubik"/>
+                <a:sym typeface="Rubik"/>
+              </a:rPr>
+              <a:t>. </a:t>
+            </a:r>
+            <a:r>
+              <a:rPr lang="en-US" sz="1200" dirty="0" err="1">
+                <a:latin typeface="Rubik"/>
+                <a:ea typeface="Rubik"/>
+                <a:cs typeface="Rubik"/>
+                <a:sym typeface="Rubik"/>
+              </a:rPr>
+              <a:t>Apabila</a:t>
+            </a:r>
+            <a:r>
+              <a:rPr lang="en-US" sz="1200" dirty="0">
+                <a:latin typeface="Rubik"/>
+                <a:ea typeface="Rubik"/>
+                <a:cs typeface="Rubik"/>
+                <a:sym typeface="Rubik"/>
+              </a:rPr>
+              <a:t> </a:t>
+            </a:r>
+            <a:r>
+              <a:rPr lang="en-US" sz="1200" dirty="0" err="1">
+                <a:latin typeface="Rubik"/>
+                <a:ea typeface="Rubik"/>
+                <a:cs typeface="Rubik"/>
+                <a:sym typeface="Rubik"/>
+              </a:rPr>
+              <a:t>stagnan</a:t>
+            </a:r>
+            <a:r>
+              <a:rPr lang="en-US" sz="1200" dirty="0">
+                <a:latin typeface="Rubik"/>
+                <a:ea typeface="Rubik"/>
+                <a:cs typeface="Rubik"/>
+                <a:sym typeface="Rubik"/>
+              </a:rPr>
+              <a:t>, </a:t>
+            </a:r>
+            <a:r>
+              <a:rPr lang="en-US" sz="1200" dirty="0" err="1">
+                <a:latin typeface="Rubik"/>
+                <a:ea typeface="Rubik"/>
+                <a:cs typeface="Rubik"/>
+                <a:sym typeface="Rubik"/>
+              </a:rPr>
+              <a:t>evaluasi</a:t>
+            </a:r>
+            <a:r>
+              <a:rPr lang="en-US" sz="1200" dirty="0">
+                <a:latin typeface="Rubik"/>
+                <a:ea typeface="Rubik"/>
+                <a:cs typeface="Rubik"/>
+                <a:sym typeface="Rubik"/>
+              </a:rPr>
+              <a:t> </a:t>
+            </a:r>
+            <a:r>
+              <a:rPr lang="en-US" sz="1200" dirty="0" err="1">
+                <a:latin typeface="Rubik"/>
+                <a:ea typeface="Rubik"/>
+                <a:cs typeface="Rubik"/>
+                <a:sym typeface="Rubik"/>
+              </a:rPr>
+              <a:t>efisiensi</a:t>
+            </a:r>
+            <a:r>
+              <a:rPr lang="en-US" sz="1200" dirty="0">
+                <a:latin typeface="Rubik"/>
+                <a:ea typeface="Rubik"/>
+                <a:cs typeface="Rubik"/>
+                <a:sym typeface="Rubik"/>
+              </a:rPr>
+              <a:t> </a:t>
+            </a:r>
+            <a:r>
+              <a:rPr lang="en-US" sz="1200" dirty="0" err="1">
+                <a:latin typeface="Rubik"/>
+                <a:ea typeface="Rubik"/>
+                <a:cs typeface="Rubik"/>
+                <a:sym typeface="Rubik"/>
+              </a:rPr>
+              <a:t>operasional</a:t>
+            </a:r>
+            <a:r>
+              <a:rPr lang="en-US" sz="1200" dirty="0">
+                <a:latin typeface="Rubik"/>
+                <a:ea typeface="Rubik"/>
+                <a:cs typeface="Rubik"/>
+                <a:sym typeface="Rubik"/>
+              </a:rPr>
+              <a:t> dan </a:t>
+            </a:r>
+            <a:r>
+              <a:rPr lang="en-US" sz="1200" dirty="0" err="1">
+                <a:latin typeface="Rubik"/>
+                <a:ea typeface="Rubik"/>
+                <a:cs typeface="Rubik"/>
+                <a:sym typeface="Rubik"/>
+              </a:rPr>
+              <a:t>pertimbangkan</a:t>
+            </a:r>
+            <a:r>
+              <a:rPr lang="en-US" sz="1200" dirty="0">
+                <a:latin typeface="Rubik"/>
+                <a:ea typeface="Rubik"/>
+                <a:cs typeface="Rubik"/>
+                <a:sym typeface="Rubik"/>
+              </a:rPr>
+              <a:t> </a:t>
+            </a:r>
+            <a:r>
+              <a:rPr lang="en-US" sz="1200" dirty="0" err="1">
+                <a:latin typeface="Rubik"/>
+                <a:ea typeface="Rubik"/>
+                <a:cs typeface="Rubik"/>
+                <a:sym typeface="Rubik"/>
+              </a:rPr>
+              <a:t>diversifikasi</a:t>
+            </a:r>
+            <a:r>
+              <a:rPr lang="en-US" sz="1200" dirty="0">
+                <a:latin typeface="Rubik"/>
+                <a:ea typeface="Rubik"/>
+                <a:cs typeface="Rubik"/>
+                <a:sym typeface="Rubik"/>
+              </a:rPr>
+              <a:t> </a:t>
+            </a:r>
+            <a:r>
+              <a:rPr lang="en-US" sz="1200" dirty="0" err="1">
+                <a:latin typeface="Rubik"/>
+                <a:ea typeface="Rubik"/>
+                <a:cs typeface="Rubik"/>
+                <a:sym typeface="Rubik"/>
+              </a:rPr>
+              <a:t>produk</a:t>
+            </a:r>
+            <a:endParaRPr lang="en-US" sz="1200" dirty="0">
+              <a:latin typeface="Rubik"/>
+              <a:ea typeface="Rubik"/>
+              <a:cs typeface="Rubik"/>
+              <a:sym typeface="Rubik"/>
+            </a:endParaRPr>
+          </a:p>
+          <a:p>
+            <a:pPr marL="228600" marR="0" lvl="0" indent="-228600" algn="just" defTabSz="914400" rtl="0" eaLnBrk="1" fontAlgn="auto" latinLnBrk="0" hangingPunct="1">
+              <a:lnSpc>
+                <a:spcPct val="115000"/>
+              </a:lnSpc>
+              <a:spcBef>
+                <a:spcPts val="0"/>
+              </a:spcBef>
+              <a:spcAft>
+                <a:spcPts val="0"/>
+              </a:spcAft>
+              <a:buClr>
+                <a:srgbClr val="000000"/>
+              </a:buClr>
+              <a:buSzPts val="1100"/>
+              <a:buFont typeface="Arial"/>
+              <a:buAutoNum type="arabicPeriod"/>
+              <a:tabLst/>
+              <a:defRPr/>
+            </a:pPr>
+            <a:r>
+              <a:rPr kumimoji="0" lang="en-US" sz="1200" b="0" i="0" u="none" strike="noStrike" kern="0" cap="none" spc="0" normalizeH="0" baseline="0" noProof="0" dirty="0" err="1">
+                <a:ln>
+                  <a:noFill/>
+                </a:ln>
+                <a:solidFill>
+                  <a:srgbClr val="000000"/>
+                </a:solidFill>
+                <a:effectLst/>
+                <a:uLnTx/>
+                <a:uFillTx/>
+                <a:latin typeface="Rubik"/>
+                <a:ea typeface="Rubik"/>
+                <a:cs typeface="Rubik"/>
+                <a:sym typeface="Rubik"/>
+              </a:rPr>
+              <a:t>Gunakan</a:t>
+            </a:r>
+            <a:r>
+              <a:rPr kumimoji="0" lang="en-US" sz="1200" b="0" i="0" u="none" strike="noStrike" kern="0" cap="none" spc="0" normalizeH="0" baseline="0" noProof="0" dirty="0">
+                <a:ln>
+                  <a:noFill/>
+                </a:ln>
+                <a:solidFill>
+                  <a:srgbClr val="000000"/>
+                </a:solidFill>
+                <a:effectLst/>
+                <a:uLnTx/>
+                <a:uFillTx/>
+                <a:latin typeface="Rubik"/>
+                <a:ea typeface="Rubik"/>
+                <a:cs typeface="Rubik"/>
+                <a:sym typeface="Rubik"/>
+              </a:rPr>
+              <a:t> MAT </a:t>
+            </a:r>
+            <a:r>
+              <a:rPr kumimoji="0" lang="en-US" sz="1200" b="0" i="0" u="none" strike="noStrike" kern="0" cap="none" spc="0" normalizeH="0" baseline="0" noProof="0" dirty="0" err="1">
+                <a:ln>
+                  <a:noFill/>
+                </a:ln>
+                <a:solidFill>
+                  <a:srgbClr val="000000"/>
+                </a:solidFill>
+                <a:effectLst/>
+                <a:uLnTx/>
+                <a:uFillTx/>
+                <a:latin typeface="Rubik"/>
+                <a:ea typeface="Rubik"/>
+                <a:cs typeface="Rubik"/>
+                <a:sym typeface="Rubik"/>
+              </a:rPr>
+              <a:t>untuk</a:t>
+            </a:r>
+            <a:r>
+              <a:rPr kumimoji="0" lang="en-US" sz="1200" b="0" i="0" u="none" strike="noStrike" kern="0" cap="none" spc="0" normalizeH="0" baseline="0" noProof="0" dirty="0">
+                <a:ln>
+                  <a:noFill/>
+                </a:ln>
+                <a:solidFill>
+                  <a:srgbClr val="000000"/>
+                </a:solidFill>
+                <a:effectLst/>
+                <a:uLnTx/>
+                <a:uFillTx/>
+                <a:latin typeface="Rubik"/>
+                <a:ea typeface="Rubik"/>
+                <a:cs typeface="Rubik"/>
+                <a:sym typeface="Rubik"/>
+              </a:rPr>
+              <a:t> </a:t>
+            </a:r>
+            <a:r>
+              <a:rPr kumimoji="0" lang="en-US" sz="1200" b="0" i="0" u="none" strike="noStrike" kern="0" cap="none" spc="0" normalizeH="0" baseline="0" noProof="0" dirty="0" err="1">
+                <a:ln>
+                  <a:noFill/>
+                </a:ln>
+                <a:solidFill>
+                  <a:srgbClr val="000000"/>
+                </a:solidFill>
+                <a:effectLst/>
+                <a:uLnTx/>
+                <a:uFillTx/>
+                <a:latin typeface="Rubik"/>
+                <a:ea typeface="Rubik"/>
+                <a:cs typeface="Rubik"/>
+                <a:sym typeface="Rubik"/>
+              </a:rPr>
+              <a:t>mengana</a:t>
+            </a:r>
+            <a:r>
+              <a:rPr lang="en-US" sz="1200" dirty="0" err="1">
+                <a:latin typeface="Rubik"/>
+                <a:ea typeface="Rubik"/>
+                <a:cs typeface="Rubik"/>
+                <a:sym typeface="Rubik"/>
+              </a:rPr>
+              <a:t>lisa</a:t>
+            </a:r>
+            <a:r>
+              <a:rPr lang="en-US" sz="1200" dirty="0">
+                <a:latin typeface="Rubik"/>
+                <a:ea typeface="Rubik"/>
+                <a:cs typeface="Rubik"/>
+                <a:sym typeface="Rubik"/>
+              </a:rPr>
+              <a:t> </a:t>
+            </a:r>
+            <a:r>
+              <a:rPr lang="en-US" sz="1200" dirty="0" err="1">
+                <a:latin typeface="Rubik"/>
+                <a:ea typeface="Rubik"/>
+                <a:cs typeface="Rubik"/>
+                <a:sym typeface="Rubik"/>
+              </a:rPr>
+              <a:t>apakah</a:t>
+            </a:r>
+            <a:r>
+              <a:rPr lang="en-US" sz="1200" dirty="0">
+                <a:latin typeface="Rubik"/>
+                <a:ea typeface="Rubik"/>
+                <a:cs typeface="Rubik"/>
+                <a:sym typeface="Rubik"/>
+              </a:rPr>
+              <a:t> YTD </a:t>
+            </a:r>
+            <a:r>
+              <a:rPr lang="en-US" sz="1200" dirty="0" err="1">
+                <a:latin typeface="Rubik"/>
+                <a:ea typeface="Rubik"/>
+                <a:cs typeface="Rubik"/>
+                <a:sym typeface="Rubik"/>
+              </a:rPr>
+              <a:t>terjadi</a:t>
+            </a:r>
+            <a:r>
+              <a:rPr lang="en-US" sz="1200" dirty="0">
+                <a:latin typeface="Rubik"/>
+                <a:ea typeface="Rubik"/>
+                <a:cs typeface="Rubik"/>
+                <a:sym typeface="Rubik"/>
+              </a:rPr>
+              <a:t> </a:t>
+            </a:r>
+            <a:r>
+              <a:rPr lang="en-US" sz="1200" dirty="0" err="1">
+                <a:latin typeface="Rubik"/>
+                <a:ea typeface="Rubik"/>
+                <a:cs typeface="Rubik"/>
+                <a:sym typeface="Rubik"/>
+              </a:rPr>
+              <a:t>karena</a:t>
+            </a:r>
+            <a:r>
+              <a:rPr lang="en-US" sz="1200" dirty="0">
+                <a:latin typeface="Rubik"/>
+                <a:ea typeface="Rubik"/>
+                <a:cs typeface="Rubik"/>
+                <a:sym typeface="Rubik"/>
+              </a:rPr>
+              <a:t> trend </a:t>
+            </a:r>
+            <a:r>
+              <a:rPr lang="en-US" sz="1200" dirty="0" err="1">
+                <a:latin typeface="Rubik"/>
+                <a:ea typeface="Rubik"/>
+                <a:cs typeface="Rubik"/>
+                <a:sym typeface="Rubik"/>
+              </a:rPr>
+              <a:t>penjualan</a:t>
+            </a:r>
+            <a:r>
+              <a:rPr lang="en-US" sz="1200" dirty="0">
+                <a:latin typeface="Rubik"/>
+                <a:ea typeface="Rubik"/>
+                <a:cs typeface="Rubik"/>
+                <a:sym typeface="Rubik"/>
+              </a:rPr>
+              <a:t> </a:t>
+            </a:r>
+            <a:r>
+              <a:rPr lang="en-US" sz="1200" dirty="0" err="1">
+                <a:latin typeface="Rubik"/>
+                <a:ea typeface="Rubik"/>
+                <a:cs typeface="Rubik"/>
+                <a:sym typeface="Rubik"/>
+              </a:rPr>
+              <a:t>musiman</a:t>
+            </a:r>
+            <a:r>
+              <a:rPr lang="en-US" sz="1200" dirty="0">
+                <a:latin typeface="Rubik"/>
+                <a:ea typeface="Rubik"/>
+                <a:cs typeface="Rubik"/>
+                <a:sym typeface="Rubik"/>
+              </a:rPr>
+              <a:t> </a:t>
+            </a:r>
+            <a:r>
+              <a:rPr lang="en-US" sz="1200" dirty="0" err="1">
+                <a:latin typeface="Rubik"/>
+                <a:ea typeface="Rubik"/>
+                <a:cs typeface="Rubik"/>
+                <a:sym typeface="Rubik"/>
+              </a:rPr>
+              <a:t>atau</a:t>
+            </a:r>
+            <a:r>
+              <a:rPr lang="en-US" sz="1200" dirty="0">
+                <a:latin typeface="Rubik"/>
+                <a:ea typeface="Rubik"/>
+                <a:cs typeface="Rubik"/>
+                <a:sym typeface="Rubik"/>
+              </a:rPr>
+              <a:t> </a:t>
+            </a:r>
+            <a:r>
+              <a:rPr lang="en-US" sz="1200" dirty="0" err="1">
+                <a:latin typeface="Rubik"/>
+                <a:ea typeface="Rubik"/>
+                <a:cs typeface="Rubik"/>
+                <a:sym typeface="Rubik"/>
+              </a:rPr>
+              <a:t>bukan</a:t>
+            </a:r>
+            <a:r>
+              <a:rPr lang="en-US" sz="1200" dirty="0">
+                <a:latin typeface="Rubik"/>
+                <a:ea typeface="Rubik"/>
+                <a:cs typeface="Rubik"/>
+                <a:sym typeface="Rubik"/>
+              </a:rPr>
+              <a:t>. Jika MAT </a:t>
+            </a:r>
+            <a:r>
+              <a:rPr lang="en-US" sz="1200" dirty="0" err="1">
+                <a:latin typeface="Rubik"/>
+                <a:ea typeface="Rubik"/>
+                <a:cs typeface="Rubik"/>
+                <a:sym typeface="Rubik"/>
+              </a:rPr>
+              <a:t>menurun</a:t>
+            </a:r>
+            <a:r>
+              <a:rPr lang="en-US" sz="1200" dirty="0">
+                <a:latin typeface="Rubik"/>
+                <a:ea typeface="Rubik"/>
+                <a:cs typeface="Rubik"/>
+                <a:sym typeface="Rubik"/>
+              </a:rPr>
+              <a:t>, </a:t>
+            </a:r>
+            <a:r>
+              <a:rPr lang="en-US" sz="1200" dirty="0" err="1">
+                <a:latin typeface="Rubik"/>
+                <a:ea typeface="Rubik"/>
+                <a:cs typeface="Rubik"/>
+                <a:sym typeface="Rubik"/>
+              </a:rPr>
+              <a:t>evaluasi</a:t>
+            </a:r>
+            <a:r>
+              <a:rPr lang="en-US" sz="1200" dirty="0">
+                <a:latin typeface="Rubik"/>
+                <a:ea typeface="Rubik"/>
+                <a:cs typeface="Rubik"/>
+                <a:sym typeface="Rubik"/>
+              </a:rPr>
+              <a:t> </a:t>
+            </a:r>
+            <a:r>
+              <a:rPr lang="en-US" sz="1200" dirty="0" err="1">
+                <a:latin typeface="Rubik"/>
+                <a:ea typeface="Rubik"/>
+                <a:cs typeface="Rubik"/>
+                <a:sym typeface="Rubik"/>
+              </a:rPr>
+              <a:t>perubahan</a:t>
+            </a:r>
+            <a:r>
+              <a:rPr lang="en-US" sz="1200" dirty="0">
+                <a:latin typeface="Rubik"/>
+                <a:ea typeface="Rubik"/>
+                <a:cs typeface="Rubik"/>
+                <a:sym typeface="Rubik"/>
+              </a:rPr>
+              <a:t> yang </a:t>
+            </a:r>
+            <a:r>
+              <a:rPr lang="en-US" sz="1200" dirty="0" err="1">
+                <a:latin typeface="Rubik"/>
+                <a:ea typeface="Rubik"/>
+                <a:cs typeface="Rubik"/>
+                <a:sym typeface="Rubik"/>
+              </a:rPr>
+              <a:t>terjadi</a:t>
+            </a:r>
+            <a:r>
+              <a:rPr lang="en-US" sz="1200" dirty="0">
+                <a:latin typeface="Rubik"/>
+                <a:ea typeface="Rubik"/>
+                <a:cs typeface="Rubik"/>
+                <a:sym typeface="Rubik"/>
+              </a:rPr>
+              <a:t> </a:t>
+            </a:r>
+            <a:r>
+              <a:rPr lang="en-US" sz="1200" dirty="0" err="1">
+                <a:latin typeface="Rubik"/>
+                <a:ea typeface="Rubik"/>
+                <a:cs typeface="Rubik"/>
+                <a:sym typeface="Rubik"/>
+              </a:rPr>
+              <a:t>selama</a:t>
+            </a:r>
+            <a:r>
+              <a:rPr lang="en-US" sz="1200" dirty="0">
+                <a:latin typeface="Rubik"/>
+                <a:ea typeface="Rubik"/>
+                <a:cs typeface="Rubik"/>
+                <a:sym typeface="Rubik"/>
+              </a:rPr>
+              <a:t> 12 </a:t>
+            </a:r>
+            <a:r>
+              <a:rPr lang="en-US" sz="1200" dirty="0" err="1">
+                <a:latin typeface="Rubik"/>
+                <a:ea typeface="Rubik"/>
+                <a:cs typeface="Rubik"/>
+                <a:sym typeface="Rubik"/>
+              </a:rPr>
+              <a:t>bulan</a:t>
+            </a:r>
+            <a:r>
+              <a:rPr lang="en-US" sz="1200" dirty="0">
+                <a:latin typeface="Rubik"/>
+                <a:ea typeface="Rubik"/>
+                <a:cs typeface="Rubik"/>
+                <a:sym typeface="Rubik"/>
+              </a:rPr>
+              <a:t> </a:t>
+            </a:r>
+            <a:r>
+              <a:rPr lang="en-US" sz="1200" dirty="0" err="1">
+                <a:latin typeface="Rubik"/>
+                <a:ea typeface="Rubik"/>
+                <a:cs typeface="Rubik"/>
+                <a:sym typeface="Rubik"/>
+              </a:rPr>
+              <a:t>terakhir</a:t>
+            </a:r>
+            <a:r>
+              <a:rPr lang="en-US" sz="1200" dirty="0">
+                <a:latin typeface="Rubik"/>
+                <a:ea typeface="Rubik"/>
+                <a:cs typeface="Rubik"/>
+                <a:sym typeface="Rubik"/>
+              </a:rPr>
+              <a:t>. </a:t>
+            </a:r>
+            <a:r>
+              <a:rPr lang="en-US" sz="1200" dirty="0" err="1">
+                <a:latin typeface="Rubik"/>
+                <a:ea typeface="Rubik"/>
+                <a:cs typeface="Rubik"/>
+                <a:sym typeface="Rubik"/>
+              </a:rPr>
+              <a:t>Apabila</a:t>
+            </a:r>
+            <a:r>
+              <a:rPr lang="en-US" sz="1200" dirty="0">
+                <a:latin typeface="Rubik"/>
+                <a:ea typeface="Rubik"/>
+                <a:cs typeface="Rubik"/>
+                <a:sym typeface="Rubik"/>
+              </a:rPr>
+              <a:t> </a:t>
+            </a:r>
+            <a:r>
+              <a:rPr lang="en-US" sz="1200" dirty="0" err="1">
+                <a:latin typeface="Rubik"/>
+                <a:ea typeface="Rubik"/>
+                <a:cs typeface="Rubik"/>
+                <a:sym typeface="Rubik"/>
+              </a:rPr>
+              <a:t>meningkat</a:t>
+            </a:r>
+            <a:r>
+              <a:rPr lang="en-US" sz="1200" dirty="0">
+                <a:latin typeface="Rubik"/>
+                <a:ea typeface="Rubik"/>
+                <a:cs typeface="Rubik"/>
+                <a:sym typeface="Rubik"/>
+              </a:rPr>
+              <a:t>, </a:t>
+            </a:r>
+            <a:r>
+              <a:rPr lang="en-US" sz="1200" dirty="0" err="1">
+                <a:latin typeface="Rubik"/>
+                <a:ea typeface="Rubik"/>
+                <a:cs typeface="Rubik"/>
+                <a:sym typeface="Rubik"/>
+              </a:rPr>
+              <a:t>pastikan</a:t>
+            </a:r>
+            <a:r>
+              <a:rPr lang="en-US" sz="1200" dirty="0">
+                <a:latin typeface="Rubik"/>
+                <a:ea typeface="Rubik"/>
+                <a:cs typeface="Rubik"/>
+                <a:sym typeface="Rubik"/>
+              </a:rPr>
+              <a:t> </a:t>
+            </a:r>
+            <a:r>
+              <a:rPr lang="en-US" sz="1200" dirty="0" err="1">
+                <a:latin typeface="Rubik"/>
+                <a:ea typeface="Rubik"/>
+                <a:cs typeface="Rubik"/>
+                <a:sym typeface="Rubik"/>
+              </a:rPr>
+              <a:t>apa</a:t>
+            </a:r>
+            <a:r>
+              <a:rPr lang="en-US" sz="1200" dirty="0">
+                <a:latin typeface="Rubik"/>
+                <a:ea typeface="Rubik"/>
+                <a:cs typeface="Rubik"/>
+                <a:sym typeface="Rubik"/>
+              </a:rPr>
+              <a:t> </a:t>
+            </a:r>
+            <a:r>
+              <a:rPr lang="en-US" sz="1200" dirty="0" err="1">
+                <a:latin typeface="Rubik"/>
+                <a:ea typeface="Rubik"/>
+                <a:cs typeface="Rubik"/>
+                <a:sym typeface="Rubik"/>
+              </a:rPr>
+              <a:t>saja</a:t>
+            </a:r>
+            <a:r>
+              <a:rPr lang="en-US" sz="1200" dirty="0">
+                <a:latin typeface="Rubik"/>
+                <a:ea typeface="Rubik"/>
+                <a:cs typeface="Rubik"/>
+                <a:sym typeface="Rubik"/>
+              </a:rPr>
+              <a:t> yang </a:t>
+            </a:r>
+            <a:r>
+              <a:rPr lang="en-US" sz="1200" dirty="0" err="1">
+                <a:latin typeface="Rubik"/>
+                <a:ea typeface="Rubik"/>
+                <a:cs typeface="Rubik"/>
+                <a:sym typeface="Rubik"/>
+              </a:rPr>
+              <a:t>merupakan</a:t>
+            </a:r>
+            <a:r>
+              <a:rPr lang="en-US" sz="1200" dirty="0">
+                <a:latin typeface="Rubik"/>
+                <a:ea typeface="Rubik"/>
+                <a:cs typeface="Rubik"/>
+                <a:sym typeface="Rubik"/>
+              </a:rPr>
+              <a:t> </a:t>
+            </a:r>
+            <a:r>
+              <a:rPr lang="en-US" sz="1200" dirty="0" err="1">
+                <a:latin typeface="Rubik"/>
+                <a:ea typeface="Rubik"/>
+                <a:cs typeface="Rubik"/>
+                <a:sym typeface="Rubik"/>
+              </a:rPr>
+              <a:t>faktor</a:t>
+            </a:r>
+            <a:r>
+              <a:rPr lang="en-US" sz="1200" dirty="0">
+                <a:latin typeface="Rubik"/>
+                <a:ea typeface="Rubik"/>
+                <a:cs typeface="Rubik"/>
+                <a:sym typeface="Rubik"/>
+              </a:rPr>
+              <a:t> </a:t>
+            </a:r>
+            <a:r>
+              <a:rPr lang="en-US" sz="1200" dirty="0" err="1">
+                <a:latin typeface="Rubik"/>
+                <a:ea typeface="Rubik"/>
+                <a:cs typeface="Rubik"/>
+                <a:sym typeface="Rubik"/>
+              </a:rPr>
+              <a:t>pertumbuhan</a:t>
+            </a:r>
+            <a:r>
+              <a:rPr lang="en-US" sz="1200" dirty="0">
+                <a:latin typeface="Rubik"/>
+                <a:ea typeface="Rubik"/>
+                <a:cs typeface="Rubik"/>
+                <a:sym typeface="Rubik"/>
+              </a:rPr>
+              <a:t> yang </a:t>
+            </a:r>
+            <a:r>
+              <a:rPr lang="en-US" sz="1200" dirty="0" err="1">
+                <a:latin typeface="Rubik"/>
+                <a:ea typeface="Rubik"/>
+                <a:cs typeface="Rubik"/>
+                <a:sym typeface="Rubik"/>
+              </a:rPr>
+              <a:t>dapat</a:t>
+            </a:r>
+            <a:r>
+              <a:rPr lang="en-US" sz="1200" dirty="0">
+                <a:latin typeface="Rubik"/>
+                <a:ea typeface="Rubik"/>
+                <a:cs typeface="Rubik"/>
+                <a:sym typeface="Rubik"/>
+              </a:rPr>
+              <a:t> </a:t>
+            </a:r>
+            <a:r>
+              <a:rPr lang="en-US" sz="1200" dirty="0" err="1">
+                <a:latin typeface="Rubik"/>
+                <a:ea typeface="Rubik"/>
+                <a:cs typeface="Rubik"/>
+                <a:sym typeface="Rubik"/>
+              </a:rPr>
+              <a:t>bertahan</a:t>
+            </a:r>
+            <a:r>
+              <a:rPr lang="en-US" sz="1200" dirty="0">
+                <a:latin typeface="Rubik"/>
+                <a:ea typeface="Rubik"/>
+                <a:cs typeface="Rubik"/>
+                <a:sym typeface="Rubik"/>
+              </a:rPr>
+              <a:t>. Jika sangat </a:t>
+            </a:r>
+            <a:r>
+              <a:rPr lang="en-US" sz="1200" dirty="0" err="1">
+                <a:latin typeface="Rubik"/>
+                <a:ea typeface="Rubik"/>
+                <a:cs typeface="Rubik"/>
+                <a:sym typeface="Rubik"/>
+              </a:rPr>
+              <a:t>fluktuatif</a:t>
+            </a:r>
+            <a:r>
+              <a:rPr lang="en-US" sz="1200" dirty="0">
+                <a:latin typeface="Rubik"/>
+                <a:ea typeface="Rubik"/>
+                <a:cs typeface="Rubik"/>
+                <a:sym typeface="Rubik"/>
+              </a:rPr>
+              <a:t>, </a:t>
+            </a:r>
+            <a:r>
+              <a:rPr lang="en-US" sz="1200" dirty="0" err="1">
+                <a:latin typeface="Rubik"/>
+                <a:ea typeface="Rubik"/>
+                <a:cs typeface="Rubik"/>
+                <a:sym typeface="Rubik"/>
+              </a:rPr>
+              <a:t>evaluasi</a:t>
+            </a:r>
+            <a:r>
+              <a:rPr lang="en-US" sz="1200" dirty="0">
+                <a:latin typeface="Rubik"/>
+                <a:ea typeface="Rubik"/>
+                <a:cs typeface="Rubik"/>
+                <a:sym typeface="Rubik"/>
+              </a:rPr>
+              <a:t> </a:t>
+            </a:r>
+            <a:r>
+              <a:rPr lang="en-US" sz="1200" dirty="0" err="1">
+                <a:latin typeface="Rubik"/>
+                <a:ea typeface="Rubik"/>
+                <a:cs typeface="Rubik"/>
+                <a:sym typeface="Rubik"/>
+              </a:rPr>
+              <a:t>harga</a:t>
+            </a:r>
+            <a:r>
+              <a:rPr lang="en-US" sz="1200" dirty="0">
+                <a:latin typeface="Rubik"/>
+                <a:ea typeface="Rubik"/>
+                <a:cs typeface="Rubik"/>
+                <a:sym typeface="Rubik"/>
+              </a:rPr>
+              <a:t> </a:t>
+            </a:r>
+            <a:r>
+              <a:rPr lang="en-US" sz="1200" dirty="0" err="1">
+                <a:latin typeface="Rubik"/>
+                <a:ea typeface="Rubik"/>
+                <a:cs typeface="Rubik"/>
+                <a:sym typeface="Rubik"/>
+              </a:rPr>
+              <a:t>produk</a:t>
+            </a:r>
+            <a:r>
+              <a:rPr lang="en-US" sz="1200" dirty="0">
+                <a:latin typeface="Rubik"/>
+                <a:ea typeface="Rubik"/>
+                <a:cs typeface="Rubik"/>
+                <a:sym typeface="Rubik"/>
+              </a:rPr>
+              <a:t> dan </a:t>
+            </a:r>
+            <a:r>
+              <a:rPr lang="en-US" sz="1200" dirty="0" err="1">
+                <a:latin typeface="Rubik"/>
+                <a:ea typeface="Rubik"/>
+                <a:cs typeface="Rubik"/>
+                <a:sym typeface="Rubik"/>
+              </a:rPr>
+              <a:t>pertimbangkan</a:t>
+            </a:r>
+            <a:r>
+              <a:rPr lang="en-US" sz="1200" dirty="0">
+                <a:latin typeface="Rubik"/>
+                <a:ea typeface="Rubik"/>
+                <a:cs typeface="Rubik"/>
+                <a:sym typeface="Rubik"/>
+              </a:rPr>
+              <a:t> </a:t>
+            </a:r>
+            <a:r>
+              <a:rPr lang="en-US" sz="1200" dirty="0" err="1">
+                <a:latin typeface="Rubik"/>
+                <a:ea typeface="Rubik"/>
+                <a:cs typeface="Rubik"/>
+                <a:sym typeface="Rubik"/>
+              </a:rPr>
+              <a:t>mempertahankan</a:t>
+            </a:r>
+            <a:r>
+              <a:rPr lang="en-US" sz="1200" dirty="0">
+                <a:latin typeface="Rubik"/>
+                <a:ea typeface="Rubik"/>
+                <a:cs typeface="Rubik"/>
+                <a:sym typeface="Rubik"/>
+              </a:rPr>
+              <a:t> </a:t>
+            </a:r>
+            <a:r>
+              <a:rPr lang="en-US" sz="1200" dirty="0" err="1">
+                <a:latin typeface="Rubik"/>
+                <a:ea typeface="Rubik"/>
+                <a:cs typeface="Rubik"/>
+                <a:sym typeface="Rubik"/>
+              </a:rPr>
+              <a:t>retensi</a:t>
+            </a:r>
+            <a:r>
+              <a:rPr lang="en-US" sz="1200" dirty="0">
+                <a:latin typeface="Rubik"/>
+                <a:ea typeface="Rubik"/>
+                <a:cs typeface="Rubik"/>
+                <a:sym typeface="Rubik"/>
+              </a:rPr>
+              <a:t> </a:t>
+            </a:r>
+            <a:r>
+              <a:rPr lang="en-US" sz="1200" dirty="0" err="1">
+                <a:latin typeface="Rubik"/>
+                <a:ea typeface="Rubik"/>
+                <a:cs typeface="Rubik"/>
+                <a:sym typeface="Rubik"/>
+              </a:rPr>
+              <a:t>pelanggan</a:t>
+            </a:r>
+            <a:r>
+              <a:rPr lang="en-US" sz="1200" dirty="0">
+                <a:latin typeface="Rubik"/>
+                <a:ea typeface="Rubik"/>
+                <a:cs typeface="Rubik"/>
+                <a:sym typeface="Rubik"/>
+              </a:rPr>
+              <a:t> </a:t>
+            </a:r>
+            <a:r>
+              <a:rPr lang="en-US" sz="1200" dirty="0" err="1">
+                <a:latin typeface="Rubik"/>
+                <a:ea typeface="Rubik"/>
+                <a:cs typeface="Rubik"/>
+                <a:sym typeface="Rubik"/>
+              </a:rPr>
+              <a:t>misalkan</a:t>
+            </a:r>
+            <a:r>
+              <a:rPr lang="en-US" sz="1200" dirty="0">
+                <a:latin typeface="Rubik"/>
+                <a:ea typeface="Rubik"/>
+                <a:cs typeface="Rubik"/>
+                <a:sym typeface="Rubik"/>
+              </a:rPr>
+              <a:t> </a:t>
+            </a:r>
+            <a:r>
+              <a:rPr lang="en-US" sz="1200" dirty="0" err="1">
+                <a:latin typeface="Rubik"/>
+                <a:ea typeface="Rubik"/>
+                <a:cs typeface="Rubik"/>
+                <a:sym typeface="Rubik"/>
+              </a:rPr>
+              <a:t>dengan</a:t>
+            </a:r>
+            <a:r>
+              <a:rPr lang="en-US" sz="1200" dirty="0">
+                <a:latin typeface="Rubik"/>
+                <a:ea typeface="Rubik"/>
+                <a:cs typeface="Rubik"/>
+                <a:sym typeface="Rubik"/>
+              </a:rPr>
+              <a:t> program </a:t>
+            </a:r>
+            <a:r>
+              <a:rPr lang="en-US" sz="1200" dirty="0" err="1">
+                <a:latin typeface="Rubik"/>
+                <a:ea typeface="Rubik"/>
+                <a:cs typeface="Rubik"/>
+                <a:sym typeface="Rubik"/>
+              </a:rPr>
+              <a:t>loyalitas</a:t>
+            </a:r>
+            <a:r>
+              <a:rPr lang="en-US" sz="1200" dirty="0">
+                <a:latin typeface="Rubik"/>
+                <a:ea typeface="Rubik"/>
+                <a:cs typeface="Rubik"/>
+                <a:sym typeface="Rubik"/>
+              </a:rPr>
+              <a:t>.</a:t>
+            </a:r>
+            <a:endParaRPr kumimoji="0" lang="id-ID" sz="1200" b="0" i="0" u="none" strike="noStrike" kern="0" cap="none" spc="0" normalizeH="0" baseline="0" noProof="0" dirty="0">
+              <a:ln>
+                <a:noFill/>
+              </a:ln>
+              <a:solidFill>
+                <a:srgbClr val="000000"/>
+              </a:solidFill>
+              <a:effectLst/>
+              <a:uLnTx/>
+              <a:uFillTx/>
+              <a:latin typeface="Rubik"/>
+              <a:ea typeface="Rubik"/>
+              <a:cs typeface="Rubik"/>
+              <a:sym typeface="Rubik"/>
+            </a:endParaRPr>
+          </a:p>
+        </p:txBody>
+      </p:sp>
+      <p:sp>
+        <p:nvSpPr>
+          <p:cNvPr id="6" name="Google Shape;94;p4">
+            <a:extLst>
+              <a:ext uri="{FF2B5EF4-FFF2-40B4-BE49-F238E27FC236}">
+                <a16:creationId xmlns:a16="http://schemas.microsoft.com/office/drawing/2014/main" id="{9A5B0196-BFDA-DF94-6FC6-EEFBF2159608}"/>
+              </a:ext>
+            </a:extLst>
+          </p:cNvPr>
+          <p:cNvSpPr txBox="1"/>
+          <p:nvPr/>
+        </p:nvSpPr>
+        <p:spPr>
+          <a:xfrm>
+            <a:off x="340500" y="173419"/>
+            <a:ext cx="8463000" cy="646500"/>
+          </a:xfrm>
+          <a:prstGeom prst="rect">
+            <a:avLst/>
+          </a:prstGeom>
+          <a:noFill/>
+          <a:ln>
+            <a:noFill/>
+          </a:ln>
+          <a:effectLst>
+            <a:outerShdw blurRad="57150" dist="19050" dir="2820000" algn="bl" rotWithShape="0">
+              <a:srgbClr val="B7B7B7">
+                <a:alpha val="85098"/>
+              </a:srgbClr>
+            </a:outerShdw>
+          </a:effectLst>
+        </p:spPr>
+        <p:txBody>
+          <a:bodyPr spcFirstLastPara="1" wrap="square" lIns="91425" tIns="91425" rIns="91425" bIns="91425" anchor="t" anchorCtr="0">
+            <a:spAutoFit/>
+          </a:bodyPr>
+          <a:lstStyle/>
+          <a:p>
+            <a:pPr marL="0" marR="0" lvl="0" indent="0" algn="l" defTabSz="914400" rtl="0" eaLnBrk="1" fontAlgn="auto" latinLnBrk="0" hangingPunct="1">
+              <a:lnSpc>
+                <a:spcPct val="100000"/>
+              </a:lnSpc>
+              <a:spcBef>
+                <a:spcPts val="0"/>
+              </a:spcBef>
+              <a:spcAft>
+                <a:spcPts val="0"/>
+              </a:spcAft>
+              <a:buClr>
+                <a:srgbClr val="000000"/>
+              </a:buClr>
+              <a:buSzPts val="5000"/>
+              <a:buFont typeface="Arial"/>
+              <a:buNone/>
+              <a:tabLst/>
+              <a:defRPr/>
+            </a:pPr>
+            <a:r>
+              <a:rPr kumimoji="0" lang="en" sz="3000" b="1" i="0" u="none" strike="noStrike" kern="0" cap="none" spc="0" normalizeH="0" baseline="0" noProof="0" dirty="0">
+                <a:ln>
+                  <a:noFill/>
+                </a:ln>
+                <a:solidFill>
+                  <a:srgbClr val="000000"/>
+                </a:solidFill>
+                <a:effectLst/>
+                <a:uLnTx/>
+                <a:uFillTx/>
+                <a:latin typeface="Rubik"/>
+                <a:ea typeface="Rubik"/>
+                <a:cs typeface="Rubik"/>
+                <a:sym typeface="Rubik"/>
+              </a:rPr>
+              <a:t>Rekomendasi</a:t>
+            </a:r>
+            <a:endParaRPr kumimoji="0" sz="3000" b="1" i="0" u="none" strike="noStrike" kern="0" cap="none" spc="0" normalizeH="0" baseline="0" noProof="0" dirty="0">
+              <a:ln>
+                <a:noFill/>
+              </a:ln>
+              <a:solidFill>
+                <a:srgbClr val="0097A7"/>
+              </a:solidFill>
+              <a:effectLst/>
+              <a:uLnTx/>
+              <a:uFillTx/>
+              <a:latin typeface="Rubik"/>
+              <a:ea typeface="Rubik"/>
+              <a:cs typeface="Rubik"/>
+              <a:sym typeface="Rubik"/>
+            </a:endParaRPr>
+          </a:p>
+        </p:txBody>
+      </p:sp>
+    </p:spTree>
+    <p:extLst>
+      <p:ext uri="{BB962C8B-B14F-4D97-AF65-F5344CB8AC3E}">
+        <p14:creationId xmlns:p14="http://schemas.microsoft.com/office/powerpoint/2010/main" val="2359861487"/>
+      </p:ext>
+    </p:extLst>
+  </p:cSld>
+  <p:clrMapOvr>
+    <a:masterClrMapping/>
+  </p:clrMapOvr>
+</p:sld>
+</file>
+
+<file path=ppt/slides/slide12.xml><?xml version="1.0" encoding="utf-8"?>
+<p:sld xmlns:a="http://schemas.openxmlformats.org/drawingml/2006/main" xmlns:r="http://schemas.openxmlformats.org/officeDocument/2006/relationships" xmlns:p="http://schemas.openxmlformats.org/presentationml/2006/main">
+  <p:cSld>
+    <p:bg>
+      <p:bgPr>
+        <a:solidFill>
+          <a:srgbClr val="019FAB"/>
+        </a:solidFill>
+        <a:effectLst/>
+      </p:bgPr>
+    </p:bg>
+    <p:spTree>
+      <p:nvGrpSpPr>
+        <p:cNvPr id="1" name="Shape 144"/>
+        <p:cNvGrpSpPr/>
+        <p:nvPr/>
+      </p:nvGrpSpPr>
+      <p:grpSpPr>
+        <a:xfrm>
+          <a:off x="0" y="0"/>
+          <a:ext cx="0" cy="0"/>
+          <a:chOff x="0" y="0"/>
+          <a:chExt cx="0" cy="0"/>
+        </a:xfrm>
+      </p:grpSpPr>
+      <p:pic>
+        <p:nvPicPr>
+          <p:cNvPr id="145" name="Google Shape;145;p8"/>
+          <p:cNvPicPr preferRelativeResize="0"/>
+          <p:nvPr/>
+        </p:nvPicPr>
+        <p:blipFill rotWithShape="1">
+          <a:blip r:embed="rId3">
+            <a:alphaModFix amt="10000"/>
+          </a:blip>
+          <a:srcRect/>
+          <a:stretch/>
+        </p:blipFill>
+        <p:spPr>
+          <a:xfrm>
+            <a:off x="0" y="0"/>
+            <a:ext cx="9144001" cy="5143501"/>
+          </a:xfrm>
+          <a:prstGeom prst="rect">
+            <a:avLst/>
+          </a:prstGeom>
+          <a:noFill/>
+          <a:ln>
+            <a:noFill/>
+          </a:ln>
+        </p:spPr>
+      </p:pic>
+      <p:sp>
+        <p:nvSpPr>
+          <p:cNvPr id="147" name="Google Shape;147;p8"/>
+          <p:cNvSpPr txBox="1"/>
+          <p:nvPr/>
+        </p:nvSpPr>
+        <p:spPr>
+          <a:xfrm>
+            <a:off x="2376000" y="1939850"/>
+            <a:ext cx="4392000" cy="877200"/>
+          </a:xfrm>
+          <a:prstGeom prst="rect">
+            <a:avLst/>
+          </a:prstGeom>
+          <a:noFill/>
+          <a:ln>
+            <a:noFill/>
+          </a:ln>
+          <a:effectLst>
+            <a:outerShdw blurRad="57150" dist="19050" dir="5400000" algn="bl" rotWithShape="0">
+              <a:srgbClr val="000000">
+                <a:alpha val="49019"/>
+              </a:srgbClr>
+            </a:outerShdw>
+          </a:effectLst>
+        </p:spPr>
+        <p:txBody>
+          <a:bodyPr spcFirstLastPara="1" wrap="square" lIns="91425" tIns="91425" rIns="91425" bIns="91425" anchor="t" anchorCtr="0">
+            <a:spAutoFit/>
+          </a:bodyPr>
+          <a:lstStyle/>
+          <a:p>
+            <a:pPr marL="0" marR="0" lvl="0" indent="0" algn="ctr" rtl="0">
+              <a:lnSpc>
+                <a:spcPct val="100000"/>
+              </a:lnSpc>
+              <a:spcBef>
+                <a:spcPts val="0"/>
+              </a:spcBef>
+              <a:spcAft>
+                <a:spcPts val="0"/>
+              </a:spcAft>
+              <a:buClr>
+                <a:srgbClr val="000000"/>
+              </a:buClr>
+              <a:buSzPts val="4500"/>
+              <a:buFont typeface="Arial"/>
+              <a:buNone/>
+            </a:pPr>
+            <a:r>
+              <a:rPr lang="en" sz="4500" b="1" i="0" u="none" strike="noStrike" cap="none">
+                <a:solidFill>
+                  <a:schemeClr val="lt1"/>
+                </a:solidFill>
+                <a:latin typeface="Rubik"/>
+                <a:ea typeface="Rubik"/>
+                <a:cs typeface="Rubik"/>
+                <a:sym typeface="Rubik"/>
+              </a:rPr>
+              <a:t>Thank You</a:t>
+            </a:r>
+            <a:endParaRPr sz="2000" b="0" i="0" u="none" strike="noStrike" cap="none">
+              <a:solidFill>
+                <a:schemeClr val="lt1"/>
+              </a:solidFill>
+              <a:latin typeface="Rubik"/>
+              <a:ea typeface="Rubik"/>
+              <a:cs typeface="Rubik"/>
+              <a:sym typeface="Rubik"/>
+            </a:endParaRPr>
+          </a:p>
+        </p:txBody>
+      </p:sp>
+    </p:spTree>
+  </p:cSld>
+  <p:clrMapOvr>
+    <a:masterClrMapping/>
+  </p:clrMapOvr>
+</p:sld>
+</file>
+
 <file path=ppt/slides/slide2.xml><?xml version="1.0" encoding="utf-8"?>
 <p:sld xmlns:a="http://schemas.openxmlformats.org/drawingml/2006/main" xmlns:r="http://schemas.openxmlformats.org/officeDocument/2006/relationships" xmlns:p="http://schemas.openxmlformats.org/presentationml/2006/main">
   <p:cSld>
@@ -11308,7 +14104,7 @@
         <p:spPr>
           <a:xfrm>
             <a:off x="340500" y="452038"/>
-            <a:ext cx="8463000" cy="600300"/>
+            <a:ext cx="8463000" cy="600134"/>
           </a:xfrm>
           <a:prstGeom prst="rect">
             <a:avLst/>
@@ -11358,7 +14154,7 @@
                 <a:cs typeface="Rubik"/>
                 <a:sym typeface="Rubik"/>
               </a:rPr>
-              <a:t>Meringkas Penjualan Tiap Tahun</a:t>
+              <a:t>Meringkas Pertumbuhan Penjualan</a:t>
             </a:r>
             <a:endParaRPr sz="2700" b="1" i="0" u="none" strike="noStrike" cap="none" dirty="0">
               <a:solidFill>
@@ -11380,8 +14176,8 @@
         </p:nvSpPr>
         <p:spPr>
           <a:xfrm>
-            <a:off x="896202" y="1956414"/>
-            <a:ext cx="7907298" cy="1800463"/>
+            <a:off x="896202" y="3226673"/>
+            <a:ext cx="7907298" cy="1154132"/>
           </a:xfrm>
           <a:prstGeom prst="rect">
             <a:avLst/>
@@ -11527,7 +14323,7 @@
                 <a:cs typeface="Rubik"/>
                 <a:sym typeface="Rubik"/>
               </a:rPr>
-              <a:t>tahunnya</a:t>
+              <a:t>tahun</a:t>
             </a:r>
             <a:r>
               <a:rPr lang="en-US" dirty="0">
@@ -11536,6 +14332,24 @@
                 <a:cs typeface="Rubik"/>
                 <a:sym typeface="Rubik"/>
               </a:rPr>
+              <a:t> dan </a:t>
+            </a:r>
+            <a:r>
+              <a:rPr lang="en-US" dirty="0" err="1">
+                <a:latin typeface="Rubik"/>
+                <a:ea typeface="Rubik"/>
+                <a:cs typeface="Rubik"/>
+                <a:sym typeface="Rubik"/>
+              </a:rPr>
+              <a:t>bulannya</a:t>
+            </a:r>
+            <a:r>
+              <a:rPr lang="en-US" dirty="0">
+                <a:latin typeface="Rubik"/>
+                <a:ea typeface="Rubik"/>
+                <a:cs typeface="Rubik"/>
+                <a:sym typeface="Rubik"/>
+              </a:rPr>
               <a:t> </a:t>
             </a:r>
             <a:r>
@@ -11626,6 +14440,24 @@
                 <a:cs typeface="Rubik"/>
                 <a:sym typeface="Rubik"/>
               </a:rPr>
+              <a:t>. </a:t>
+            </a:r>
+            <a:r>
+              <a:rPr lang="en-US" dirty="0" err="1">
+                <a:latin typeface="Rubik"/>
+                <a:ea typeface="Rubik"/>
+                <a:cs typeface="Rubik"/>
+                <a:sym typeface="Rubik"/>
+              </a:rPr>
+              <a:t>Semakin</a:t>
+            </a:r>
+            <a:r>
+              <a:rPr lang="en-US" dirty="0">
+                <a:latin typeface="Rubik"/>
+                <a:ea typeface="Rubik"/>
+                <a:cs typeface="Rubik"/>
+                <a:sym typeface="Rubik"/>
+              </a:rPr>
               <a:t> </a:t>
             </a:r>
             <a:r>
@@ -11635,7 +14467,7 @@
                 <a:cs typeface="Rubik"/>
                 <a:sym typeface="Rubik"/>
               </a:rPr>
-              <a:t>setiap</a:t>
+              <a:t>biru</a:t>
             </a:r>
             <a:r>
               <a:rPr lang="en-US" dirty="0">
@@ -11653,7 +14485,7 @@
                 <a:cs typeface="Rubik"/>
                 <a:sym typeface="Rubik"/>
               </a:rPr>
-              <a:t>tahunnya</a:t>
+              <a:t>berarti</a:t>
             </a:r>
             <a:r>
               <a:rPr lang="en-US" dirty="0">
@@ -11662,7 +14494,7 @@
                 <a:cs typeface="Rubik"/>
                 <a:sym typeface="Rubik"/>
               </a:rPr>
-              <a:t>. </a:t>
+              <a:t> </a:t>
             </a:r>
             <a:r>
               <a:rPr lang="en-US" dirty="0" err="1">
@@ -11671,7 +14503,7 @@
                 <a:cs typeface="Rubik"/>
                 <a:sym typeface="Rubik"/>
               </a:rPr>
-              <a:t>Semakin</a:t>
+              <a:t>semakin</a:t>
             </a:r>
             <a:r>
               <a:rPr lang="en-US" dirty="0">
@@ -11689,7 +14521,7 @@
                 <a:cs typeface="Rubik"/>
                 <a:sym typeface="Rubik"/>
               </a:rPr>
-              <a:t>biru</a:t>
+              <a:t>tinggi</a:t>
             </a:r>
             <a:r>
               <a:rPr lang="en-US" dirty="0">
@@ -11707,6 +14539,60 @@
                 <a:cs typeface="Rubik"/>
                 <a:sym typeface="Rubik"/>
               </a:rPr>
+              <a:t>peningkatan</a:t>
+            </a:r>
+            <a:r>
+              <a:rPr lang="en-US" dirty="0">
+                <a:latin typeface="Rubik"/>
+                <a:ea typeface="Rubik"/>
+                <a:cs typeface="Rubik"/>
+                <a:sym typeface="Rubik"/>
+              </a:rPr>
+              <a:t>, dan </a:t>
+            </a:r>
+            <a:r>
+              <a:rPr lang="en-US" dirty="0" err="1">
+                <a:latin typeface="Rubik"/>
+                <a:ea typeface="Rubik"/>
+                <a:cs typeface="Rubik"/>
+                <a:sym typeface="Rubik"/>
+              </a:rPr>
+              <a:t>semakin</a:t>
+            </a:r>
+            <a:r>
+              <a:rPr lang="en-US" dirty="0">
+                <a:latin typeface="Rubik"/>
+                <a:ea typeface="Rubik"/>
+                <a:cs typeface="Rubik"/>
+                <a:sym typeface="Rubik"/>
+              </a:rPr>
+              <a:t> </a:t>
+            </a:r>
+            <a:r>
+              <a:rPr lang="en-US" dirty="0" err="1">
+                <a:latin typeface="Rubik"/>
+                <a:ea typeface="Rubik"/>
+                <a:cs typeface="Rubik"/>
+                <a:sym typeface="Rubik"/>
+              </a:rPr>
+              <a:t>merah</a:t>
+            </a:r>
+            <a:r>
+              <a:rPr lang="en-US" dirty="0">
+                <a:latin typeface="Rubik"/>
+                <a:ea typeface="Rubik"/>
+                <a:cs typeface="Rubik"/>
+                <a:sym typeface="Rubik"/>
+              </a:rPr>
+              <a:t> </a:t>
+            </a:r>
+            <a:r>
+              <a:rPr lang="en-US" dirty="0" err="1">
+                <a:latin typeface="Rubik"/>
+                <a:ea typeface="Rubik"/>
+                <a:cs typeface="Rubik"/>
+                <a:sym typeface="Rubik"/>
+              </a:rPr>
               <a:t>berarti</a:t>
             </a:r>
             <a:r>
@@ -11743,7 +14629,7 @@
                 <a:cs typeface="Rubik"/>
                 <a:sym typeface="Rubik"/>
               </a:rPr>
-              <a:t>tinggi</a:t>
+              <a:t>rendah</a:t>
             </a:r>
             <a:r>
               <a:rPr lang="en-US" dirty="0">
@@ -11761,7 +14647,7 @@
                 <a:cs typeface="Rubik"/>
                 <a:sym typeface="Rubik"/>
               </a:rPr>
-              <a:t>peningkatan</a:t>
+              <a:t>penurunan</a:t>
             </a:r>
             <a:r>
               <a:rPr lang="en-US" dirty="0">
@@ -11770,7 +14656,7 @@
                 <a:cs typeface="Rubik"/>
                 <a:sym typeface="Rubik"/>
               </a:rPr>
-              <a:t>, dan </a:t>
+              <a:t> </a:t>
             </a:r>
             <a:r>
               <a:rPr lang="en-US" dirty="0" err="1">
@@ -11779,7 +14665,7 @@
                 <a:cs typeface="Rubik"/>
                 <a:sym typeface="Rubik"/>
               </a:rPr>
-              <a:t>semakin</a:t>
+              <a:t>dari</a:t>
             </a:r>
             <a:r>
               <a:rPr lang="en-US" dirty="0">
@@ -11797,7 +14683,7 @@
                 <a:cs typeface="Rubik"/>
                 <a:sym typeface="Rubik"/>
               </a:rPr>
-              <a:t>merah</a:t>
+              <a:t>sebelumnya</a:t>
             </a:r>
             <a:r>
               <a:rPr lang="en-US" dirty="0">
@@ -11806,174 +14692,17 @@
                 <a:cs typeface="Rubik"/>
                 <a:sym typeface="Rubik"/>
               </a:rPr>
-              <a:t> </a:t>
-            </a:r>
-            <a:r>
-              <a:rPr lang="en-US" dirty="0" err="1">
-                <a:latin typeface="Rubik"/>
-                <a:ea typeface="Rubik"/>
-                <a:cs typeface="Rubik"/>
-                <a:sym typeface="Rubik"/>
-              </a:rPr>
-              <a:t>berarti</a:t>
-            </a:r>
-            <a:r>
-              <a:rPr lang="en-US" dirty="0">
-                <a:latin typeface="Rubik"/>
-                <a:ea typeface="Rubik"/>
-                <a:cs typeface="Rubik"/>
-                <a:sym typeface="Rubik"/>
-              </a:rPr>
-              <a:t> </a:t>
-            </a:r>
-            <a:r>
-              <a:rPr lang="en-US" dirty="0" err="1">
-                <a:latin typeface="Rubik"/>
-                <a:ea typeface="Rubik"/>
-                <a:cs typeface="Rubik"/>
-                <a:sym typeface="Rubik"/>
-              </a:rPr>
-              <a:t>semakin</a:t>
-            </a:r>
-            <a:r>
-              <a:rPr lang="en-US" dirty="0">
-                <a:latin typeface="Rubik"/>
-                <a:ea typeface="Rubik"/>
-                <a:cs typeface="Rubik"/>
-                <a:sym typeface="Rubik"/>
-              </a:rPr>
-              <a:t> </a:t>
-            </a:r>
-            <a:r>
-              <a:rPr lang="en-US" dirty="0" err="1">
-                <a:latin typeface="Rubik"/>
-                <a:ea typeface="Rubik"/>
-                <a:cs typeface="Rubik"/>
-                <a:sym typeface="Rubik"/>
-              </a:rPr>
-              <a:t>rendah</a:t>
-            </a:r>
-            <a:r>
-              <a:rPr lang="en-US" dirty="0">
-                <a:latin typeface="Rubik"/>
-                <a:ea typeface="Rubik"/>
-                <a:cs typeface="Rubik"/>
-                <a:sym typeface="Rubik"/>
-              </a:rPr>
-              <a:t> </a:t>
-            </a:r>
-            <a:r>
-              <a:rPr lang="en-US" dirty="0" err="1">
-                <a:latin typeface="Rubik"/>
-                <a:ea typeface="Rubik"/>
-                <a:cs typeface="Rubik"/>
-                <a:sym typeface="Rubik"/>
-              </a:rPr>
-              <a:t>penurunan</a:t>
-            </a:r>
-            <a:r>
-              <a:rPr lang="en-US" dirty="0">
-                <a:latin typeface="Rubik"/>
-                <a:ea typeface="Rubik"/>
-                <a:cs typeface="Rubik"/>
-                <a:sym typeface="Rubik"/>
-              </a:rPr>
-              <a:t> </a:t>
-            </a:r>
-            <a:r>
-              <a:rPr lang="en-US" dirty="0" err="1">
-                <a:latin typeface="Rubik"/>
-                <a:ea typeface="Rubik"/>
-                <a:cs typeface="Rubik"/>
-                <a:sym typeface="Rubik"/>
-              </a:rPr>
-              <a:t>dari</a:t>
-            </a:r>
-            <a:r>
-              <a:rPr lang="en-US" dirty="0">
-                <a:latin typeface="Rubik"/>
-                <a:ea typeface="Rubik"/>
-                <a:cs typeface="Rubik"/>
-                <a:sym typeface="Rubik"/>
-              </a:rPr>
-              <a:t> </a:t>
-            </a:r>
-            <a:r>
-              <a:rPr lang="en-US" dirty="0" err="1">
-                <a:latin typeface="Rubik"/>
-                <a:ea typeface="Rubik"/>
-                <a:cs typeface="Rubik"/>
-                <a:sym typeface="Rubik"/>
-              </a:rPr>
-              <a:t>tahun</a:t>
-            </a:r>
-            <a:r>
-              <a:rPr lang="en-US" dirty="0">
-                <a:latin typeface="Rubik"/>
-                <a:ea typeface="Rubik"/>
-                <a:cs typeface="Rubik"/>
-                <a:sym typeface="Rubik"/>
-              </a:rPr>
-              <a:t> </a:t>
-            </a:r>
-            <a:r>
-              <a:rPr lang="en-US" dirty="0" err="1">
-                <a:latin typeface="Rubik"/>
-                <a:ea typeface="Rubik"/>
-                <a:cs typeface="Rubik"/>
-                <a:sym typeface="Rubik"/>
-              </a:rPr>
-              <a:t>sebelumnya</a:t>
-            </a:r>
-            <a:r>
-              <a:rPr lang="en-US" dirty="0">
-                <a:latin typeface="Rubik"/>
-                <a:ea typeface="Rubik"/>
-                <a:cs typeface="Rubik"/>
-                <a:sym typeface="Rubik"/>
-              </a:rPr>
               <a:t>.</a:t>
             </a:r>
-            <a:endParaRPr dirty="0">
-              <a:latin typeface="Rubik"/>
-              <a:ea typeface="Rubik"/>
-              <a:cs typeface="Rubik"/>
-              <a:sym typeface="Rubik"/>
-            </a:endParaRPr>
-          </a:p>
-          <a:p>
-            <a:pPr marL="0" marR="0" lvl="0" indent="0" algn="l" rtl="0">
-              <a:lnSpc>
-                <a:spcPct val="150000"/>
-              </a:lnSpc>
-              <a:spcBef>
-                <a:spcPts val="0"/>
-              </a:spcBef>
-              <a:spcAft>
-                <a:spcPts val="0"/>
-              </a:spcAft>
-              <a:buClr>
-                <a:schemeClr val="dk1"/>
-              </a:buClr>
-              <a:buSzPts val="1400"/>
-              <a:buFont typeface="Arial"/>
-              <a:buNone/>
-            </a:pPr>
-            <a:endParaRPr dirty="0">
-              <a:latin typeface="Rubik"/>
-              <a:ea typeface="Rubik"/>
-              <a:cs typeface="Rubik"/>
-              <a:sym typeface="Rubik"/>
-            </a:endParaRPr>
           </a:p>
         </p:txBody>
       </p:sp>
       <p:pic>
         <p:nvPicPr>
-          <p:cNvPr id="4" name="Picture 3">
+          <p:cNvPr id="3" name="Picture 2">
             <a:extLst>
               <a:ext uri="{FF2B5EF4-FFF2-40B4-BE49-F238E27FC236}">
-                <a16:creationId xmlns:a16="http://schemas.microsoft.com/office/drawing/2014/main" id="{E86128E6-8F0B-AE28-5C89-32A32CBC4B6C}"/>
+                <a16:creationId xmlns:a16="http://schemas.microsoft.com/office/drawing/2014/main" id="{7620A270-D8FF-006C-1183-2B0AD0FC9083}"/>
               </a:ext>
             </a:extLst>
           </p:cNvPr>
@@ -11990,8 +14719,38 @@
         </p:blipFill>
         <p:spPr>
           <a:xfrm>
-            <a:off x="896202" y="1083246"/>
-            <a:ext cx="2301924" cy="842260"/>
+            <a:off x="896202" y="1052172"/>
+            <a:ext cx="3006821" cy="873334"/>
+          </a:xfrm>
+          <a:prstGeom prst="rect">
+            <a:avLst/>
+          </a:prstGeom>
+        </p:spPr>
+      </p:pic>
+      <p:pic>
+        <p:nvPicPr>
+          <p:cNvPr id="6" name="Picture 5">
+            <a:extLst>
+              <a:ext uri="{FF2B5EF4-FFF2-40B4-BE49-F238E27FC236}">
+                <a16:creationId xmlns:a16="http://schemas.microsoft.com/office/drawing/2014/main" id="{E6496A93-3AE3-8BE0-0484-F67C35C7A2CC}"/>
+              </a:ext>
+            </a:extLst>
+          </p:cNvPr>
+          <p:cNvPicPr>
+            <a:picLocks noChangeAspect="1"/>
+          </p:cNvPicPr>
+          <p:nvPr/>
+        </p:nvPicPr>
+        <p:blipFill>
+          <a:blip r:embed="rId5"/>
+          <a:stretch>
+            <a:fillRect/>
+          </a:stretch>
+        </p:blipFill>
+        <p:spPr>
+          <a:xfrm>
+            <a:off x="896202" y="1925506"/>
+            <a:ext cx="7351596" cy="1301167"/>
           </a:xfrm>
           <a:prstGeom prst="rect">
             <a:avLst/>
@@ -12007,6 +14766,2650 @@
 </file>
 
 <file path=ppt/slides/slide6.xml><?xml version="1.0" encoding="utf-8"?>
+<p:sld xmlns:a="http://schemas.openxmlformats.org/drawingml/2006/main" xmlns:r="http://schemas.openxmlformats.org/officeDocument/2006/relationships" xmlns:p="http://schemas.openxmlformats.org/presentationml/2006/main">
+  <p:cSld>
+    <p:spTree>
+      <p:nvGrpSpPr>
+        <p:cNvPr id="1" name="Shape 90">
+          <a:extLst>
+            <a:ext uri="{FF2B5EF4-FFF2-40B4-BE49-F238E27FC236}">
+              <a16:creationId xmlns:a16="http://schemas.microsoft.com/office/drawing/2014/main" id="{17B862A0-DD57-0E1C-4C49-9E9CBDDDC2F6}"/>
+            </a:ext>
+          </a:extLst>
+        </p:cNvPr>
+        <p:cNvGrpSpPr/>
+        <p:nvPr/>
+      </p:nvGrpSpPr>
+      <p:grpSpPr>
+        <a:xfrm>
+          <a:off x="0" y="0"/>
+          <a:ext cx="0" cy="0"/>
+          <a:chOff x="0" y="0"/>
+          <a:chExt cx="0" cy="0"/>
+        </a:xfrm>
+      </p:grpSpPr>
+      <p:pic>
+        <p:nvPicPr>
+          <p:cNvPr id="91" name="Google Shape;91;p4">
+            <a:extLst>
+              <a:ext uri="{FF2B5EF4-FFF2-40B4-BE49-F238E27FC236}">
+                <a16:creationId xmlns:a16="http://schemas.microsoft.com/office/drawing/2014/main" id="{0B1E6395-F6CC-0B07-78C4-CED369DB8A4A}"/>
+              </a:ext>
+            </a:extLst>
+          </p:cNvPr>
+          <p:cNvPicPr preferRelativeResize="0"/>
+          <p:nvPr/>
+        </p:nvPicPr>
+        <p:blipFill rotWithShape="1">
+          <a:blip r:embed="rId3">
+            <a:alphaModFix amt="10000"/>
+          </a:blip>
+          <a:srcRect/>
+          <a:stretch/>
+        </p:blipFill>
+        <p:spPr>
+          <a:xfrm>
+            <a:off x="0" y="0"/>
+            <a:ext cx="9144001" cy="5143501"/>
+          </a:xfrm>
+          <a:prstGeom prst="rect">
+            <a:avLst/>
+          </a:prstGeom>
+          <a:noFill/>
+          <a:ln>
+            <a:noFill/>
+          </a:ln>
+        </p:spPr>
+      </p:pic>
+      <p:sp>
+        <p:nvSpPr>
+          <p:cNvPr id="93" name="Google Shape;93;p4">
+            <a:extLst>
+              <a:ext uri="{FF2B5EF4-FFF2-40B4-BE49-F238E27FC236}">
+                <a16:creationId xmlns:a16="http://schemas.microsoft.com/office/drawing/2014/main" id="{4013E4CD-63E1-6321-1606-3A87128BB027}"/>
+              </a:ext>
+            </a:extLst>
+          </p:cNvPr>
+          <p:cNvSpPr txBox="1"/>
+          <p:nvPr/>
+        </p:nvSpPr>
+        <p:spPr>
+          <a:xfrm>
+            <a:off x="340500" y="2461570"/>
+            <a:ext cx="8462999" cy="1458831"/>
+          </a:xfrm>
+          <a:prstGeom prst="rect">
+            <a:avLst/>
+          </a:prstGeom>
+          <a:noFill/>
+          <a:ln>
+            <a:noFill/>
+          </a:ln>
+        </p:spPr>
+        <p:txBody>
+          <a:bodyPr spcFirstLastPara="1" wrap="square" lIns="91425" tIns="91425" rIns="91425" bIns="91425" anchor="t" anchorCtr="0">
+            <a:spAutoFit/>
+          </a:bodyPr>
+          <a:lstStyle/>
+          <a:p>
+            <a:pPr marL="228600" marR="0" lvl="0" indent="-228600" algn="just" defTabSz="914400" rtl="0" eaLnBrk="1" fontAlgn="auto" latinLnBrk="0" hangingPunct="1">
+              <a:lnSpc>
+                <a:spcPct val="115000"/>
+              </a:lnSpc>
+              <a:spcBef>
+                <a:spcPts val="0"/>
+              </a:spcBef>
+              <a:spcAft>
+                <a:spcPts val="0"/>
+              </a:spcAft>
+              <a:buClr>
+                <a:srgbClr val="000000"/>
+              </a:buClr>
+              <a:buSzPts val="1100"/>
+              <a:buFont typeface="Arial"/>
+              <a:buAutoNum type="arabicPeriod"/>
+              <a:tabLst/>
+              <a:defRPr/>
+            </a:pPr>
+            <a:r>
+              <a:rPr kumimoji="0" lang="en-US" sz="1200" b="0" i="0" u="none" strike="noStrike" kern="0" cap="none" spc="0" normalizeH="0" baseline="0" noProof="0" dirty="0" err="1">
+                <a:ln>
+                  <a:noFill/>
+                </a:ln>
+                <a:solidFill>
+                  <a:srgbClr val="000000"/>
+                </a:solidFill>
+                <a:effectLst/>
+                <a:uLnTx/>
+                <a:uFillTx/>
+                <a:latin typeface="Rubik"/>
+                <a:ea typeface="Rubik"/>
+                <a:cs typeface="Rubik"/>
+                <a:sym typeface="Rubik"/>
+              </a:rPr>
+              <a:t>Optimalkan</a:t>
+            </a:r>
+            <a:r>
+              <a:rPr kumimoji="0" lang="en-US" sz="1200" b="0" i="0" u="none" strike="noStrike" kern="0" cap="none" spc="0" normalizeH="0" baseline="0" noProof="0" dirty="0">
+                <a:ln>
+                  <a:noFill/>
+                </a:ln>
+                <a:solidFill>
+                  <a:srgbClr val="000000"/>
+                </a:solidFill>
+                <a:effectLst/>
+                <a:uLnTx/>
+                <a:uFillTx/>
+                <a:latin typeface="Rubik"/>
+                <a:ea typeface="Rubik"/>
+                <a:cs typeface="Rubik"/>
+                <a:sym typeface="Rubik"/>
+              </a:rPr>
+              <a:t> </a:t>
+            </a:r>
+            <a:r>
+              <a:rPr kumimoji="0" lang="en-US" sz="1200" b="0" i="0" u="none" strike="noStrike" kern="0" cap="none" spc="0" normalizeH="0" baseline="0" noProof="0" dirty="0" err="1">
+                <a:ln>
+                  <a:noFill/>
+                </a:ln>
+                <a:solidFill>
+                  <a:srgbClr val="000000"/>
+                </a:solidFill>
+                <a:effectLst/>
+                <a:uLnTx/>
+                <a:uFillTx/>
+                <a:latin typeface="Rubik"/>
+                <a:ea typeface="Rubik"/>
+                <a:cs typeface="Rubik"/>
+                <a:sym typeface="Rubik"/>
+              </a:rPr>
+              <a:t>peralatan</a:t>
+            </a:r>
+            <a:r>
+              <a:rPr kumimoji="0" lang="en-US" sz="1200" b="0" i="0" u="none" strike="noStrike" kern="0" cap="none" spc="0" normalizeH="0" baseline="0" noProof="0" dirty="0">
+                <a:ln>
+                  <a:noFill/>
+                </a:ln>
+                <a:solidFill>
+                  <a:srgbClr val="000000"/>
+                </a:solidFill>
+                <a:effectLst/>
+                <a:uLnTx/>
+                <a:uFillTx/>
+                <a:latin typeface="Rubik"/>
+                <a:ea typeface="Rubik"/>
+                <a:cs typeface="Rubik"/>
+                <a:sym typeface="Rubik"/>
+              </a:rPr>
+              <a:t> </a:t>
+            </a:r>
+            <a:r>
+              <a:rPr kumimoji="0" lang="en-US" sz="1200" b="0" i="0" u="none" strike="noStrike" kern="0" cap="none" spc="0" normalizeH="0" baseline="0" noProof="0" dirty="0" err="1">
+                <a:ln>
+                  <a:noFill/>
+                </a:ln>
+                <a:solidFill>
+                  <a:srgbClr val="000000"/>
+                </a:solidFill>
+                <a:effectLst/>
+                <a:uLnTx/>
+                <a:uFillTx/>
+                <a:latin typeface="Rubik"/>
+                <a:ea typeface="Rubik"/>
+                <a:cs typeface="Rubik"/>
+                <a:sym typeface="Rubik"/>
+              </a:rPr>
+              <a:t>dari</a:t>
+            </a:r>
+            <a:r>
+              <a:rPr kumimoji="0" lang="en-US" sz="1200" b="0" i="0" u="none" strike="noStrike" kern="0" cap="none" spc="0" normalizeH="0" baseline="0" noProof="0" dirty="0">
+                <a:ln>
+                  <a:noFill/>
+                </a:ln>
+                <a:solidFill>
+                  <a:srgbClr val="000000"/>
+                </a:solidFill>
+                <a:effectLst/>
+                <a:uLnTx/>
+                <a:uFillTx/>
+                <a:latin typeface="Rubik"/>
+                <a:ea typeface="Rubik"/>
+                <a:cs typeface="Rubik"/>
+                <a:sym typeface="Rubik"/>
+              </a:rPr>
+              <a:t> supplier </a:t>
+            </a:r>
+            <a:r>
+              <a:rPr kumimoji="0" lang="en-US" sz="1200" b="0" i="0" u="none" strike="noStrike" kern="0" cap="none" spc="0" normalizeH="0" baseline="0" noProof="0" dirty="0" err="1">
+                <a:ln>
+                  <a:noFill/>
+                </a:ln>
+                <a:solidFill>
+                  <a:srgbClr val="000000"/>
+                </a:solidFill>
+                <a:effectLst/>
+                <a:uLnTx/>
+                <a:uFillTx/>
+                <a:latin typeface="Rubik"/>
+                <a:ea typeface="Rubik"/>
+                <a:cs typeface="Rubik"/>
+                <a:sym typeface="Rubik"/>
+              </a:rPr>
+              <a:t>dengan</a:t>
+            </a:r>
+            <a:r>
+              <a:rPr kumimoji="0" lang="en-US" sz="1200" b="0" i="0" u="none" strike="noStrike" kern="0" cap="none" spc="0" normalizeH="0" baseline="0" noProof="0" dirty="0">
+                <a:ln>
+                  <a:noFill/>
+                </a:ln>
+                <a:solidFill>
+                  <a:srgbClr val="000000"/>
+                </a:solidFill>
+                <a:effectLst/>
+                <a:uLnTx/>
+                <a:uFillTx/>
+                <a:latin typeface="Rubik"/>
+                <a:ea typeface="Rubik"/>
+                <a:cs typeface="Rubik"/>
+                <a:sym typeface="Rubik"/>
+              </a:rPr>
+              <a:t> </a:t>
+            </a:r>
+            <a:r>
+              <a:rPr kumimoji="0" lang="en-US" sz="1200" b="0" i="0" u="none" strike="noStrike" kern="0" cap="none" spc="0" normalizeH="0" baseline="0" noProof="0" dirty="0" err="1">
+                <a:ln>
+                  <a:noFill/>
+                </a:ln>
+                <a:solidFill>
+                  <a:srgbClr val="000000"/>
+                </a:solidFill>
+                <a:effectLst/>
+                <a:uLnTx/>
+                <a:uFillTx/>
+                <a:latin typeface="Rubik"/>
+                <a:ea typeface="Rubik"/>
+                <a:cs typeface="Rubik"/>
+                <a:sym typeface="Rubik"/>
+              </a:rPr>
+              <a:t>performa</a:t>
+            </a:r>
+            <a:r>
+              <a:rPr kumimoji="0" lang="en-US" sz="1200" b="0" i="0" u="none" strike="noStrike" kern="0" cap="none" spc="0" normalizeH="0" baseline="0" noProof="0" dirty="0">
+                <a:ln>
+                  <a:noFill/>
+                </a:ln>
+                <a:solidFill>
+                  <a:srgbClr val="000000"/>
+                </a:solidFill>
+                <a:effectLst/>
+                <a:uLnTx/>
+                <a:uFillTx/>
+                <a:latin typeface="Rubik"/>
+                <a:ea typeface="Rubik"/>
+                <a:cs typeface="Rubik"/>
+                <a:sym typeface="Rubik"/>
+              </a:rPr>
+              <a:t> </a:t>
+            </a:r>
+            <a:r>
+              <a:rPr kumimoji="0" lang="en-US" sz="1200" b="0" i="0" u="none" strike="noStrike" kern="0" cap="none" spc="0" normalizeH="0" baseline="0" noProof="0" dirty="0" err="1">
+                <a:ln>
+                  <a:noFill/>
+                </a:ln>
+                <a:solidFill>
+                  <a:srgbClr val="000000"/>
+                </a:solidFill>
+                <a:effectLst/>
+                <a:uLnTx/>
+                <a:uFillTx/>
+                <a:latin typeface="Rubik"/>
+                <a:ea typeface="Rubik"/>
+                <a:cs typeface="Rubik"/>
+                <a:sym typeface="Rubik"/>
+              </a:rPr>
+              <a:t>penjualan</a:t>
+            </a:r>
+            <a:r>
+              <a:rPr kumimoji="0" lang="en-US" sz="1200" b="0" i="0" u="none" strike="noStrike" kern="0" cap="none" spc="0" normalizeH="0" baseline="0" noProof="0" dirty="0">
+                <a:ln>
+                  <a:noFill/>
+                </a:ln>
+                <a:solidFill>
+                  <a:srgbClr val="000000"/>
+                </a:solidFill>
+                <a:effectLst/>
+                <a:uLnTx/>
+                <a:uFillTx/>
+                <a:latin typeface="Rubik"/>
+                <a:ea typeface="Rubik"/>
+                <a:cs typeface="Rubik"/>
+                <a:sym typeface="Rubik"/>
+              </a:rPr>
+              <a:t> yang </a:t>
+            </a:r>
+            <a:r>
+              <a:rPr kumimoji="0" lang="en-US" sz="1200" b="0" i="0" u="none" strike="noStrike" kern="0" cap="none" spc="0" normalizeH="0" baseline="0" noProof="0" dirty="0" err="1">
+                <a:ln>
+                  <a:noFill/>
+                </a:ln>
+                <a:solidFill>
+                  <a:srgbClr val="000000"/>
+                </a:solidFill>
+                <a:effectLst/>
+                <a:uLnTx/>
+                <a:uFillTx/>
+                <a:latin typeface="Rubik"/>
+                <a:ea typeface="Rubik"/>
+                <a:cs typeface="Rubik"/>
+                <a:sym typeface="Rubik"/>
+              </a:rPr>
+              <a:t>tinggi</a:t>
+            </a:r>
+            <a:r>
+              <a:rPr lang="en-US" sz="1200" dirty="0">
+                <a:latin typeface="Rubik"/>
+                <a:ea typeface="Rubik"/>
+                <a:cs typeface="Rubik"/>
+                <a:sym typeface="Rubik"/>
+              </a:rPr>
+              <a:t>, </a:t>
+            </a:r>
+            <a:r>
+              <a:rPr lang="en-US" sz="1200" dirty="0" err="1">
+                <a:latin typeface="Rubik"/>
+                <a:ea typeface="Rubik"/>
+                <a:cs typeface="Rubik"/>
+                <a:sym typeface="Rubik"/>
+              </a:rPr>
+              <a:t>negosiasikan</a:t>
+            </a:r>
+            <a:r>
+              <a:rPr lang="en-US" sz="1200" dirty="0">
+                <a:latin typeface="Rubik"/>
+                <a:ea typeface="Rubik"/>
+                <a:cs typeface="Rubik"/>
+                <a:sym typeface="Rubik"/>
+              </a:rPr>
+              <a:t> </a:t>
+            </a:r>
+            <a:r>
+              <a:rPr lang="en-US" sz="1200" dirty="0" err="1">
+                <a:latin typeface="Rubik"/>
+                <a:ea typeface="Rubik"/>
+                <a:cs typeface="Rubik"/>
+                <a:sym typeface="Rubik"/>
+              </a:rPr>
+              <a:t>harga</a:t>
+            </a:r>
+            <a:r>
+              <a:rPr lang="en-US" sz="1200" dirty="0">
+                <a:latin typeface="Rubik"/>
+                <a:ea typeface="Rubik"/>
+                <a:cs typeface="Rubik"/>
+                <a:sym typeface="Rubik"/>
+              </a:rPr>
+              <a:t> </a:t>
+            </a:r>
+            <a:r>
+              <a:rPr lang="en-US" sz="1200" dirty="0" err="1">
+                <a:latin typeface="Rubik"/>
+                <a:ea typeface="Rubik"/>
+                <a:cs typeface="Rubik"/>
+                <a:sym typeface="Rubik"/>
+              </a:rPr>
+              <a:t>apabila</a:t>
+            </a:r>
+            <a:r>
+              <a:rPr lang="en-US" sz="1200" dirty="0">
+                <a:latin typeface="Rubik"/>
+                <a:ea typeface="Rubik"/>
+                <a:cs typeface="Rubik"/>
+                <a:sym typeface="Rubik"/>
+              </a:rPr>
+              <a:t> </a:t>
+            </a:r>
+            <a:r>
+              <a:rPr lang="en-US" sz="1200" dirty="0" err="1">
+                <a:latin typeface="Rubik"/>
+                <a:ea typeface="Rubik"/>
+                <a:cs typeface="Rubik"/>
+                <a:sym typeface="Rubik"/>
+              </a:rPr>
+              <a:t>dikehendaki</a:t>
+            </a:r>
+            <a:r>
+              <a:rPr lang="en-US" sz="1200" dirty="0">
+                <a:latin typeface="Rubik"/>
+                <a:ea typeface="Rubik"/>
+                <a:cs typeface="Rubik"/>
+                <a:sym typeface="Rubik"/>
+              </a:rPr>
+              <a:t> </a:t>
+            </a:r>
+            <a:r>
+              <a:rPr lang="en-US" sz="1200" dirty="0" err="1">
+                <a:latin typeface="Rubik"/>
+                <a:ea typeface="Rubik"/>
+                <a:cs typeface="Rubik"/>
+                <a:sym typeface="Rubik"/>
+              </a:rPr>
+              <a:t>untuk</a:t>
+            </a:r>
+            <a:r>
+              <a:rPr lang="en-US" sz="1200" dirty="0">
+                <a:latin typeface="Rubik"/>
+                <a:ea typeface="Rubik"/>
+                <a:cs typeface="Rubik"/>
+                <a:sym typeface="Rubik"/>
+              </a:rPr>
+              <a:t> </a:t>
+            </a:r>
+            <a:r>
+              <a:rPr lang="en-US" sz="1200" dirty="0" err="1">
+                <a:latin typeface="Rubik"/>
+                <a:ea typeface="Rubik"/>
+                <a:cs typeface="Rubik"/>
+                <a:sym typeface="Rubik"/>
+              </a:rPr>
+              <a:t>menambah</a:t>
+            </a:r>
+            <a:r>
+              <a:rPr lang="en-US" sz="1200" dirty="0">
+                <a:latin typeface="Rubik"/>
+                <a:ea typeface="Rubik"/>
+                <a:cs typeface="Rubik"/>
+                <a:sym typeface="Rubik"/>
+              </a:rPr>
+              <a:t> supply </a:t>
+            </a:r>
+            <a:r>
+              <a:rPr lang="en-US" sz="1200" dirty="0" err="1">
+                <a:latin typeface="Rubik"/>
+                <a:ea typeface="Rubik"/>
+                <a:cs typeface="Rubik"/>
+                <a:sym typeface="Rubik"/>
+              </a:rPr>
+              <a:t>peralatan</a:t>
+            </a:r>
+            <a:r>
+              <a:rPr lang="en-US" sz="1200" dirty="0">
+                <a:latin typeface="Rubik"/>
+                <a:ea typeface="Rubik"/>
+                <a:cs typeface="Rubik"/>
+                <a:sym typeface="Rubik"/>
+              </a:rPr>
+              <a:t>, </a:t>
+            </a:r>
+            <a:r>
+              <a:rPr lang="en-US" sz="1200" dirty="0" err="1">
+                <a:latin typeface="Rubik"/>
+                <a:ea typeface="Rubik"/>
+                <a:cs typeface="Rubik"/>
+                <a:sym typeface="Rubik"/>
+              </a:rPr>
+              <a:t>serta</a:t>
+            </a:r>
+            <a:r>
+              <a:rPr lang="en-US" sz="1200" dirty="0">
+                <a:latin typeface="Rubik"/>
+                <a:ea typeface="Rubik"/>
+                <a:cs typeface="Rubik"/>
+                <a:sym typeface="Rubik"/>
+              </a:rPr>
+              <a:t> </a:t>
+            </a:r>
+            <a:r>
+              <a:rPr lang="en-US" sz="1200" dirty="0" err="1">
+                <a:latin typeface="Rubik"/>
+                <a:ea typeface="Rubik"/>
+                <a:cs typeface="Rubik"/>
+                <a:sym typeface="Rubik"/>
+              </a:rPr>
+              <a:t>jika</a:t>
+            </a:r>
+            <a:r>
+              <a:rPr lang="en-US" sz="1200" dirty="0">
+                <a:latin typeface="Rubik"/>
+                <a:ea typeface="Rubik"/>
+                <a:cs typeface="Rubik"/>
+                <a:sym typeface="Rubik"/>
+              </a:rPr>
+              <a:t> </a:t>
+            </a:r>
+            <a:r>
+              <a:rPr lang="en-US" sz="1200" dirty="0" err="1">
+                <a:latin typeface="Rubik"/>
+                <a:ea typeface="Rubik"/>
+                <a:cs typeface="Rubik"/>
+                <a:sym typeface="Rubik"/>
+              </a:rPr>
+              <a:t>ditemukan</a:t>
+            </a:r>
+            <a:r>
+              <a:rPr lang="en-US" sz="1200" dirty="0">
+                <a:latin typeface="Rubik"/>
+                <a:ea typeface="Rubik"/>
+                <a:cs typeface="Rubik"/>
+                <a:sym typeface="Rubik"/>
+              </a:rPr>
+              <a:t> </a:t>
+            </a:r>
+            <a:r>
+              <a:rPr lang="en-US" sz="1200" dirty="0" err="1">
+                <a:latin typeface="Rubik"/>
+                <a:ea typeface="Rubik"/>
+                <a:cs typeface="Rubik"/>
+                <a:sym typeface="Rubik"/>
+              </a:rPr>
+              <a:t>pola</a:t>
+            </a:r>
+            <a:r>
+              <a:rPr lang="en-US" sz="1200" dirty="0">
+                <a:latin typeface="Rubik"/>
+                <a:ea typeface="Rubik"/>
+                <a:cs typeface="Rubik"/>
+                <a:sym typeface="Rubik"/>
+              </a:rPr>
+              <a:t> </a:t>
+            </a:r>
+            <a:r>
+              <a:rPr lang="en-US" sz="1200" dirty="0" err="1">
+                <a:latin typeface="Rubik"/>
+                <a:ea typeface="Rubik"/>
+                <a:cs typeface="Rubik"/>
+                <a:sym typeface="Rubik"/>
+              </a:rPr>
+              <a:t>musiman</a:t>
+            </a:r>
+            <a:r>
+              <a:rPr lang="en-US" sz="1200" dirty="0">
+                <a:latin typeface="Rubik"/>
+                <a:ea typeface="Rubik"/>
+                <a:cs typeface="Rubik"/>
+                <a:sym typeface="Rubik"/>
+              </a:rPr>
+              <a:t> </a:t>
+            </a:r>
+            <a:r>
+              <a:rPr lang="en-US" sz="1200" dirty="0" err="1">
+                <a:latin typeface="Rubik"/>
+                <a:ea typeface="Rubik"/>
+                <a:cs typeface="Rubik"/>
+                <a:sym typeface="Rubik"/>
+              </a:rPr>
+              <a:t>persiapkan</a:t>
+            </a:r>
+            <a:r>
+              <a:rPr lang="en-US" sz="1200" dirty="0">
+                <a:latin typeface="Rubik"/>
+                <a:ea typeface="Rubik"/>
+                <a:cs typeface="Rubik"/>
+                <a:sym typeface="Rubik"/>
+              </a:rPr>
+              <a:t> </a:t>
+            </a:r>
+            <a:r>
+              <a:rPr lang="en-US" sz="1200" dirty="0" err="1">
+                <a:latin typeface="Rubik"/>
+                <a:ea typeface="Rubik"/>
+                <a:cs typeface="Rubik"/>
+                <a:sym typeface="Rubik"/>
+              </a:rPr>
+              <a:t>penyesuaian</a:t>
+            </a:r>
+            <a:r>
+              <a:rPr lang="en-US" sz="1200" dirty="0">
+                <a:latin typeface="Rubik"/>
+                <a:ea typeface="Rubik"/>
+                <a:cs typeface="Rubik"/>
+                <a:sym typeface="Rubik"/>
+              </a:rPr>
+              <a:t> </a:t>
+            </a:r>
+            <a:r>
+              <a:rPr lang="en-US" sz="1200" dirty="0" err="1">
+                <a:latin typeface="Rubik"/>
+                <a:ea typeface="Rubik"/>
+                <a:cs typeface="Rubik"/>
+                <a:sym typeface="Rubik"/>
+              </a:rPr>
+              <a:t>stok</a:t>
+            </a:r>
+            <a:r>
+              <a:rPr lang="en-US" sz="1200" dirty="0">
+                <a:latin typeface="Rubik"/>
+                <a:ea typeface="Rubik"/>
+                <a:cs typeface="Rubik"/>
+                <a:sym typeface="Rubik"/>
+              </a:rPr>
+              <a:t> </a:t>
+            </a:r>
+            <a:r>
+              <a:rPr lang="en-US" sz="1200" dirty="0" err="1">
+                <a:latin typeface="Rubik"/>
+                <a:ea typeface="Rubik"/>
+                <a:cs typeface="Rubik"/>
+                <a:sym typeface="Rubik"/>
+              </a:rPr>
+              <a:t>dari</a:t>
+            </a:r>
+            <a:r>
+              <a:rPr lang="en-US" sz="1200" dirty="0">
+                <a:latin typeface="Rubik"/>
+                <a:ea typeface="Rubik"/>
+                <a:cs typeface="Rubik"/>
+                <a:sym typeface="Rubik"/>
+              </a:rPr>
+              <a:t> supplier </a:t>
+            </a:r>
+            <a:r>
+              <a:rPr lang="en-US" sz="1200" dirty="0" err="1">
+                <a:latin typeface="Rubik"/>
+                <a:ea typeface="Rubik"/>
+                <a:cs typeface="Rubik"/>
+                <a:sym typeface="Rubik"/>
+              </a:rPr>
+              <a:t>tersebut</a:t>
+            </a:r>
+            <a:r>
+              <a:rPr lang="en-US" sz="1200" dirty="0">
+                <a:latin typeface="Rubik"/>
+                <a:ea typeface="Rubik"/>
+                <a:cs typeface="Rubik"/>
+                <a:sym typeface="Rubik"/>
+              </a:rPr>
+              <a:t>.</a:t>
+            </a:r>
+          </a:p>
+          <a:p>
+            <a:pPr marL="228600" marR="0" lvl="0" indent="-228600" algn="just" defTabSz="914400" rtl="0" eaLnBrk="1" fontAlgn="auto" latinLnBrk="0" hangingPunct="1">
+              <a:lnSpc>
+                <a:spcPct val="115000"/>
+              </a:lnSpc>
+              <a:spcBef>
+                <a:spcPts val="0"/>
+              </a:spcBef>
+              <a:spcAft>
+                <a:spcPts val="0"/>
+              </a:spcAft>
+              <a:buClr>
+                <a:srgbClr val="000000"/>
+              </a:buClr>
+              <a:buSzPts val="1100"/>
+              <a:buFont typeface="Arial"/>
+              <a:buAutoNum type="arabicPeriod"/>
+              <a:tabLst/>
+              <a:defRPr/>
+            </a:pPr>
+            <a:r>
+              <a:rPr kumimoji="0" lang="en-US" sz="1200" b="0" i="0" u="none" strike="noStrike" kern="0" cap="none" spc="0" normalizeH="0" baseline="0" noProof="0" dirty="0" err="1">
+                <a:ln>
+                  <a:noFill/>
+                </a:ln>
+                <a:solidFill>
+                  <a:srgbClr val="000000"/>
+                </a:solidFill>
+                <a:effectLst/>
+                <a:uLnTx/>
+                <a:uFillTx/>
+                <a:latin typeface="Rubik"/>
+                <a:ea typeface="Rubik"/>
+                <a:cs typeface="Rubik"/>
+                <a:sym typeface="Rubik"/>
+              </a:rPr>
+              <a:t>Apabila</a:t>
+            </a:r>
+            <a:r>
+              <a:rPr kumimoji="0" lang="en-US" sz="1200" b="0" i="0" u="none" strike="noStrike" kern="0" cap="none" spc="0" normalizeH="0" baseline="0" noProof="0" dirty="0">
+                <a:ln>
+                  <a:noFill/>
+                </a:ln>
+                <a:solidFill>
+                  <a:srgbClr val="000000"/>
+                </a:solidFill>
+                <a:effectLst/>
+                <a:uLnTx/>
+                <a:uFillTx/>
+                <a:latin typeface="Rubik"/>
+                <a:ea typeface="Rubik"/>
+                <a:cs typeface="Rubik"/>
+                <a:sym typeface="Rubik"/>
+              </a:rPr>
+              <a:t> profit growth </a:t>
+            </a:r>
+            <a:r>
+              <a:rPr kumimoji="0" lang="en-US" sz="1200" b="0" i="0" u="none" strike="noStrike" kern="0" cap="none" spc="0" normalizeH="0" baseline="0" noProof="0" dirty="0" err="1">
+                <a:ln>
+                  <a:noFill/>
+                </a:ln>
+                <a:solidFill>
+                  <a:srgbClr val="000000"/>
+                </a:solidFill>
+                <a:effectLst/>
+                <a:uLnTx/>
+                <a:uFillTx/>
+                <a:latin typeface="Rubik"/>
+                <a:ea typeface="Rubik"/>
+                <a:cs typeface="Rubik"/>
+                <a:sym typeface="Rubik"/>
+              </a:rPr>
+              <a:t>stagnan</a:t>
+            </a:r>
+            <a:r>
+              <a:rPr kumimoji="0" lang="en-US" sz="1200" b="0" i="0" u="none" strike="noStrike" kern="0" cap="none" spc="0" normalizeH="0" baseline="0" noProof="0" dirty="0">
+                <a:ln>
+                  <a:noFill/>
+                </a:ln>
+                <a:solidFill>
+                  <a:srgbClr val="000000"/>
+                </a:solidFill>
+                <a:effectLst/>
+                <a:uLnTx/>
+                <a:uFillTx/>
+                <a:latin typeface="Rubik"/>
+                <a:ea typeface="Rubik"/>
+                <a:cs typeface="Rubik"/>
+                <a:sym typeface="Rubik"/>
+              </a:rPr>
+              <a:t>, </a:t>
+            </a:r>
+            <a:r>
+              <a:rPr kumimoji="0" lang="en-US" sz="1200" b="0" i="0" u="none" strike="noStrike" kern="0" cap="none" spc="0" normalizeH="0" baseline="0" noProof="0" dirty="0" err="1">
+                <a:ln>
+                  <a:noFill/>
+                </a:ln>
+                <a:solidFill>
+                  <a:srgbClr val="000000"/>
+                </a:solidFill>
+                <a:effectLst/>
+                <a:uLnTx/>
+                <a:uFillTx/>
+                <a:latin typeface="Rubik"/>
+                <a:ea typeface="Rubik"/>
+                <a:cs typeface="Rubik"/>
+                <a:sym typeface="Rubik"/>
+              </a:rPr>
+              <a:t>pertimbangkan</a:t>
+            </a:r>
+            <a:r>
+              <a:rPr kumimoji="0" lang="en-US" sz="1200" b="0" i="0" u="none" strike="noStrike" kern="0" cap="none" spc="0" normalizeH="0" baseline="0" noProof="0" dirty="0">
+                <a:ln>
+                  <a:noFill/>
+                </a:ln>
+                <a:solidFill>
+                  <a:srgbClr val="000000"/>
+                </a:solidFill>
+                <a:effectLst/>
+                <a:uLnTx/>
+                <a:uFillTx/>
+                <a:latin typeface="Rubik"/>
+                <a:ea typeface="Rubik"/>
+                <a:cs typeface="Rubik"/>
+                <a:sym typeface="Rubik"/>
+              </a:rPr>
+              <a:t> </a:t>
+            </a:r>
+            <a:r>
+              <a:rPr kumimoji="0" lang="en-US" sz="1200" b="0" i="0" u="none" strike="noStrike" kern="0" cap="none" spc="0" normalizeH="0" baseline="0" noProof="0" dirty="0" err="1">
+                <a:ln>
+                  <a:noFill/>
+                </a:ln>
+                <a:solidFill>
+                  <a:srgbClr val="000000"/>
+                </a:solidFill>
+                <a:effectLst/>
+                <a:uLnTx/>
+                <a:uFillTx/>
+                <a:latin typeface="Rubik"/>
+                <a:ea typeface="Rubik"/>
+                <a:cs typeface="Rubik"/>
+                <a:sym typeface="Rubik"/>
+              </a:rPr>
+              <a:t>untuk</a:t>
+            </a:r>
+            <a:r>
+              <a:rPr kumimoji="0" lang="en-US" sz="1200" b="0" i="0" u="none" strike="noStrike" kern="0" cap="none" spc="0" normalizeH="0" baseline="0" noProof="0" dirty="0">
+                <a:ln>
+                  <a:noFill/>
+                </a:ln>
+                <a:solidFill>
+                  <a:srgbClr val="000000"/>
+                </a:solidFill>
+                <a:effectLst/>
+                <a:uLnTx/>
+                <a:uFillTx/>
+                <a:latin typeface="Rubik"/>
+                <a:ea typeface="Rubik"/>
+                <a:cs typeface="Rubik"/>
+                <a:sym typeface="Rubik"/>
+              </a:rPr>
+              <a:t> </a:t>
+            </a:r>
+            <a:r>
+              <a:rPr kumimoji="0" lang="en-US" sz="1200" b="0" i="0" u="none" strike="noStrike" kern="0" cap="none" spc="0" normalizeH="0" baseline="0" noProof="0" dirty="0" err="1">
+                <a:ln>
+                  <a:noFill/>
+                </a:ln>
+                <a:solidFill>
+                  <a:srgbClr val="000000"/>
+                </a:solidFill>
+                <a:effectLst/>
+                <a:uLnTx/>
+                <a:uFillTx/>
+                <a:latin typeface="Rubik"/>
+                <a:ea typeface="Rubik"/>
+                <a:cs typeface="Rubik"/>
+                <a:sym typeface="Rubik"/>
+              </a:rPr>
+              <a:t>melakukan</a:t>
+            </a:r>
+            <a:r>
+              <a:rPr kumimoji="0" lang="en-US" sz="1200" b="0" i="0" u="none" strike="noStrike" kern="0" cap="none" spc="0" normalizeH="0" baseline="0" noProof="0" dirty="0">
+                <a:ln>
+                  <a:noFill/>
+                </a:ln>
+                <a:solidFill>
+                  <a:srgbClr val="000000"/>
+                </a:solidFill>
+                <a:effectLst/>
+                <a:uLnTx/>
+                <a:uFillTx/>
+                <a:latin typeface="Rubik"/>
+                <a:ea typeface="Rubik"/>
+                <a:cs typeface="Rubik"/>
+                <a:sym typeface="Rubik"/>
+              </a:rPr>
+              <a:t> </a:t>
+            </a:r>
+            <a:r>
+              <a:rPr kumimoji="0" lang="en-US" sz="1200" b="0" i="0" u="none" strike="noStrike" kern="0" cap="none" spc="0" normalizeH="0" baseline="0" noProof="0" dirty="0" err="1">
+                <a:ln>
+                  <a:noFill/>
+                </a:ln>
+                <a:solidFill>
+                  <a:srgbClr val="000000"/>
+                </a:solidFill>
+                <a:effectLst/>
+                <a:uLnTx/>
+                <a:uFillTx/>
+                <a:latin typeface="Rubik"/>
+                <a:ea typeface="Rubik"/>
+                <a:cs typeface="Rubik"/>
+                <a:sym typeface="Rubik"/>
+              </a:rPr>
+              <a:t>diversifikasi</a:t>
+            </a:r>
+            <a:r>
+              <a:rPr kumimoji="0" lang="en-US" sz="1200" b="0" i="0" u="none" strike="noStrike" kern="0" cap="none" spc="0" normalizeH="0" baseline="0" noProof="0" dirty="0">
+                <a:ln>
+                  <a:noFill/>
+                </a:ln>
+                <a:solidFill>
+                  <a:srgbClr val="000000"/>
+                </a:solidFill>
+                <a:effectLst/>
+                <a:uLnTx/>
+                <a:uFillTx/>
+                <a:latin typeface="Rubik"/>
+                <a:ea typeface="Rubik"/>
+                <a:cs typeface="Rubik"/>
+                <a:sym typeface="Rubik"/>
+              </a:rPr>
+              <a:t> </a:t>
+            </a:r>
+            <a:r>
+              <a:rPr kumimoji="0" lang="en-US" sz="1200" b="0" i="0" u="none" strike="noStrike" kern="0" cap="none" spc="0" normalizeH="0" baseline="0" noProof="0" dirty="0" err="1">
+                <a:ln>
+                  <a:noFill/>
+                </a:ln>
+                <a:solidFill>
+                  <a:srgbClr val="000000"/>
+                </a:solidFill>
+                <a:effectLst/>
+                <a:uLnTx/>
+                <a:uFillTx/>
+                <a:latin typeface="Rubik"/>
+                <a:ea typeface="Rubik"/>
+                <a:cs typeface="Rubik"/>
+                <a:sym typeface="Rubik"/>
+              </a:rPr>
+              <a:t>produk</a:t>
+            </a:r>
+            <a:r>
+              <a:rPr kumimoji="0" lang="en-US" sz="1200" b="0" i="0" u="none" strike="noStrike" kern="0" cap="none" spc="0" normalizeH="0" baseline="0" noProof="0" dirty="0">
+                <a:ln>
+                  <a:noFill/>
+                </a:ln>
+                <a:solidFill>
+                  <a:srgbClr val="000000"/>
+                </a:solidFill>
+                <a:effectLst/>
+                <a:uLnTx/>
+                <a:uFillTx/>
+                <a:latin typeface="Rubik"/>
+                <a:ea typeface="Rubik"/>
+                <a:cs typeface="Rubik"/>
+                <a:sym typeface="Rubik"/>
+              </a:rPr>
+              <a:t> </a:t>
+            </a:r>
+            <a:r>
+              <a:rPr kumimoji="0" lang="en-US" sz="1200" b="0" i="0" u="none" strike="noStrike" kern="0" cap="none" spc="0" normalizeH="0" baseline="0" noProof="0" dirty="0" err="1">
+                <a:ln>
+                  <a:noFill/>
+                </a:ln>
+                <a:solidFill>
+                  <a:srgbClr val="000000"/>
+                </a:solidFill>
+                <a:effectLst/>
+                <a:uLnTx/>
+                <a:uFillTx/>
+                <a:latin typeface="Rubik"/>
+                <a:ea typeface="Rubik"/>
+                <a:cs typeface="Rubik"/>
+                <a:sym typeface="Rubik"/>
+              </a:rPr>
+              <a:t>atau</a:t>
+            </a:r>
+            <a:r>
+              <a:rPr kumimoji="0" lang="en-US" sz="1200" b="0" i="0" u="none" strike="noStrike" kern="0" cap="none" spc="0" normalizeH="0" baseline="0" noProof="0" dirty="0">
+                <a:ln>
+                  <a:noFill/>
+                </a:ln>
+                <a:solidFill>
+                  <a:srgbClr val="000000"/>
+                </a:solidFill>
+                <a:effectLst/>
+                <a:uLnTx/>
+                <a:uFillTx/>
+                <a:latin typeface="Rubik"/>
+                <a:ea typeface="Rubik"/>
+                <a:cs typeface="Rubik"/>
+                <a:sym typeface="Rubik"/>
+              </a:rPr>
+              <a:t> </a:t>
+            </a:r>
+            <a:r>
+              <a:rPr kumimoji="0" lang="en-US" sz="1200" b="0" i="0" u="none" strike="noStrike" kern="0" cap="none" spc="0" normalizeH="0" baseline="0" noProof="0" dirty="0" err="1">
+                <a:ln>
+                  <a:noFill/>
+                </a:ln>
+                <a:solidFill>
+                  <a:srgbClr val="000000"/>
+                </a:solidFill>
+                <a:effectLst/>
+                <a:uLnTx/>
+                <a:uFillTx/>
+                <a:latin typeface="Rubik"/>
+                <a:ea typeface="Rubik"/>
+                <a:cs typeface="Rubik"/>
+                <a:sym typeface="Rubik"/>
+              </a:rPr>
+              <a:t>ekspansi</a:t>
+            </a:r>
+            <a:r>
+              <a:rPr kumimoji="0" lang="en-US" sz="1200" b="0" i="0" u="none" strike="noStrike" kern="0" cap="none" spc="0" normalizeH="0" baseline="0" noProof="0" dirty="0">
+                <a:ln>
+                  <a:noFill/>
+                </a:ln>
+                <a:solidFill>
+                  <a:srgbClr val="000000"/>
+                </a:solidFill>
+                <a:effectLst/>
+                <a:uLnTx/>
+                <a:uFillTx/>
+                <a:latin typeface="Rubik"/>
+                <a:ea typeface="Rubik"/>
+                <a:cs typeface="Rubik"/>
+                <a:sym typeface="Rubik"/>
+              </a:rPr>
+              <a:t> pasar </a:t>
+            </a:r>
+            <a:r>
+              <a:rPr kumimoji="0" lang="en-US" sz="1200" b="0" i="0" u="none" strike="noStrike" kern="0" cap="none" spc="0" normalizeH="0" baseline="0" noProof="0" dirty="0" err="1">
+                <a:ln>
+                  <a:noFill/>
+                </a:ln>
+                <a:solidFill>
+                  <a:srgbClr val="000000"/>
+                </a:solidFill>
+                <a:effectLst/>
+                <a:uLnTx/>
+                <a:uFillTx/>
+                <a:latin typeface="Rubik"/>
+                <a:ea typeface="Rubik"/>
+                <a:cs typeface="Rubik"/>
+                <a:sym typeface="Rubik"/>
+              </a:rPr>
+              <a:t>serta</a:t>
+            </a:r>
+            <a:r>
+              <a:rPr kumimoji="0" lang="en-US" sz="1200" b="0" i="0" u="none" strike="noStrike" kern="0" cap="none" spc="0" normalizeH="0" baseline="0" noProof="0" dirty="0">
+                <a:ln>
+                  <a:noFill/>
+                </a:ln>
+                <a:solidFill>
+                  <a:srgbClr val="000000"/>
+                </a:solidFill>
+                <a:effectLst/>
+                <a:uLnTx/>
+                <a:uFillTx/>
+                <a:latin typeface="Rubik"/>
+                <a:ea typeface="Rubik"/>
+                <a:cs typeface="Rubik"/>
+                <a:sym typeface="Rubik"/>
+              </a:rPr>
+              <a:t> </a:t>
+            </a:r>
+            <a:r>
+              <a:rPr kumimoji="0" lang="en-US" sz="1200" b="0" i="0" u="none" strike="noStrike" kern="0" cap="none" spc="0" normalizeH="0" baseline="0" noProof="0" dirty="0" err="1">
+                <a:ln>
+                  <a:noFill/>
+                </a:ln>
+                <a:solidFill>
+                  <a:srgbClr val="000000"/>
+                </a:solidFill>
+                <a:effectLst/>
+                <a:uLnTx/>
+                <a:uFillTx/>
+                <a:latin typeface="Rubik"/>
+                <a:ea typeface="Rubik"/>
+                <a:cs typeface="Rubik"/>
+                <a:sym typeface="Rubik"/>
+              </a:rPr>
+              <a:t>evaluasi</a:t>
+            </a:r>
+            <a:r>
+              <a:rPr kumimoji="0" lang="en-US" sz="1200" b="0" i="0" u="none" strike="noStrike" kern="0" cap="none" spc="0" normalizeH="0" baseline="0" noProof="0" dirty="0">
+                <a:ln>
+                  <a:noFill/>
+                </a:ln>
+                <a:solidFill>
+                  <a:srgbClr val="000000"/>
+                </a:solidFill>
+                <a:effectLst/>
+                <a:uLnTx/>
+                <a:uFillTx/>
+                <a:latin typeface="Rubik"/>
+                <a:ea typeface="Rubik"/>
+                <a:cs typeface="Rubik"/>
+                <a:sym typeface="Rubik"/>
+              </a:rPr>
+              <a:t> </a:t>
+            </a:r>
+            <a:r>
+              <a:rPr kumimoji="0" lang="en-US" sz="1200" b="0" i="0" u="none" strike="noStrike" kern="0" cap="none" spc="0" normalizeH="0" baseline="0" noProof="0" dirty="0" err="1">
+                <a:ln>
+                  <a:noFill/>
+                </a:ln>
+                <a:solidFill>
+                  <a:srgbClr val="000000"/>
+                </a:solidFill>
+                <a:effectLst/>
+                <a:uLnTx/>
+                <a:uFillTx/>
+                <a:latin typeface="Rubik"/>
+                <a:ea typeface="Rubik"/>
+                <a:cs typeface="Rubik"/>
+                <a:sym typeface="Rubik"/>
+              </a:rPr>
+              <a:t>harga</a:t>
+            </a:r>
+            <a:r>
+              <a:rPr kumimoji="0" lang="en-US" sz="1200" b="0" i="0" u="none" strike="noStrike" kern="0" cap="none" spc="0" normalizeH="0" baseline="0" noProof="0" dirty="0">
+                <a:ln>
+                  <a:noFill/>
+                </a:ln>
+                <a:solidFill>
+                  <a:srgbClr val="000000"/>
+                </a:solidFill>
+                <a:effectLst/>
+                <a:uLnTx/>
+                <a:uFillTx/>
+                <a:latin typeface="Rubik"/>
+                <a:ea typeface="Rubik"/>
+                <a:cs typeface="Rubik"/>
+                <a:sym typeface="Rubik"/>
+              </a:rPr>
+              <a:t> </a:t>
+            </a:r>
+            <a:r>
+              <a:rPr kumimoji="0" lang="en-US" sz="1200" b="0" i="0" u="none" strike="noStrike" kern="0" cap="none" spc="0" normalizeH="0" baseline="0" noProof="0" dirty="0" err="1">
+                <a:ln>
+                  <a:noFill/>
+                </a:ln>
+                <a:solidFill>
+                  <a:srgbClr val="000000"/>
+                </a:solidFill>
+                <a:effectLst/>
+                <a:uLnTx/>
+                <a:uFillTx/>
+                <a:latin typeface="Rubik"/>
+                <a:ea typeface="Rubik"/>
+                <a:cs typeface="Rubik"/>
+                <a:sym typeface="Rubik"/>
+              </a:rPr>
+              <a:t>produk</a:t>
+            </a:r>
+            <a:r>
+              <a:rPr kumimoji="0" lang="en-US" sz="1200" b="0" i="0" u="none" strike="noStrike" kern="0" cap="none" spc="0" normalizeH="0" baseline="0" noProof="0" dirty="0">
+                <a:ln>
+                  <a:noFill/>
+                </a:ln>
+                <a:solidFill>
+                  <a:srgbClr val="000000"/>
+                </a:solidFill>
+                <a:effectLst/>
+                <a:uLnTx/>
+                <a:uFillTx/>
+                <a:latin typeface="Rubik"/>
+                <a:ea typeface="Rubik"/>
+                <a:cs typeface="Rubik"/>
+                <a:sym typeface="Rubik"/>
+              </a:rPr>
+              <a:t>.</a:t>
+            </a:r>
+          </a:p>
+          <a:p>
+            <a:pPr marL="228600" marR="0" lvl="0" indent="-228600" algn="just" defTabSz="914400" rtl="0" eaLnBrk="1" fontAlgn="auto" latinLnBrk="0" hangingPunct="1">
+              <a:lnSpc>
+                <a:spcPct val="115000"/>
+              </a:lnSpc>
+              <a:spcBef>
+                <a:spcPts val="0"/>
+              </a:spcBef>
+              <a:spcAft>
+                <a:spcPts val="0"/>
+              </a:spcAft>
+              <a:buClr>
+                <a:srgbClr val="000000"/>
+              </a:buClr>
+              <a:buSzPts val="1100"/>
+              <a:buFont typeface="Arial"/>
+              <a:buAutoNum type="arabicPeriod"/>
+              <a:tabLst/>
+              <a:defRPr/>
+            </a:pPr>
+            <a:r>
+              <a:rPr lang="en-US" sz="1200" dirty="0" err="1">
+                <a:latin typeface="Rubik"/>
+                <a:ea typeface="Rubik"/>
+                <a:cs typeface="Rubik"/>
+                <a:sym typeface="Rubik"/>
+              </a:rPr>
+              <a:t>Persiapkan</a:t>
+            </a:r>
+            <a:r>
+              <a:rPr lang="en-US" sz="1200" dirty="0">
+                <a:latin typeface="Rubik"/>
+                <a:ea typeface="Rubik"/>
+                <a:cs typeface="Rubik"/>
+                <a:sym typeface="Rubik"/>
+              </a:rPr>
+              <a:t> </a:t>
+            </a:r>
+            <a:r>
+              <a:rPr lang="en-US" sz="1200" dirty="0" err="1">
+                <a:latin typeface="Rubik"/>
+                <a:ea typeface="Rubik"/>
+                <a:cs typeface="Rubik"/>
+                <a:sym typeface="Rubik"/>
+              </a:rPr>
+              <a:t>promosi</a:t>
+            </a:r>
+            <a:r>
+              <a:rPr lang="en-US" sz="1200" dirty="0">
+                <a:latin typeface="Rubik"/>
+                <a:ea typeface="Rubik"/>
+                <a:cs typeface="Rubik"/>
+                <a:sym typeface="Rubik"/>
+              </a:rPr>
+              <a:t> pada </a:t>
+            </a:r>
+            <a:r>
+              <a:rPr lang="en-US" sz="1200" dirty="0" err="1">
+                <a:latin typeface="Rubik"/>
+                <a:ea typeface="Rubik"/>
+                <a:cs typeface="Rubik"/>
+                <a:sym typeface="Rubik"/>
+              </a:rPr>
+              <a:t>peralatan</a:t>
+            </a:r>
+            <a:r>
+              <a:rPr lang="en-US" sz="1200" dirty="0">
+                <a:latin typeface="Rubik"/>
+                <a:ea typeface="Rubik"/>
+                <a:cs typeface="Rubik"/>
+                <a:sym typeface="Rubik"/>
+              </a:rPr>
+              <a:t> yang </a:t>
+            </a:r>
+            <a:r>
+              <a:rPr lang="en-US" sz="1200" dirty="0" err="1">
+                <a:latin typeface="Rubik"/>
+                <a:ea typeface="Rubik"/>
+                <a:cs typeface="Rubik"/>
+                <a:sym typeface="Rubik"/>
+              </a:rPr>
+              <a:t>performanya</a:t>
+            </a:r>
+            <a:r>
+              <a:rPr lang="en-US" sz="1200" dirty="0">
+                <a:latin typeface="Rubik"/>
+                <a:ea typeface="Rubik"/>
+                <a:cs typeface="Rubik"/>
+                <a:sym typeface="Rubik"/>
+              </a:rPr>
+              <a:t> </a:t>
+            </a:r>
+            <a:r>
+              <a:rPr lang="en-US" sz="1200" dirty="0" err="1">
+                <a:latin typeface="Rubik"/>
+                <a:ea typeface="Rubik"/>
+                <a:cs typeface="Rubik"/>
+                <a:sym typeface="Rubik"/>
+              </a:rPr>
+              <a:t>turun</a:t>
+            </a:r>
+            <a:r>
+              <a:rPr lang="en-US" sz="1200" dirty="0">
+                <a:latin typeface="Rubik"/>
+                <a:ea typeface="Rubik"/>
+                <a:cs typeface="Rubik"/>
+                <a:sym typeface="Rubik"/>
+              </a:rPr>
+              <a:t> pada </a:t>
+            </a:r>
+            <a:r>
+              <a:rPr lang="en-US" sz="1200" dirty="0" err="1">
+                <a:latin typeface="Rubik"/>
+                <a:ea typeface="Rubik"/>
+                <a:cs typeface="Rubik"/>
+                <a:sym typeface="Rubik"/>
+              </a:rPr>
+              <a:t>bulan</a:t>
+            </a:r>
+            <a:r>
+              <a:rPr lang="en-US" sz="1200" dirty="0">
+                <a:latin typeface="Rubik"/>
+                <a:ea typeface="Rubik"/>
+                <a:cs typeface="Rubik"/>
+                <a:sym typeface="Rubik"/>
+              </a:rPr>
+              <a:t> </a:t>
+            </a:r>
+            <a:r>
+              <a:rPr lang="en-US" sz="1200" dirty="0" err="1">
+                <a:latin typeface="Rubik"/>
+                <a:ea typeface="Rubik"/>
+                <a:cs typeface="Rubik"/>
+                <a:sym typeface="Rubik"/>
+              </a:rPr>
+              <a:t>bulan</a:t>
+            </a:r>
+            <a:r>
+              <a:rPr lang="en-US" sz="1200" dirty="0">
+                <a:latin typeface="Rubik"/>
+                <a:ea typeface="Rubik"/>
+                <a:cs typeface="Rubik"/>
+                <a:sym typeface="Rubik"/>
+              </a:rPr>
+              <a:t> </a:t>
+            </a:r>
+            <a:r>
+              <a:rPr lang="en-US" sz="1200" dirty="0" err="1">
+                <a:latin typeface="Rubik"/>
+                <a:ea typeface="Rubik"/>
+                <a:cs typeface="Rubik"/>
+                <a:sym typeface="Rubik"/>
+              </a:rPr>
+              <a:t>tertentu</a:t>
+            </a:r>
+            <a:r>
+              <a:rPr lang="en-US" sz="1200" dirty="0">
+                <a:latin typeface="Rubik"/>
+                <a:ea typeface="Rubik"/>
+                <a:cs typeface="Rubik"/>
+                <a:sym typeface="Rubik"/>
+              </a:rPr>
+              <a:t>.</a:t>
+            </a:r>
+          </a:p>
+        </p:txBody>
+      </p:sp>
+      <p:sp>
+        <p:nvSpPr>
+          <p:cNvPr id="94" name="Google Shape;94;p4">
+            <a:extLst>
+              <a:ext uri="{FF2B5EF4-FFF2-40B4-BE49-F238E27FC236}">
+                <a16:creationId xmlns:a16="http://schemas.microsoft.com/office/drawing/2014/main" id="{13697A4F-016D-0D5A-6BAD-DA73CA450FD0}"/>
+              </a:ext>
+            </a:extLst>
+          </p:cNvPr>
+          <p:cNvSpPr txBox="1"/>
+          <p:nvPr/>
+        </p:nvSpPr>
+        <p:spPr>
+          <a:xfrm>
+            <a:off x="340500" y="1815070"/>
+            <a:ext cx="8463000" cy="646500"/>
+          </a:xfrm>
+          <a:prstGeom prst="rect">
+            <a:avLst/>
+          </a:prstGeom>
+          <a:noFill/>
+          <a:ln>
+            <a:noFill/>
+          </a:ln>
+          <a:effectLst>
+            <a:outerShdw blurRad="57150" dist="19050" dir="2820000" algn="bl" rotWithShape="0">
+              <a:srgbClr val="B7B7B7">
+                <a:alpha val="85098"/>
+              </a:srgbClr>
+            </a:outerShdw>
+          </a:effectLst>
+        </p:spPr>
+        <p:txBody>
+          <a:bodyPr spcFirstLastPara="1" wrap="square" lIns="91425" tIns="91425" rIns="91425" bIns="91425" anchor="t" anchorCtr="0">
+            <a:spAutoFit/>
+          </a:bodyPr>
+          <a:lstStyle/>
+          <a:p>
+            <a:pPr marL="0" marR="0" lvl="0" indent="0" defTabSz="914400" rtl="0" eaLnBrk="1" fontAlgn="auto" latinLnBrk="0" hangingPunct="1">
+              <a:lnSpc>
+                <a:spcPct val="100000"/>
+              </a:lnSpc>
+              <a:spcBef>
+                <a:spcPts val="0"/>
+              </a:spcBef>
+              <a:spcAft>
+                <a:spcPts val="0"/>
+              </a:spcAft>
+              <a:buClr>
+                <a:srgbClr val="000000"/>
+              </a:buClr>
+              <a:buSzPts val="5000"/>
+              <a:buFont typeface="Arial"/>
+              <a:buNone/>
+              <a:tabLst/>
+              <a:defRPr/>
+            </a:pPr>
+            <a:r>
+              <a:rPr kumimoji="0" lang="en" sz="3000" b="1" i="0" u="none" strike="noStrike" kern="0" cap="none" spc="0" normalizeH="0" baseline="0" noProof="0" dirty="0">
+                <a:ln>
+                  <a:noFill/>
+                </a:ln>
+                <a:solidFill>
+                  <a:srgbClr val="000000"/>
+                </a:solidFill>
+                <a:effectLst/>
+                <a:uLnTx/>
+                <a:uFillTx/>
+                <a:latin typeface="Rubik"/>
+                <a:ea typeface="Rubik"/>
+                <a:cs typeface="Rubik"/>
+                <a:sym typeface="Rubik"/>
+              </a:rPr>
+              <a:t>Rekomendasi</a:t>
+            </a:r>
+            <a:endParaRPr kumimoji="0" sz="3000" b="1" i="0" u="none" strike="noStrike" kern="0" cap="none" spc="0" normalizeH="0" baseline="0" noProof="0" dirty="0">
+              <a:ln>
+                <a:noFill/>
+              </a:ln>
+              <a:solidFill>
+                <a:srgbClr val="0097A7"/>
+              </a:solidFill>
+              <a:effectLst/>
+              <a:uLnTx/>
+              <a:uFillTx/>
+              <a:latin typeface="Rubik"/>
+              <a:ea typeface="Rubik"/>
+              <a:cs typeface="Rubik"/>
+              <a:sym typeface="Rubik"/>
+            </a:endParaRPr>
+          </a:p>
+        </p:txBody>
+      </p:sp>
+      <p:sp>
+        <p:nvSpPr>
+          <p:cNvPr id="2" name="Google Shape;93;p4">
+            <a:extLst>
+              <a:ext uri="{FF2B5EF4-FFF2-40B4-BE49-F238E27FC236}">
+                <a16:creationId xmlns:a16="http://schemas.microsoft.com/office/drawing/2014/main" id="{80E1A20D-DC46-A372-3086-23AFB3A63A3B}"/>
+              </a:ext>
+            </a:extLst>
+          </p:cNvPr>
+          <p:cNvSpPr txBox="1"/>
+          <p:nvPr/>
+        </p:nvSpPr>
+        <p:spPr>
+          <a:xfrm>
+            <a:off x="340500" y="780971"/>
+            <a:ext cx="8462999" cy="1034099"/>
+          </a:xfrm>
+          <a:prstGeom prst="rect">
+            <a:avLst/>
+          </a:prstGeom>
+          <a:noFill/>
+          <a:ln>
+            <a:noFill/>
+          </a:ln>
+        </p:spPr>
+        <p:txBody>
+          <a:bodyPr spcFirstLastPara="1" wrap="square" lIns="91425" tIns="91425" rIns="91425" bIns="91425" anchor="t" anchorCtr="0">
+            <a:spAutoFit/>
+          </a:bodyPr>
+          <a:lstStyle/>
+          <a:p>
+            <a:pPr marL="228600" marR="0" lvl="0" indent="-228600" algn="just" defTabSz="914400" rtl="0" eaLnBrk="1" fontAlgn="auto" latinLnBrk="0" hangingPunct="1">
+              <a:lnSpc>
+                <a:spcPct val="115000"/>
+              </a:lnSpc>
+              <a:spcBef>
+                <a:spcPts val="0"/>
+              </a:spcBef>
+              <a:spcAft>
+                <a:spcPts val="0"/>
+              </a:spcAft>
+              <a:buClr>
+                <a:srgbClr val="000000"/>
+              </a:buClr>
+              <a:buSzPts val="1100"/>
+              <a:buFont typeface="Arial"/>
+              <a:buAutoNum type="arabicPeriod"/>
+              <a:tabLst/>
+              <a:defRPr/>
+            </a:pPr>
+            <a:r>
+              <a:rPr kumimoji="0" lang="en-US" sz="1200" b="0" i="0" u="none" strike="noStrike" kern="0" cap="none" spc="0" normalizeH="0" baseline="0" noProof="0" dirty="0" err="1">
+                <a:ln>
+                  <a:noFill/>
+                </a:ln>
+                <a:solidFill>
+                  <a:srgbClr val="000000"/>
+                </a:solidFill>
+                <a:effectLst/>
+                <a:uLnTx/>
+                <a:uFillTx/>
+                <a:latin typeface="Rubik"/>
+                <a:ea typeface="Rubik"/>
+                <a:cs typeface="Rubik"/>
+                <a:sym typeface="Rubik"/>
+              </a:rPr>
+              <a:t>Pertumbuhan</a:t>
+            </a:r>
+            <a:r>
+              <a:rPr kumimoji="0" lang="en-US" sz="1200" b="0" i="0" u="none" strike="noStrike" kern="0" cap="none" spc="0" normalizeH="0" baseline="0" noProof="0" dirty="0">
+                <a:ln>
+                  <a:noFill/>
+                </a:ln>
+                <a:solidFill>
+                  <a:srgbClr val="000000"/>
+                </a:solidFill>
+                <a:effectLst/>
+                <a:uLnTx/>
+                <a:uFillTx/>
+                <a:latin typeface="Rubik"/>
+                <a:ea typeface="Rubik"/>
+                <a:cs typeface="Rubik"/>
+                <a:sym typeface="Rubik"/>
+              </a:rPr>
+              <a:t> </a:t>
+            </a:r>
+            <a:r>
+              <a:rPr kumimoji="0" lang="en-US" sz="1200" b="0" i="0" u="none" strike="noStrike" kern="0" cap="none" spc="0" normalizeH="0" baseline="0" noProof="0" dirty="0" err="1">
+                <a:ln>
+                  <a:noFill/>
+                </a:ln>
+                <a:solidFill>
+                  <a:srgbClr val="000000"/>
+                </a:solidFill>
+                <a:effectLst/>
+                <a:uLnTx/>
+                <a:uFillTx/>
+                <a:latin typeface="Rubik"/>
+                <a:ea typeface="Rubik"/>
+                <a:cs typeface="Rubik"/>
+                <a:sym typeface="Rubik"/>
+              </a:rPr>
+              <a:t>penjualan</a:t>
+            </a:r>
+            <a:r>
+              <a:rPr kumimoji="0" lang="en-US" sz="1200" b="0" i="0" u="none" strike="noStrike" kern="0" cap="none" spc="0" normalizeH="0" baseline="0" noProof="0" dirty="0">
+                <a:ln>
+                  <a:noFill/>
+                </a:ln>
+                <a:solidFill>
+                  <a:srgbClr val="000000"/>
+                </a:solidFill>
+                <a:effectLst/>
+                <a:uLnTx/>
+                <a:uFillTx/>
+                <a:latin typeface="Rubik"/>
+                <a:ea typeface="Rubik"/>
+                <a:cs typeface="Rubik"/>
+                <a:sym typeface="Rubik"/>
+              </a:rPr>
+              <a:t> </a:t>
+            </a:r>
+            <a:r>
+              <a:rPr kumimoji="0" lang="en-US" sz="1200" b="0" i="0" u="none" strike="noStrike" kern="0" cap="none" spc="0" normalizeH="0" baseline="0" noProof="0" dirty="0" err="1">
+                <a:ln>
+                  <a:noFill/>
+                </a:ln>
+                <a:solidFill>
+                  <a:srgbClr val="000000"/>
+                </a:solidFill>
+                <a:effectLst/>
+                <a:uLnTx/>
+                <a:uFillTx/>
+                <a:latin typeface="Rubik"/>
+                <a:ea typeface="Rubik"/>
+                <a:cs typeface="Rubik"/>
+                <a:sym typeface="Rubik"/>
+              </a:rPr>
+              <a:t>secara</a:t>
+            </a:r>
+            <a:r>
+              <a:rPr kumimoji="0" lang="en-US" sz="1200" b="0" i="0" u="none" strike="noStrike" kern="0" cap="none" spc="0" normalizeH="0" baseline="0" noProof="0" dirty="0">
+                <a:ln>
+                  <a:noFill/>
+                </a:ln>
+                <a:solidFill>
+                  <a:srgbClr val="000000"/>
+                </a:solidFill>
+                <a:effectLst/>
+                <a:uLnTx/>
+                <a:uFillTx/>
+                <a:latin typeface="Rubik"/>
+                <a:ea typeface="Rubik"/>
+                <a:cs typeface="Rubik"/>
+                <a:sym typeface="Rubik"/>
+              </a:rPr>
+              <a:t> </a:t>
+            </a:r>
+            <a:r>
+              <a:rPr kumimoji="0" lang="en-US" sz="1200" b="0" i="0" u="none" strike="noStrike" kern="0" cap="none" spc="0" normalizeH="0" baseline="0" noProof="0" dirty="0" err="1">
+                <a:ln>
+                  <a:noFill/>
+                </a:ln>
+                <a:solidFill>
+                  <a:srgbClr val="000000"/>
+                </a:solidFill>
+                <a:effectLst/>
+                <a:uLnTx/>
+                <a:uFillTx/>
+                <a:latin typeface="Rubik"/>
+                <a:ea typeface="Rubik"/>
+                <a:cs typeface="Rubik"/>
+                <a:sym typeface="Rubik"/>
+              </a:rPr>
+              <a:t>keseluruhan</a:t>
+            </a:r>
+            <a:r>
+              <a:rPr kumimoji="0" lang="en-US" sz="1200" b="0" i="0" u="none" strike="noStrike" kern="0" cap="none" spc="0" normalizeH="0" baseline="0" noProof="0" dirty="0">
+                <a:ln>
+                  <a:noFill/>
+                </a:ln>
+                <a:solidFill>
+                  <a:srgbClr val="000000"/>
+                </a:solidFill>
+                <a:effectLst/>
+                <a:uLnTx/>
+                <a:uFillTx/>
+                <a:latin typeface="Rubik"/>
+                <a:ea typeface="Rubik"/>
+                <a:cs typeface="Rubik"/>
+                <a:sym typeface="Rubik"/>
+              </a:rPr>
+              <a:t> </a:t>
+            </a:r>
+            <a:r>
+              <a:rPr kumimoji="0" lang="en-US" sz="1200" b="0" i="0" u="none" strike="noStrike" kern="0" cap="none" spc="0" normalizeH="0" baseline="0" noProof="0" dirty="0" err="1">
+                <a:ln>
+                  <a:noFill/>
+                </a:ln>
+                <a:solidFill>
+                  <a:srgbClr val="000000"/>
+                </a:solidFill>
+                <a:effectLst/>
+                <a:uLnTx/>
+                <a:uFillTx/>
+                <a:latin typeface="Rubik"/>
+                <a:ea typeface="Rubik"/>
+                <a:cs typeface="Rubik"/>
+                <a:sym typeface="Rubik"/>
+              </a:rPr>
+              <a:t>tidak</a:t>
+            </a:r>
+            <a:r>
+              <a:rPr kumimoji="0" lang="en-US" sz="1200" b="0" i="0" u="none" strike="noStrike" kern="0" cap="none" spc="0" normalizeH="0" baseline="0" noProof="0" dirty="0">
+                <a:ln>
+                  <a:noFill/>
+                </a:ln>
+                <a:solidFill>
+                  <a:srgbClr val="000000"/>
+                </a:solidFill>
+                <a:effectLst/>
+                <a:uLnTx/>
+                <a:uFillTx/>
+                <a:latin typeface="Rubik"/>
+                <a:ea typeface="Rubik"/>
+                <a:cs typeface="Rubik"/>
+                <a:sym typeface="Rubik"/>
+              </a:rPr>
+              <a:t> </a:t>
+            </a:r>
+            <a:r>
+              <a:rPr kumimoji="0" lang="en-US" sz="1200" b="0" i="0" u="none" strike="noStrike" kern="0" cap="none" spc="0" normalizeH="0" baseline="0" noProof="0" dirty="0" err="1">
+                <a:ln>
+                  <a:noFill/>
+                </a:ln>
+                <a:solidFill>
+                  <a:srgbClr val="000000"/>
+                </a:solidFill>
+                <a:effectLst/>
+                <a:uLnTx/>
+                <a:uFillTx/>
+                <a:latin typeface="Rubik"/>
+                <a:ea typeface="Rubik"/>
+                <a:cs typeface="Rubik"/>
+                <a:sym typeface="Rubik"/>
+              </a:rPr>
+              <a:t>ada</a:t>
+            </a:r>
+            <a:r>
+              <a:rPr kumimoji="0" lang="en-US" sz="1200" b="0" i="0" u="none" strike="noStrike" kern="0" cap="none" spc="0" normalizeH="0" baseline="0" noProof="0" dirty="0">
+                <a:ln>
+                  <a:noFill/>
+                </a:ln>
+                <a:solidFill>
+                  <a:srgbClr val="000000"/>
+                </a:solidFill>
+                <a:effectLst/>
+                <a:uLnTx/>
+                <a:uFillTx/>
+                <a:latin typeface="Rubik"/>
+                <a:ea typeface="Rubik"/>
+                <a:cs typeface="Rubik"/>
+                <a:sym typeface="Rubik"/>
+              </a:rPr>
+              <a:t> yang </a:t>
+            </a:r>
+            <a:r>
+              <a:rPr kumimoji="0" lang="en-US" sz="1200" b="0" i="0" u="none" strike="noStrike" kern="0" cap="none" spc="0" normalizeH="0" baseline="0" noProof="0" dirty="0" err="1">
+                <a:ln>
+                  <a:noFill/>
+                </a:ln>
+                <a:solidFill>
+                  <a:srgbClr val="000000"/>
+                </a:solidFill>
+                <a:effectLst/>
+                <a:uLnTx/>
+                <a:uFillTx/>
+                <a:latin typeface="Rubik"/>
+                <a:ea typeface="Rubik"/>
+                <a:cs typeface="Rubik"/>
+                <a:sym typeface="Rubik"/>
+              </a:rPr>
+              <a:t>menunjukan</a:t>
+            </a:r>
+            <a:r>
+              <a:rPr kumimoji="0" lang="en-US" sz="1200" b="0" i="0" u="none" strike="noStrike" kern="0" cap="none" spc="0" normalizeH="0" baseline="0" noProof="0" dirty="0">
+                <a:ln>
+                  <a:noFill/>
+                </a:ln>
+                <a:solidFill>
+                  <a:srgbClr val="000000"/>
+                </a:solidFill>
+                <a:effectLst/>
+                <a:uLnTx/>
+                <a:uFillTx/>
+                <a:latin typeface="Rubik"/>
+                <a:ea typeface="Rubik"/>
+                <a:cs typeface="Rubik"/>
+                <a:sym typeface="Rubik"/>
+              </a:rPr>
+              <a:t> </a:t>
+            </a:r>
+            <a:r>
+              <a:rPr kumimoji="0" lang="en-US" sz="1200" b="0" i="0" u="none" strike="noStrike" kern="0" cap="none" spc="0" normalizeH="0" baseline="0" noProof="0" dirty="0" err="1">
+                <a:ln>
+                  <a:noFill/>
+                </a:ln>
+                <a:solidFill>
+                  <a:srgbClr val="000000"/>
+                </a:solidFill>
+                <a:effectLst/>
+                <a:uLnTx/>
+                <a:uFillTx/>
+                <a:latin typeface="Rubik"/>
+                <a:ea typeface="Rubik"/>
+                <a:cs typeface="Rubik"/>
+                <a:sym typeface="Rubik"/>
+              </a:rPr>
+              <a:t>dominansi</a:t>
+            </a:r>
+            <a:r>
+              <a:rPr kumimoji="0" lang="en-US" sz="1200" b="0" i="0" u="none" strike="noStrike" kern="0" cap="none" spc="0" normalizeH="0" baseline="0" noProof="0" dirty="0">
+                <a:ln>
+                  <a:noFill/>
+                </a:ln>
+                <a:solidFill>
+                  <a:srgbClr val="000000"/>
+                </a:solidFill>
+                <a:effectLst/>
+                <a:uLnTx/>
+                <a:uFillTx/>
+                <a:latin typeface="Rubik"/>
+                <a:ea typeface="Rubik"/>
+                <a:cs typeface="Rubik"/>
+                <a:sym typeface="Rubik"/>
+              </a:rPr>
+              <a:t> </a:t>
+            </a:r>
+            <a:r>
+              <a:rPr kumimoji="0" lang="en-US" sz="1200" b="0" i="0" u="none" strike="noStrike" kern="0" cap="none" spc="0" normalizeH="0" baseline="0" noProof="0" dirty="0" err="1">
+                <a:ln>
+                  <a:noFill/>
+                </a:ln>
+                <a:solidFill>
+                  <a:srgbClr val="000000"/>
+                </a:solidFill>
+                <a:effectLst/>
+                <a:uLnTx/>
+                <a:uFillTx/>
+                <a:latin typeface="Rubik"/>
+                <a:ea typeface="Rubik"/>
+                <a:cs typeface="Rubik"/>
+                <a:sym typeface="Rubik"/>
+              </a:rPr>
+              <a:t>maupun</a:t>
+            </a:r>
+            <a:r>
+              <a:rPr kumimoji="0" lang="en-US" sz="1200" b="0" i="0" u="none" strike="noStrike" kern="0" cap="none" spc="0" normalizeH="0" baseline="0" noProof="0" dirty="0">
+                <a:ln>
+                  <a:noFill/>
+                </a:ln>
+                <a:solidFill>
+                  <a:srgbClr val="000000"/>
+                </a:solidFill>
+                <a:effectLst/>
+                <a:uLnTx/>
+                <a:uFillTx/>
+                <a:latin typeface="Rubik"/>
+                <a:ea typeface="Rubik"/>
+                <a:cs typeface="Rubik"/>
+                <a:sym typeface="Rubik"/>
+              </a:rPr>
+              <a:t> </a:t>
+            </a:r>
+            <a:r>
+              <a:rPr kumimoji="0" lang="en-US" sz="1200" b="0" i="0" u="none" strike="noStrike" kern="0" cap="none" spc="0" normalizeH="0" baseline="0" noProof="0" dirty="0" err="1">
+                <a:ln>
+                  <a:noFill/>
+                </a:ln>
+                <a:solidFill>
+                  <a:srgbClr val="000000"/>
+                </a:solidFill>
+                <a:effectLst/>
+                <a:uLnTx/>
+                <a:uFillTx/>
+                <a:latin typeface="Rubik"/>
+                <a:ea typeface="Rubik"/>
+                <a:cs typeface="Rubik"/>
+                <a:sym typeface="Rubik"/>
+              </a:rPr>
+              <a:t>perubahan</a:t>
+            </a:r>
+            <a:r>
+              <a:rPr kumimoji="0" lang="en-US" sz="1200" b="0" i="0" u="none" strike="noStrike" kern="0" cap="none" spc="0" normalizeH="0" baseline="0" noProof="0" dirty="0">
+                <a:ln>
+                  <a:noFill/>
+                </a:ln>
+                <a:solidFill>
+                  <a:srgbClr val="000000"/>
+                </a:solidFill>
+                <a:effectLst/>
+                <a:uLnTx/>
+                <a:uFillTx/>
+                <a:latin typeface="Rubik"/>
+                <a:ea typeface="Rubik"/>
+                <a:cs typeface="Rubik"/>
+                <a:sym typeface="Rubik"/>
+              </a:rPr>
+              <a:t> yang </a:t>
+            </a:r>
+            <a:r>
+              <a:rPr kumimoji="0" lang="en-US" sz="1200" b="0" i="0" u="none" strike="noStrike" kern="0" cap="none" spc="0" normalizeH="0" baseline="0" noProof="0" dirty="0" err="1">
+                <a:ln>
+                  <a:noFill/>
+                </a:ln>
+                <a:solidFill>
+                  <a:srgbClr val="000000"/>
+                </a:solidFill>
+                <a:effectLst/>
+                <a:uLnTx/>
+                <a:uFillTx/>
+                <a:latin typeface="Rubik"/>
+                <a:ea typeface="Rubik"/>
+                <a:cs typeface="Rubik"/>
+                <a:sym typeface="Rubik"/>
+              </a:rPr>
+              <a:t>signifikan</a:t>
+            </a:r>
+            <a:r>
+              <a:rPr kumimoji="0" lang="en-US" sz="1200" b="0" i="0" u="none" strike="noStrike" kern="0" cap="none" spc="0" normalizeH="0" baseline="0" noProof="0" dirty="0">
+                <a:ln>
+                  <a:noFill/>
+                </a:ln>
+                <a:solidFill>
+                  <a:srgbClr val="000000"/>
+                </a:solidFill>
+                <a:effectLst/>
+                <a:uLnTx/>
+                <a:uFillTx/>
+                <a:latin typeface="Rubik"/>
+                <a:ea typeface="Rubik"/>
+                <a:cs typeface="Rubik"/>
+                <a:sym typeface="Rubik"/>
+              </a:rPr>
+              <a:t>. </a:t>
+            </a:r>
+            <a:r>
+              <a:rPr kumimoji="0" lang="en-US" sz="1200" b="0" i="0" u="none" strike="noStrike" kern="0" cap="none" spc="0" normalizeH="0" baseline="0" noProof="0" dirty="0" err="1">
+                <a:ln>
+                  <a:noFill/>
+                </a:ln>
+                <a:solidFill>
+                  <a:srgbClr val="000000"/>
+                </a:solidFill>
+                <a:effectLst/>
+                <a:uLnTx/>
+                <a:uFillTx/>
+                <a:latin typeface="Rubik"/>
+                <a:ea typeface="Rubik"/>
+                <a:cs typeface="Rubik"/>
+                <a:sym typeface="Rubik"/>
+              </a:rPr>
+              <a:t>Penjualan</a:t>
+            </a:r>
+            <a:r>
+              <a:rPr kumimoji="0" lang="en-US" sz="1200" b="0" i="0" u="none" strike="noStrike" kern="0" cap="none" spc="0" normalizeH="0" baseline="0" noProof="0" dirty="0">
+                <a:ln>
+                  <a:noFill/>
+                </a:ln>
+                <a:solidFill>
+                  <a:srgbClr val="000000"/>
+                </a:solidFill>
+                <a:effectLst/>
+                <a:uLnTx/>
+                <a:uFillTx/>
+                <a:latin typeface="Rubik"/>
+                <a:ea typeface="Rubik"/>
+                <a:cs typeface="Rubik"/>
+                <a:sym typeface="Rubik"/>
+              </a:rPr>
+              <a:t> yang </a:t>
+            </a:r>
+            <a:r>
+              <a:rPr kumimoji="0" lang="en-US" sz="1200" b="0" i="0" u="none" strike="noStrike" kern="0" cap="none" spc="0" normalizeH="0" baseline="0" noProof="0" dirty="0" err="1">
+                <a:ln>
+                  <a:noFill/>
+                </a:ln>
+                <a:solidFill>
+                  <a:srgbClr val="000000"/>
+                </a:solidFill>
+                <a:effectLst/>
+                <a:uLnTx/>
+                <a:uFillTx/>
+                <a:latin typeface="Rubik"/>
+                <a:ea typeface="Rubik"/>
+                <a:cs typeface="Rubik"/>
+                <a:sym typeface="Rubik"/>
+              </a:rPr>
+              <a:t>menurun</a:t>
+            </a:r>
+            <a:r>
+              <a:rPr kumimoji="0" lang="en-US" sz="1200" b="0" i="0" u="none" strike="noStrike" kern="0" cap="none" spc="0" normalizeH="0" baseline="0" noProof="0" dirty="0">
+                <a:ln>
+                  <a:noFill/>
+                </a:ln>
+                <a:solidFill>
+                  <a:srgbClr val="000000"/>
+                </a:solidFill>
+                <a:effectLst/>
+                <a:uLnTx/>
+                <a:uFillTx/>
+                <a:latin typeface="Rubik"/>
+                <a:ea typeface="Rubik"/>
+                <a:cs typeface="Rubik"/>
+                <a:sym typeface="Rubik"/>
+              </a:rPr>
+              <a:t> </a:t>
+            </a:r>
+            <a:r>
+              <a:rPr kumimoji="0" lang="en-US" sz="1200" b="0" i="0" u="none" strike="noStrike" kern="0" cap="none" spc="0" normalizeH="0" baseline="0" noProof="0" dirty="0" err="1">
+                <a:ln>
+                  <a:noFill/>
+                </a:ln>
+                <a:solidFill>
+                  <a:srgbClr val="000000"/>
+                </a:solidFill>
+                <a:effectLst/>
+                <a:uLnTx/>
+                <a:uFillTx/>
+                <a:latin typeface="Rubik"/>
+                <a:ea typeface="Rubik"/>
+                <a:cs typeface="Rubik"/>
+                <a:sym typeface="Rubik"/>
+              </a:rPr>
+              <a:t>sudah</a:t>
+            </a:r>
+            <a:r>
+              <a:rPr kumimoji="0" lang="en-US" sz="1200" b="0" i="0" u="none" strike="noStrike" kern="0" cap="none" spc="0" normalizeH="0" baseline="0" noProof="0" dirty="0">
+                <a:ln>
+                  <a:noFill/>
+                </a:ln>
+                <a:solidFill>
+                  <a:srgbClr val="000000"/>
+                </a:solidFill>
+                <a:effectLst/>
+                <a:uLnTx/>
+                <a:uFillTx/>
+                <a:latin typeface="Rubik"/>
+                <a:ea typeface="Rubik"/>
+                <a:cs typeface="Rubik"/>
+                <a:sym typeface="Rubik"/>
+              </a:rPr>
+              <a:t> </a:t>
+            </a:r>
+            <a:r>
+              <a:rPr kumimoji="0" lang="en-US" sz="1200" b="0" i="0" u="none" strike="noStrike" kern="0" cap="none" spc="0" normalizeH="0" baseline="0" noProof="0" dirty="0" err="1">
+                <a:ln>
+                  <a:noFill/>
+                </a:ln>
+                <a:solidFill>
+                  <a:srgbClr val="000000"/>
+                </a:solidFill>
+                <a:effectLst/>
+                <a:uLnTx/>
+                <a:uFillTx/>
+                <a:latin typeface="Rubik"/>
+                <a:ea typeface="Rubik"/>
+                <a:cs typeface="Rubik"/>
+                <a:sym typeface="Rubik"/>
+              </a:rPr>
+              <a:t>diatasi</a:t>
+            </a:r>
+            <a:r>
+              <a:rPr kumimoji="0" lang="en-US" sz="1200" b="0" i="0" u="none" strike="noStrike" kern="0" cap="none" spc="0" normalizeH="0" baseline="0" noProof="0" dirty="0">
+                <a:ln>
+                  <a:noFill/>
+                </a:ln>
+                <a:solidFill>
+                  <a:srgbClr val="000000"/>
+                </a:solidFill>
+                <a:effectLst/>
+                <a:uLnTx/>
+                <a:uFillTx/>
+                <a:latin typeface="Rubik"/>
+                <a:ea typeface="Rubik"/>
+                <a:cs typeface="Rubik"/>
+                <a:sym typeface="Rubik"/>
+              </a:rPr>
+              <a:t> oleh </a:t>
+            </a:r>
+            <a:r>
+              <a:rPr kumimoji="0" lang="en-US" sz="1200" b="0" i="0" u="none" strike="noStrike" kern="0" cap="none" spc="0" normalizeH="0" baseline="0" noProof="0" dirty="0" err="1">
+                <a:ln>
+                  <a:noFill/>
+                </a:ln>
+                <a:solidFill>
+                  <a:srgbClr val="000000"/>
+                </a:solidFill>
+                <a:effectLst/>
+                <a:uLnTx/>
+                <a:uFillTx/>
+                <a:latin typeface="Rubik"/>
+                <a:ea typeface="Rubik"/>
+                <a:cs typeface="Rubik"/>
+                <a:sym typeface="Rubik"/>
+              </a:rPr>
+              <a:t>usaha</a:t>
+            </a:r>
+            <a:r>
+              <a:rPr kumimoji="0" lang="en-US" sz="1200" b="0" i="0" u="none" strike="noStrike" kern="0" cap="none" spc="0" normalizeH="0" baseline="0" noProof="0" dirty="0">
+                <a:ln>
+                  <a:noFill/>
+                </a:ln>
+                <a:solidFill>
+                  <a:srgbClr val="000000"/>
+                </a:solidFill>
+                <a:effectLst/>
+                <a:uLnTx/>
+                <a:uFillTx/>
+                <a:latin typeface="Rubik"/>
+                <a:ea typeface="Rubik"/>
+                <a:cs typeface="Rubik"/>
+                <a:sym typeface="Rubik"/>
+              </a:rPr>
+              <a:t> yang </a:t>
+            </a:r>
+            <a:r>
+              <a:rPr kumimoji="0" lang="en-US" sz="1200" b="0" i="0" u="none" strike="noStrike" kern="0" cap="none" spc="0" normalizeH="0" baseline="0" noProof="0" dirty="0" err="1">
+                <a:ln>
+                  <a:noFill/>
+                </a:ln>
+                <a:solidFill>
+                  <a:srgbClr val="000000"/>
+                </a:solidFill>
+                <a:effectLst/>
+                <a:uLnTx/>
+                <a:uFillTx/>
+                <a:latin typeface="Rubik"/>
+                <a:ea typeface="Rubik"/>
+                <a:cs typeface="Rubik"/>
+                <a:sym typeface="Rubik"/>
+              </a:rPr>
+              <a:t>dilakukan</a:t>
+            </a:r>
+            <a:r>
+              <a:rPr kumimoji="0" lang="en-US" sz="1200" b="0" i="0" u="none" strike="noStrike" kern="0" cap="none" spc="0" normalizeH="0" baseline="0" noProof="0" dirty="0">
+                <a:ln>
+                  <a:noFill/>
+                </a:ln>
+                <a:solidFill>
+                  <a:srgbClr val="000000"/>
+                </a:solidFill>
+                <a:effectLst/>
+                <a:uLnTx/>
+                <a:uFillTx/>
+                <a:latin typeface="Rubik"/>
+                <a:ea typeface="Rubik"/>
+                <a:cs typeface="Rubik"/>
+                <a:sym typeface="Rubik"/>
+              </a:rPr>
+              <a:t> oleh brand </a:t>
+            </a:r>
+            <a:r>
+              <a:rPr kumimoji="0" lang="en-US" sz="1200" b="0" i="0" u="none" strike="noStrike" kern="0" cap="none" spc="0" normalizeH="0" baseline="0" noProof="0" dirty="0" err="1">
+                <a:ln>
+                  <a:noFill/>
+                </a:ln>
+                <a:solidFill>
+                  <a:srgbClr val="000000"/>
+                </a:solidFill>
+                <a:effectLst/>
+                <a:uLnTx/>
+                <a:uFillTx/>
+                <a:latin typeface="Rubik"/>
+                <a:ea typeface="Rubik"/>
+                <a:cs typeface="Rubik"/>
+                <a:sym typeface="Rubik"/>
+              </a:rPr>
+              <a:t>maupun</a:t>
+            </a:r>
+            <a:r>
+              <a:rPr kumimoji="0" lang="en-US" sz="1200" b="0" i="0" u="none" strike="noStrike" kern="0" cap="none" spc="0" normalizeH="0" baseline="0" noProof="0" dirty="0">
+                <a:ln>
+                  <a:noFill/>
+                </a:ln>
+                <a:solidFill>
+                  <a:srgbClr val="000000"/>
+                </a:solidFill>
+                <a:effectLst/>
+                <a:uLnTx/>
+                <a:uFillTx/>
+                <a:latin typeface="Rubik"/>
+                <a:ea typeface="Rubik"/>
+                <a:cs typeface="Rubik"/>
+                <a:sym typeface="Rubik"/>
+              </a:rPr>
+              <a:t> </a:t>
+            </a:r>
+            <a:r>
+              <a:rPr kumimoji="0" lang="en-US" sz="1200" b="0" i="0" u="none" strike="noStrike" kern="0" cap="none" spc="0" normalizeH="0" baseline="0" noProof="0" dirty="0" err="1">
+                <a:ln>
+                  <a:noFill/>
+                </a:ln>
+                <a:solidFill>
+                  <a:srgbClr val="000000"/>
+                </a:solidFill>
+                <a:effectLst/>
+                <a:uLnTx/>
+                <a:uFillTx/>
+                <a:latin typeface="Rubik"/>
+                <a:ea typeface="Rubik"/>
+                <a:cs typeface="Rubik"/>
+                <a:sym typeface="Rubik"/>
+              </a:rPr>
+              <a:t>pemilik</a:t>
+            </a:r>
+            <a:r>
+              <a:rPr kumimoji="0" lang="en-US" sz="1200" b="0" i="0" u="none" strike="noStrike" kern="0" cap="none" spc="0" normalizeH="0" baseline="0" noProof="0" dirty="0">
+                <a:ln>
+                  <a:noFill/>
+                </a:ln>
+                <a:solidFill>
+                  <a:srgbClr val="000000"/>
+                </a:solidFill>
+                <a:effectLst/>
+                <a:uLnTx/>
+                <a:uFillTx/>
+                <a:latin typeface="Rubik"/>
+                <a:ea typeface="Rubik"/>
+                <a:cs typeface="Rubik"/>
+                <a:sym typeface="Rubik"/>
+              </a:rPr>
+              <a:t> outlet.</a:t>
+            </a:r>
+          </a:p>
+          <a:p>
+            <a:pPr marL="228600" marR="0" lvl="0" indent="-228600" algn="just" defTabSz="914400" rtl="0" eaLnBrk="1" fontAlgn="auto" latinLnBrk="0" hangingPunct="1">
+              <a:lnSpc>
+                <a:spcPct val="115000"/>
+              </a:lnSpc>
+              <a:spcBef>
+                <a:spcPts val="0"/>
+              </a:spcBef>
+              <a:spcAft>
+                <a:spcPts val="0"/>
+              </a:spcAft>
+              <a:buClr>
+                <a:srgbClr val="000000"/>
+              </a:buClr>
+              <a:buSzPts val="1100"/>
+              <a:buFont typeface="Arial"/>
+              <a:buAutoNum type="arabicPeriod"/>
+              <a:tabLst/>
+              <a:defRPr/>
+            </a:pPr>
+            <a:r>
+              <a:rPr lang="en-US" sz="1200" dirty="0" err="1">
+                <a:latin typeface="Rubik"/>
+                <a:ea typeface="Rubik"/>
+                <a:cs typeface="Rubik"/>
+                <a:sym typeface="Rubik"/>
+              </a:rPr>
+              <a:t>Terdapat</a:t>
+            </a:r>
+            <a:r>
+              <a:rPr lang="en-US" sz="1200" dirty="0">
+                <a:latin typeface="Rubik"/>
+                <a:ea typeface="Rubik"/>
+                <a:cs typeface="Rubik"/>
+                <a:sym typeface="Rubik"/>
+              </a:rPr>
+              <a:t> </a:t>
+            </a:r>
+            <a:r>
+              <a:rPr lang="en-US" sz="1200" dirty="0" err="1">
+                <a:latin typeface="Rubik"/>
+                <a:ea typeface="Rubik"/>
+                <a:cs typeface="Rubik"/>
+                <a:sym typeface="Rubik"/>
+              </a:rPr>
+              <a:t>musim</a:t>
+            </a:r>
+            <a:r>
+              <a:rPr lang="en-US" sz="1200" dirty="0">
+                <a:latin typeface="Rubik"/>
+                <a:ea typeface="Rubik"/>
+                <a:cs typeface="Rubik"/>
+                <a:sym typeface="Rubik"/>
+              </a:rPr>
+              <a:t> </a:t>
+            </a:r>
+            <a:r>
+              <a:rPr lang="en-US" sz="1200" dirty="0" err="1">
+                <a:latin typeface="Rubik"/>
+                <a:ea typeface="Rubik"/>
+                <a:cs typeface="Rubik"/>
+                <a:sym typeface="Rubik"/>
+              </a:rPr>
+              <a:t>penjualan</a:t>
+            </a:r>
+            <a:r>
+              <a:rPr lang="en-US" sz="1200" dirty="0">
+                <a:latin typeface="Rubik"/>
+                <a:ea typeface="Rubik"/>
+                <a:cs typeface="Rubik"/>
+                <a:sym typeface="Rubik"/>
+              </a:rPr>
+              <a:t> pada </a:t>
+            </a:r>
+            <a:r>
+              <a:rPr lang="en-US" sz="1200" dirty="0" err="1">
+                <a:latin typeface="Rubik"/>
+                <a:ea typeface="Rubik"/>
+                <a:cs typeface="Rubik"/>
+                <a:sym typeface="Rubik"/>
+              </a:rPr>
+              <a:t>peralatan</a:t>
+            </a:r>
+            <a:r>
+              <a:rPr lang="en-US" sz="1200" dirty="0">
+                <a:latin typeface="Rubik"/>
+                <a:ea typeface="Rubik"/>
+                <a:cs typeface="Rubik"/>
+                <a:sym typeface="Rubik"/>
+              </a:rPr>
+              <a:t> </a:t>
+            </a:r>
+            <a:r>
+              <a:rPr lang="en-US" sz="1200" dirty="0" err="1">
+                <a:latin typeface="Rubik"/>
+                <a:ea typeface="Rubik"/>
+                <a:cs typeface="Rubik"/>
+                <a:sym typeface="Rubik"/>
+              </a:rPr>
+              <a:t>tertentu</a:t>
+            </a:r>
+            <a:r>
+              <a:rPr lang="en-US" sz="1200" dirty="0">
+                <a:latin typeface="Rubik"/>
+                <a:ea typeface="Rubik"/>
+                <a:cs typeface="Rubik"/>
+                <a:sym typeface="Rubik"/>
+              </a:rPr>
+              <a:t>, </a:t>
+            </a:r>
+            <a:r>
+              <a:rPr lang="en-US" sz="1200" dirty="0" err="1">
+                <a:latin typeface="Rubik"/>
+                <a:ea typeface="Rubik"/>
+                <a:cs typeface="Rubik"/>
+                <a:sym typeface="Rubik"/>
+              </a:rPr>
+              <a:t>apabila</a:t>
+            </a:r>
+            <a:r>
+              <a:rPr lang="en-US" sz="1200" dirty="0">
+                <a:latin typeface="Rubik"/>
+                <a:ea typeface="Rubik"/>
+                <a:cs typeface="Rubik"/>
+                <a:sym typeface="Rubik"/>
+              </a:rPr>
+              <a:t> </a:t>
+            </a:r>
+            <a:r>
+              <a:rPr lang="en-US" sz="1200" dirty="0" err="1">
+                <a:latin typeface="Rubik"/>
+                <a:ea typeface="Rubik"/>
+                <a:cs typeface="Rubik"/>
+                <a:sym typeface="Rubik"/>
+              </a:rPr>
+              <a:t>alat</a:t>
+            </a:r>
+            <a:r>
+              <a:rPr lang="en-US" sz="1200" dirty="0">
+                <a:latin typeface="Rubik"/>
+                <a:ea typeface="Rubik"/>
+                <a:cs typeface="Rubik"/>
+                <a:sym typeface="Rubik"/>
+              </a:rPr>
+              <a:t> </a:t>
+            </a:r>
+            <a:r>
+              <a:rPr lang="en-US" sz="1200" dirty="0" err="1">
+                <a:latin typeface="Rubik"/>
+                <a:ea typeface="Rubik"/>
+                <a:cs typeface="Rubik"/>
+                <a:sym typeface="Rubik"/>
+              </a:rPr>
+              <a:t>tersebut</a:t>
+            </a:r>
+            <a:r>
+              <a:rPr lang="en-US" sz="1200" dirty="0">
+                <a:latin typeface="Rubik"/>
+                <a:ea typeface="Rubik"/>
+                <a:cs typeface="Rubik"/>
+                <a:sym typeface="Rubik"/>
+              </a:rPr>
+              <a:t> </a:t>
+            </a:r>
+            <a:r>
+              <a:rPr lang="en-US" sz="1200" dirty="0" err="1">
+                <a:latin typeface="Rubik"/>
+                <a:ea typeface="Rubik"/>
+                <a:cs typeface="Rubik"/>
+                <a:sym typeface="Rubik"/>
+              </a:rPr>
+              <a:t>banyak</a:t>
+            </a:r>
+            <a:r>
+              <a:rPr lang="en-US" sz="1200" dirty="0">
+                <a:latin typeface="Rubik"/>
+                <a:ea typeface="Rubik"/>
+                <a:cs typeface="Rubik"/>
+                <a:sym typeface="Rubik"/>
+              </a:rPr>
+              <a:t> </a:t>
+            </a:r>
+            <a:r>
+              <a:rPr lang="en-US" sz="1200" dirty="0" err="1">
+                <a:latin typeface="Rubik"/>
+                <a:ea typeface="Rubik"/>
+                <a:cs typeface="Rubik"/>
+                <a:sym typeface="Rubik"/>
+              </a:rPr>
+              <a:t>terjual</a:t>
+            </a:r>
+            <a:r>
+              <a:rPr lang="en-US" sz="1200" dirty="0">
+                <a:latin typeface="Rubik"/>
+                <a:ea typeface="Rubik"/>
+                <a:cs typeface="Rubik"/>
+                <a:sym typeface="Rubik"/>
+              </a:rPr>
+              <a:t> pada </a:t>
+            </a:r>
+            <a:r>
+              <a:rPr lang="en-US" sz="1200" dirty="0" err="1">
+                <a:latin typeface="Rubik"/>
+                <a:ea typeface="Rubik"/>
+                <a:cs typeface="Rubik"/>
+                <a:sym typeface="Rubik"/>
+              </a:rPr>
+              <a:t>awal</a:t>
+            </a:r>
+            <a:r>
+              <a:rPr lang="en-US" sz="1200" dirty="0">
+                <a:latin typeface="Rubik"/>
+                <a:ea typeface="Rubik"/>
+                <a:cs typeface="Rubik"/>
+                <a:sym typeface="Rubik"/>
+              </a:rPr>
+              <a:t> dan </a:t>
+            </a:r>
+            <a:r>
+              <a:rPr lang="en-US" sz="1200" dirty="0" err="1">
+                <a:latin typeface="Rubik"/>
+                <a:ea typeface="Rubik"/>
+                <a:cs typeface="Rubik"/>
+                <a:sym typeface="Rubik"/>
+              </a:rPr>
+              <a:t>akhir</a:t>
+            </a:r>
+            <a:r>
+              <a:rPr lang="en-US" sz="1200" dirty="0">
+                <a:latin typeface="Rubik"/>
+                <a:ea typeface="Rubik"/>
+                <a:cs typeface="Rubik"/>
+                <a:sym typeface="Rubik"/>
+              </a:rPr>
+              <a:t> </a:t>
+            </a:r>
+            <a:r>
+              <a:rPr lang="en-US" sz="1200" dirty="0" err="1">
+                <a:latin typeface="Rubik"/>
+                <a:ea typeface="Rubik"/>
+                <a:cs typeface="Rubik"/>
+                <a:sym typeface="Rubik"/>
+              </a:rPr>
+              <a:t>tahun</a:t>
+            </a:r>
+            <a:r>
+              <a:rPr lang="en-US" sz="1200" dirty="0">
+                <a:latin typeface="Rubik"/>
+                <a:ea typeface="Rubik"/>
+                <a:cs typeface="Rubik"/>
+                <a:sym typeface="Rubik"/>
+              </a:rPr>
+              <a:t>, </a:t>
+            </a:r>
+            <a:r>
+              <a:rPr lang="en-US" sz="1200" dirty="0" err="1">
+                <a:latin typeface="Rubik"/>
+                <a:ea typeface="Rubik"/>
+                <a:cs typeface="Rubik"/>
+                <a:sym typeface="Rubik"/>
+              </a:rPr>
+              <a:t>maka</a:t>
+            </a:r>
+            <a:r>
+              <a:rPr lang="en-US" sz="1200" dirty="0">
+                <a:latin typeface="Rubik"/>
+                <a:ea typeface="Rubik"/>
+                <a:cs typeface="Rubik"/>
+                <a:sym typeface="Rubik"/>
+              </a:rPr>
+              <a:t> </a:t>
+            </a:r>
+            <a:r>
+              <a:rPr lang="en-US" sz="1200" dirty="0" err="1">
+                <a:latin typeface="Rubik"/>
+                <a:ea typeface="Rubik"/>
+                <a:cs typeface="Rubik"/>
+                <a:sym typeface="Rubik"/>
+              </a:rPr>
+              <a:t>penjualan</a:t>
+            </a:r>
+            <a:r>
+              <a:rPr lang="en-US" sz="1200" dirty="0">
+                <a:latin typeface="Rubik"/>
+                <a:ea typeface="Rubik"/>
+                <a:cs typeface="Rubik"/>
+                <a:sym typeface="Rubik"/>
+              </a:rPr>
+              <a:t> </a:t>
+            </a:r>
+            <a:r>
+              <a:rPr lang="en-US" sz="1200" dirty="0" err="1">
+                <a:latin typeface="Rubik"/>
+                <a:ea typeface="Rubik"/>
+                <a:cs typeface="Rubik"/>
+                <a:sym typeface="Rubik"/>
+              </a:rPr>
+              <a:t>menurun</a:t>
+            </a:r>
+            <a:r>
+              <a:rPr lang="en-US" sz="1200" dirty="0">
+                <a:latin typeface="Rubik"/>
+                <a:ea typeface="Rubik"/>
+                <a:cs typeface="Rubik"/>
+                <a:sym typeface="Rubik"/>
+              </a:rPr>
+              <a:t> pada </a:t>
+            </a:r>
+            <a:r>
+              <a:rPr lang="en-US" sz="1200" dirty="0" err="1">
+                <a:latin typeface="Rubik"/>
+                <a:ea typeface="Rubik"/>
+                <a:cs typeface="Rubik"/>
+                <a:sym typeface="Rubik"/>
+              </a:rPr>
+              <a:t>pertengahan</a:t>
+            </a:r>
+            <a:r>
+              <a:rPr lang="en-US" sz="1200" dirty="0">
+                <a:latin typeface="Rubik"/>
+                <a:ea typeface="Rubik"/>
+                <a:cs typeface="Rubik"/>
+                <a:sym typeface="Rubik"/>
+              </a:rPr>
+              <a:t> </a:t>
+            </a:r>
+            <a:r>
+              <a:rPr lang="en-US" sz="1200" dirty="0" err="1">
+                <a:latin typeface="Rubik"/>
+                <a:ea typeface="Rubik"/>
+                <a:cs typeface="Rubik"/>
+                <a:sym typeface="Rubik"/>
+              </a:rPr>
+              <a:t>tahun</a:t>
+            </a:r>
+            <a:r>
+              <a:rPr lang="en-US" sz="1200" dirty="0">
+                <a:latin typeface="Rubik"/>
+                <a:ea typeface="Rubik"/>
+                <a:cs typeface="Rubik"/>
+                <a:sym typeface="Rubik"/>
+              </a:rPr>
+              <a:t>. Dan </a:t>
+            </a:r>
+            <a:r>
+              <a:rPr lang="en-US" sz="1200" dirty="0" err="1">
+                <a:latin typeface="Rubik"/>
+                <a:ea typeface="Rubik"/>
+                <a:cs typeface="Rubik"/>
+                <a:sym typeface="Rubik"/>
+              </a:rPr>
+              <a:t>begitu</a:t>
+            </a:r>
+            <a:r>
+              <a:rPr lang="en-US" sz="1200" dirty="0">
+                <a:latin typeface="Rubik"/>
+                <a:ea typeface="Rubik"/>
+                <a:cs typeface="Rubik"/>
+                <a:sym typeface="Rubik"/>
+              </a:rPr>
+              <a:t> pula </a:t>
+            </a:r>
+            <a:r>
+              <a:rPr lang="en-US" sz="1200" dirty="0" err="1">
+                <a:latin typeface="Rubik"/>
+                <a:ea typeface="Rubik"/>
+                <a:cs typeface="Rubik"/>
+                <a:sym typeface="Rubik"/>
+              </a:rPr>
+              <a:t>sebaliknya</a:t>
+            </a:r>
+            <a:r>
+              <a:rPr lang="en-US" sz="1200" dirty="0">
+                <a:latin typeface="Rubik"/>
+                <a:ea typeface="Rubik"/>
+                <a:cs typeface="Rubik"/>
+                <a:sym typeface="Rubik"/>
+              </a:rPr>
+              <a:t>.</a:t>
+            </a:r>
+            <a:endParaRPr kumimoji="0" lang="id-ID" sz="1200" b="0" i="0" u="none" strike="noStrike" kern="0" cap="none" spc="0" normalizeH="0" baseline="0" noProof="0" dirty="0">
+              <a:ln>
+                <a:noFill/>
+              </a:ln>
+              <a:solidFill>
+                <a:srgbClr val="000000"/>
+              </a:solidFill>
+              <a:effectLst/>
+              <a:uLnTx/>
+              <a:uFillTx/>
+              <a:latin typeface="Rubik"/>
+              <a:ea typeface="Rubik"/>
+              <a:cs typeface="Rubik"/>
+              <a:sym typeface="Rubik"/>
+            </a:endParaRPr>
+          </a:p>
+        </p:txBody>
+      </p:sp>
+      <p:sp>
+        <p:nvSpPr>
+          <p:cNvPr id="3" name="Google Shape;94;p4">
+            <a:extLst>
+              <a:ext uri="{FF2B5EF4-FFF2-40B4-BE49-F238E27FC236}">
+                <a16:creationId xmlns:a16="http://schemas.microsoft.com/office/drawing/2014/main" id="{F240256C-DE97-BB45-2C57-CAB34C84B6FE}"/>
+              </a:ext>
+            </a:extLst>
+          </p:cNvPr>
+          <p:cNvSpPr txBox="1"/>
+          <p:nvPr/>
+        </p:nvSpPr>
+        <p:spPr>
+          <a:xfrm>
+            <a:off x="340500" y="134471"/>
+            <a:ext cx="8463000" cy="646500"/>
+          </a:xfrm>
+          <a:prstGeom prst="rect">
+            <a:avLst/>
+          </a:prstGeom>
+          <a:noFill/>
+          <a:ln>
+            <a:noFill/>
+          </a:ln>
+          <a:effectLst>
+            <a:outerShdw blurRad="57150" dist="19050" dir="2820000" algn="bl" rotWithShape="0">
+              <a:srgbClr val="B7B7B7">
+                <a:alpha val="85098"/>
+              </a:srgbClr>
+            </a:outerShdw>
+          </a:effectLst>
+        </p:spPr>
+        <p:txBody>
+          <a:bodyPr spcFirstLastPara="1" wrap="square" lIns="91425" tIns="91425" rIns="91425" bIns="91425" anchor="t" anchorCtr="0">
+            <a:spAutoFit/>
+          </a:bodyPr>
+          <a:lstStyle/>
+          <a:p>
+            <a:pPr marL="0" marR="0" lvl="0" indent="0" defTabSz="914400" rtl="0" eaLnBrk="1" fontAlgn="auto" latinLnBrk="0" hangingPunct="1">
+              <a:lnSpc>
+                <a:spcPct val="100000"/>
+              </a:lnSpc>
+              <a:spcBef>
+                <a:spcPts val="0"/>
+              </a:spcBef>
+              <a:spcAft>
+                <a:spcPts val="0"/>
+              </a:spcAft>
+              <a:buClr>
+                <a:srgbClr val="000000"/>
+              </a:buClr>
+              <a:buSzPts val="5000"/>
+              <a:buFont typeface="Arial"/>
+              <a:buNone/>
+              <a:tabLst/>
+              <a:defRPr/>
+            </a:pPr>
+            <a:r>
+              <a:rPr kumimoji="0" lang="en" sz="3000" b="1" i="0" u="none" strike="noStrike" kern="0" cap="none" spc="0" normalizeH="0" baseline="0" noProof="0" dirty="0">
+                <a:ln>
+                  <a:noFill/>
+                </a:ln>
+                <a:solidFill>
+                  <a:srgbClr val="000000"/>
+                </a:solidFill>
+                <a:effectLst/>
+                <a:uLnTx/>
+                <a:uFillTx/>
+                <a:latin typeface="Rubik"/>
+                <a:ea typeface="Rubik"/>
+                <a:cs typeface="Rubik"/>
+                <a:sym typeface="Rubik"/>
+              </a:rPr>
+              <a:t>Insight</a:t>
+            </a:r>
+            <a:endParaRPr kumimoji="0" sz="3000" b="1" i="0" u="none" strike="noStrike" kern="0" cap="none" spc="0" normalizeH="0" baseline="0" noProof="0" dirty="0">
+              <a:ln>
+                <a:noFill/>
+              </a:ln>
+              <a:solidFill>
+                <a:srgbClr val="0097A7"/>
+              </a:solidFill>
+              <a:effectLst/>
+              <a:uLnTx/>
+              <a:uFillTx/>
+              <a:latin typeface="Rubik"/>
+              <a:ea typeface="Rubik"/>
+              <a:cs typeface="Rubik"/>
+              <a:sym typeface="Rubik"/>
+            </a:endParaRPr>
+          </a:p>
+        </p:txBody>
+      </p:sp>
+    </p:spTree>
+    <p:extLst>
+      <p:ext uri="{BB962C8B-B14F-4D97-AF65-F5344CB8AC3E}">
+        <p14:creationId xmlns:p14="http://schemas.microsoft.com/office/powerpoint/2010/main" val="3848452382"/>
+      </p:ext>
+    </p:extLst>
+  </p:cSld>
+  <p:clrMapOvr>
+    <a:masterClrMapping/>
+  </p:clrMapOvr>
+</p:sld>
+</file>
+
+<file path=ppt/slides/slide7.xml><?xml version="1.0" encoding="utf-8"?>
 <p:sld xmlns:a="http://schemas.openxmlformats.org/drawingml/2006/main" xmlns:r="http://schemas.openxmlformats.org/officeDocument/2006/relationships" xmlns:p="http://schemas.openxmlformats.org/presentationml/2006/main">
   <p:cSld>
     <p:spTree>
@@ -12231,7 +17634,1643 @@
 </p:sld>
 </file>
 
-<file path=ppt/slides/slide7.xml><?xml version="1.0" encoding="utf-8"?>
+<file path=ppt/slides/slide8.xml><?xml version="1.0" encoding="utf-8"?>
+<p:sld xmlns:a="http://schemas.openxmlformats.org/drawingml/2006/main" xmlns:r="http://schemas.openxmlformats.org/officeDocument/2006/relationships" xmlns:p="http://schemas.openxmlformats.org/presentationml/2006/main">
+  <p:cSld>
+    <p:spTree>
+      <p:nvGrpSpPr>
+        <p:cNvPr id="1" name="Shape 90">
+          <a:extLst>
+            <a:ext uri="{FF2B5EF4-FFF2-40B4-BE49-F238E27FC236}">
+              <a16:creationId xmlns:a16="http://schemas.microsoft.com/office/drawing/2014/main" id="{CD347554-F64E-5349-20B2-46236D21F3C0}"/>
+            </a:ext>
+          </a:extLst>
+        </p:cNvPr>
+        <p:cNvGrpSpPr/>
+        <p:nvPr/>
+      </p:nvGrpSpPr>
+      <p:grpSpPr>
+        <a:xfrm>
+          <a:off x="0" y="0"/>
+          <a:ext cx="0" cy="0"/>
+          <a:chOff x="0" y="0"/>
+          <a:chExt cx="0" cy="0"/>
+        </a:xfrm>
+      </p:grpSpPr>
+      <p:pic>
+        <p:nvPicPr>
+          <p:cNvPr id="91" name="Google Shape;91;p4">
+            <a:extLst>
+              <a:ext uri="{FF2B5EF4-FFF2-40B4-BE49-F238E27FC236}">
+                <a16:creationId xmlns:a16="http://schemas.microsoft.com/office/drawing/2014/main" id="{7657504E-8FA4-4911-B5EF-33C2ABE096A9}"/>
+              </a:ext>
+            </a:extLst>
+          </p:cNvPr>
+          <p:cNvPicPr preferRelativeResize="0"/>
+          <p:nvPr/>
+        </p:nvPicPr>
+        <p:blipFill rotWithShape="1">
+          <a:blip r:embed="rId3">
+            <a:alphaModFix amt="10000"/>
+          </a:blip>
+          <a:srcRect/>
+          <a:stretch/>
+        </p:blipFill>
+        <p:spPr>
+          <a:xfrm>
+            <a:off x="0" y="0"/>
+            <a:ext cx="9144001" cy="5143501"/>
+          </a:xfrm>
+          <a:prstGeom prst="rect">
+            <a:avLst/>
+          </a:prstGeom>
+          <a:noFill/>
+          <a:ln>
+            <a:noFill/>
+          </a:ln>
+        </p:spPr>
+      </p:pic>
+      <p:sp>
+        <p:nvSpPr>
+          <p:cNvPr id="93" name="Google Shape;93;p4">
+            <a:extLst>
+              <a:ext uri="{FF2B5EF4-FFF2-40B4-BE49-F238E27FC236}">
+                <a16:creationId xmlns:a16="http://schemas.microsoft.com/office/drawing/2014/main" id="{BEB05713-6C01-6EEF-A993-55061F8F5E13}"/>
+              </a:ext>
+            </a:extLst>
+          </p:cNvPr>
+          <p:cNvSpPr txBox="1"/>
+          <p:nvPr/>
+        </p:nvSpPr>
+        <p:spPr>
+          <a:xfrm>
+            <a:off x="340500" y="2461570"/>
+            <a:ext cx="8462999" cy="821733"/>
+          </a:xfrm>
+          <a:prstGeom prst="rect">
+            <a:avLst/>
+          </a:prstGeom>
+          <a:noFill/>
+          <a:ln>
+            <a:noFill/>
+          </a:ln>
+        </p:spPr>
+        <p:txBody>
+          <a:bodyPr spcFirstLastPara="1" wrap="square" lIns="91425" tIns="91425" rIns="91425" bIns="91425" anchor="t" anchorCtr="0">
+            <a:spAutoFit/>
+          </a:bodyPr>
+          <a:lstStyle/>
+          <a:p>
+            <a:pPr marL="228600" marR="0" lvl="0" indent="-228600" algn="just" defTabSz="914400" rtl="0" eaLnBrk="1" fontAlgn="auto" latinLnBrk="0" hangingPunct="1">
+              <a:lnSpc>
+                <a:spcPct val="115000"/>
+              </a:lnSpc>
+              <a:spcBef>
+                <a:spcPts val="0"/>
+              </a:spcBef>
+              <a:spcAft>
+                <a:spcPts val="0"/>
+              </a:spcAft>
+              <a:buClr>
+                <a:srgbClr val="000000"/>
+              </a:buClr>
+              <a:buSzPts val="1100"/>
+              <a:buFont typeface="Arial"/>
+              <a:buAutoNum type="arabicPeriod"/>
+              <a:tabLst/>
+              <a:defRPr/>
+            </a:pPr>
+            <a:r>
+              <a:rPr kumimoji="0" lang="en-US" sz="1200" b="0" i="0" u="none" strike="noStrike" kern="0" cap="none" spc="0" normalizeH="0" baseline="0" noProof="0" dirty="0">
+                <a:ln>
+                  <a:noFill/>
+                </a:ln>
+                <a:solidFill>
+                  <a:srgbClr val="000000"/>
+                </a:solidFill>
+                <a:effectLst/>
+                <a:uLnTx/>
+                <a:uFillTx/>
+                <a:latin typeface="Rubik"/>
+                <a:ea typeface="Rubik"/>
+                <a:cs typeface="Rubik"/>
+                <a:sym typeface="Rubik"/>
+              </a:rPr>
+              <a:t>Belum </a:t>
+            </a:r>
+            <a:r>
+              <a:rPr kumimoji="0" lang="en-US" sz="1200" b="0" i="0" u="none" strike="noStrike" kern="0" cap="none" spc="0" normalizeH="0" baseline="0" noProof="0" dirty="0" err="1">
+                <a:ln>
+                  <a:noFill/>
+                </a:ln>
+                <a:solidFill>
+                  <a:srgbClr val="000000"/>
+                </a:solidFill>
+                <a:effectLst/>
+                <a:uLnTx/>
+                <a:uFillTx/>
+                <a:latin typeface="Rubik"/>
+                <a:ea typeface="Rubik"/>
+                <a:cs typeface="Rubik"/>
+                <a:sym typeface="Rubik"/>
+              </a:rPr>
+              <a:t>ada</a:t>
+            </a:r>
+            <a:r>
+              <a:rPr kumimoji="0" lang="en-US" sz="1200" b="0" i="0" u="none" strike="noStrike" kern="0" cap="none" spc="0" normalizeH="0" baseline="0" noProof="0" dirty="0">
+                <a:ln>
+                  <a:noFill/>
+                </a:ln>
+                <a:solidFill>
+                  <a:srgbClr val="000000"/>
+                </a:solidFill>
+                <a:effectLst/>
+                <a:uLnTx/>
+                <a:uFillTx/>
+                <a:latin typeface="Rubik"/>
+                <a:ea typeface="Rubik"/>
+                <a:cs typeface="Rubik"/>
+                <a:sym typeface="Rubik"/>
+              </a:rPr>
+              <a:t> yang </a:t>
+            </a:r>
+            <a:r>
+              <a:rPr kumimoji="0" lang="en-US" sz="1200" b="0" i="0" u="none" strike="noStrike" kern="0" cap="none" spc="0" normalizeH="0" baseline="0" noProof="0" dirty="0" err="1">
+                <a:ln>
+                  <a:noFill/>
+                </a:ln>
+                <a:solidFill>
+                  <a:srgbClr val="000000"/>
+                </a:solidFill>
+                <a:effectLst/>
+                <a:uLnTx/>
+                <a:uFillTx/>
+                <a:latin typeface="Rubik"/>
+                <a:ea typeface="Rubik"/>
+                <a:cs typeface="Rubik"/>
+                <a:sym typeface="Rubik"/>
+              </a:rPr>
+              <a:t>perlu</a:t>
+            </a:r>
+            <a:r>
+              <a:rPr kumimoji="0" lang="en-US" sz="1200" b="0" i="0" u="none" strike="noStrike" kern="0" cap="none" spc="0" normalizeH="0" baseline="0" noProof="0" dirty="0">
+                <a:ln>
+                  <a:noFill/>
+                </a:ln>
+                <a:solidFill>
+                  <a:srgbClr val="000000"/>
+                </a:solidFill>
+                <a:effectLst/>
+                <a:uLnTx/>
+                <a:uFillTx/>
+                <a:latin typeface="Rubik"/>
+                <a:ea typeface="Rubik"/>
+                <a:cs typeface="Rubik"/>
+                <a:sym typeface="Rubik"/>
+              </a:rPr>
+              <a:t> </a:t>
+            </a:r>
+            <a:r>
+              <a:rPr kumimoji="0" lang="en-US" sz="1200" b="0" i="0" u="none" strike="noStrike" kern="0" cap="none" spc="0" normalizeH="0" baseline="0" noProof="0" dirty="0" err="1">
+                <a:ln>
+                  <a:noFill/>
+                </a:ln>
+                <a:solidFill>
+                  <a:srgbClr val="000000"/>
+                </a:solidFill>
+                <a:effectLst/>
+                <a:uLnTx/>
+                <a:uFillTx/>
+                <a:latin typeface="Rubik"/>
+                <a:ea typeface="Rubik"/>
+                <a:cs typeface="Rubik"/>
+                <a:sym typeface="Rubik"/>
+              </a:rPr>
+              <a:t>dirubah</a:t>
+            </a:r>
+            <a:r>
+              <a:rPr kumimoji="0" lang="en-US" sz="1200" b="0" i="0" u="none" strike="noStrike" kern="0" cap="none" spc="0" normalizeH="0" baseline="0" noProof="0" dirty="0">
+                <a:ln>
+                  <a:noFill/>
+                </a:ln>
+                <a:solidFill>
+                  <a:srgbClr val="000000"/>
+                </a:solidFill>
+                <a:effectLst/>
+                <a:uLnTx/>
+                <a:uFillTx/>
+                <a:latin typeface="Rubik"/>
+                <a:ea typeface="Rubik"/>
+                <a:cs typeface="Rubik"/>
+                <a:sym typeface="Rubik"/>
+              </a:rPr>
+              <a:t>, </a:t>
+            </a:r>
+            <a:r>
+              <a:rPr kumimoji="0" lang="en-US" sz="1200" b="0" i="0" u="none" strike="noStrike" kern="0" cap="none" spc="0" normalizeH="0" baseline="0" noProof="0" dirty="0" err="1">
+                <a:ln>
+                  <a:noFill/>
+                </a:ln>
+                <a:solidFill>
+                  <a:srgbClr val="000000"/>
+                </a:solidFill>
+                <a:effectLst/>
+                <a:uLnTx/>
+                <a:uFillTx/>
+                <a:latin typeface="Rubik"/>
+                <a:ea typeface="Rubik"/>
+                <a:cs typeface="Rubik"/>
+                <a:sym typeface="Rubik"/>
+              </a:rPr>
+              <a:t>namun</a:t>
+            </a:r>
+            <a:r>
+              <a:rPr kumimoji="0" lang="en-US" sz="1200" b="0" i="0" u="none" strike="noStrike" kern="0" cap="none" spc="0" normalizeH="0" baseline="0" noProof="0" dirty="0">
+                <a:ln>
+                  <a:noFill/>
+                </a:ln>
+                <a:solidFill>
+                  <a:srgbClr val="000000"/>
+                </a:solidFill>
+                <a:effectLst/>
+                <a:uLnTx/>
+                <a:uFillTx/>
+                <a:latin typeface="Rubik"/>
+                <a:ea typeface="Rubik"/>
+                <a:cs typeface="Rubik"/>
+                <a:sym typeface="Rubik"/>
+              </a:rPr>
+              <a:t> </a:t>
+            </a:r>
+            <a:r>
+              <a:rPr kumimoji="0" lang="en-US" sz="1200" b="0" i="0" u="none" strike="noStrike" kern="0" cap="none" spc="0" normalizeH="0" baseline="0" noProof="0" dirty="0" err="1">
+                <a:ln>
+                  <a:noFill/>
+                </a:ln>
+                <a:solidFill>
+                  <a:srgbClr val="000000"/>
+                </a:solidFill>
+                <a:effectLst/>
+                <a:uLnTx/>
+                <a:uFillTx/>
+                <a:latin typeface="Rubik"/>
+                <a:ea typeface="Rubik"/>
+                <a:cs typeface="Rubik"/>
+                <a:sym typeface="Rubik"/>
+              </a:rPr>
+              <a:t>apabila</a:t>
+            </a:r>
+            <a:r>
+              <a:rPr kumimoji="0" lang="en-US" sz="1200" b="0" i="0" u="none" strike="noStrike" kern="0" cap="none" spc="0" normalizeH="0" baseline="0" noProof="0" dirty="0">
+                <a:ln>
+                  <a:noFill/>
+                </a:ln>
+                <a:solidFill>
+                  <a:srgbClr val="000000"/>
+                </a:solidFill>
+                <a:effectLst/>
+                <a:uLnTx/>
+                <a:uFillTx/>
+                <a:latin typeface="Rubik"/>
+                <a:ea typeface="Rubik"/>
+                <a:cs typeface="Rubik"/>
+                <a:sym typeface="Rubik"/>
+              </a:rPr>
+              <a:t> </a:t>
+            </a:r>
+            <a:r>
+              <a:rPr kumimoji="0" lang="en-US" sz="1200" b="0" i="0" u="none" strike="noStrike" kern="0" cap="none" spc="0" normalizeH="0" baseline="0" noProof="0" dirty="0" err="1">
+                <a:ln>
+                  <a:noFill/>
+                </a:ln>
+                <a:solidFill>
+                  <a:srgbClr val="000000"/>
+                </a:solidFill>
+                <a:effectLst/>
+                <a:uLnTx/>
+                <a:uFillTx/>
+                <a:latin typeface="Rubik"/>
+                <a:ea typeface="Rubik"/>
+                <a:cs typeface="Rubik"/>
+                <a:sym typeface="Rubik"/>
+              </a:rPr>
+              <a:t>terlihat</a:t>
+            </a:r>
+            <a:r>
+              <a:rPr kumimoji="0" lang="en-US" sz="1200" b="0" i="0" u="none" strike="noStrike" kern="0" cap="none" spc="0" normalizeH="0" baseline="0" noProof="0" dirty="0">
+                <a:ln>
+                  <a:noFill/>
+                </a:ln>
+                <a:solidFill>
+                  <a:srgbClr val="000000"/>
+                </a:solidFill>
+                <a:effectLst/>
+                <a:uLnTx/>
+                <a:uFillTx/>
+                <a:latin typeface="Rubik"/>
+                <a:ea typeface="Rubik"/>
+                <a:cs typeface="Rubik"/>
+                <a:sym typeface="Rubik"/>
+              </a:rPr>
+              <a:t> </a:t>
+            </a:r>
+            <a:r>
+              <a:rPr kumimoji="0" lang="en-US" sz="1200" b="0" i="0" u="none" strike="noStrike" kern="0" cap="none" spc="0" normalizeH="0" baseline="0" noProof="0" dirty="0" err="1">
+                <a:ln>
+                  <a:noFill/>
+                </a:ln>
+                <a:solidFill>
+                  <a:srgbClr val="000000"/>
+                </a:solidFill>
+                <a:effectLst/>
+                <a:uLnTx/>
+                <a:uFillTx/>
+                <a:latin typeface="Rubik"/>
+                <a:ea typeface="Rubik"/>
+                <a:cs typeface="Rubik"/>
+                <a:sym typeface="Rubik"/>
+              </a:rPr>
+              <a:t>performa</a:t>
+            </a:r>
+            <a:r>
+              <a:rPr kumimoji="0" lang="en-US" sz="1200" b="0" i="0" u="none" strike="noStrike" kern="0" cap="none" spc="0" normalizeH="0" baseline="0" noProof="0" dirty="0">
+                <a:ln>
+                  <a:noFill/>
+                </a:ln>
+                <a:solidFill>
+                  <a:srgbClr val="000000"/>
+                </a:solidFill>
+                <a:effectLst/>
+                <a:uLnTx/>
+                <a:uFillTx/>
+                <a:latin typeface="Rubik"/>
+                <a:ea typeface="Rubik"/>
+                <a:cs typeface="Rubik"/>
+                <a:sym typeface="Rubik"/>
+              </a:rPr>
+              <a:t> brand yang </a:t>
+            </a:r>
+            <a:r>
+              <a:rPr kumimoji="0" lang="en-US" sz="1200" b="0" i="0" u="none" strike="noStrike" kern="0" cap="none" spc="0" normalizeH="0" baseline="0" noProof="0" dirty="0" err="1">
+                <a:ln>
+                  <a:noFill/>
+                </a:ln>
+                <a:solidFill>
+                  <a:srgbClr val="000000"/>
+                </a:solidFill>
+                <a:effectLst/>
+                <a:uLnTx/>
+                <a:uFillTx/>
+                <a:latin typeface="Rubik"/>
+                <a:ea typeface="Rubik"/>
+                <a:cs typeface="Rubik"/>
+                <a:sym typeface="Rubik"/>
+              </a:rPr>
+              <a:t>mendominasi</a:t>
+            </a:r>
+            <a:r>
+              <a:rPr lang="en-US" sz="1200" dirty="0">
+                <a:latin typeface="Rubik"/>
+                <a:ea typeface="Rubik"/>
+                <a:cs typeface="Rubik"/>
+                <a:sym typeface="Rubik"/>
+              </a:rPr>
+              <a:t>, </a:t>
+            </a:r>
+            <a:r>
+              <a:rPr lang="en-US" sz="1200" dirty="0" err="1">
+                <a:latin typeface="Rubik"/>
+                <a:ea typeface="Rubik"/>
+                <a:cs typeface="Rubik"/>
+                <a:sym typeface="Rubik"/>
+              </a:rPr>
+              <a:t>maka</a:t>
+            </a:r>
+            <a:r>
+              <a:rPr lang="en-US" sz="1200" dirty="0">
+                <a:latin typeface="Rubik"/>
+                <a:ea typeface="Rubik"/>
+                <a:cs typeface="Rubik"/>
+                <a:sym typeface="Rubik"/>
+              </a:rPr>
+              <a:t> </a:t>
+            </a:r>
+            <a:r>
+              <a:rPr lang="en-US" sz="1200" dirty="0" err="1">
+                <a:latin typeface="Rubik"/>
+                <a:ea typeface="Rubik"/>
+                <a:cs typeface="Rubik"/>
+                <a:sym typeface="Rubik"/>
+              </a:rPr>
+              <a:t>investasikan</a:t>
+            </a:r>
+            <a:r>
+              <a:rPr lang="en-US" sz="1200" dirty="0">
+                <a:latin typeface="Rubik"/>
+                <a:ea typeface="Rubik"/>
+                <a:cs typeface="Rubik"/>
+                <a:sym typeface="Rubik"/>
+              </a:rPr>
+              <a:t> </a:t>
+            </a:r>
+            <a:r>
+              <a:rPr lang="en-US" sz="1200" dirty="0" err="1">
+                <a:latin typeface="Rubik"/>
+                <a:ea typeface="Rubik"/>
+                <a:cs typeface="Rubik"/>
+                <a:sym typeface="Rubik"/>
+              </a:rPr>
+              <a:t>lebih</a:t>
+            </a:r>
+            <a:r>
+              <a:rPr lang="en-US" sz="1200" dirty="0">
+                <a:latin typeface="Rubik"/>
+                <a:ea typeface="Rubik"/>
+                <a:cs typeface="Rubik"/>
+                <a:sym typeface="Rubik"/>
+              </a:rPr>
+              <a:t> </a:t>
+            </a:r>
+            <a:r>
+              <a:rPr lang="en-US" sz="1200" dirty="0" err="1">
+                <a:latin typeface="Rubik"/>
+                <a:ea typeface="Rubik"/>
+                <a:cs typeface="Rubik"/>
+                <a:sym typeface="Rubik"/>
+              </a:rPr>
+              <a:t>untuk</a:t>
+            </a:r>
+            <a:r>
+              <a:rPr lang="en-US" sz="1200" dirty="0">
+                <a:latin typeface="Rubik"/>
+                <a:ea typeface="Rubik"/>
+                <a:cs typeface="Rubik"/>
+                <a:sym typeface="Rubik"/>
+              </a:rPr>
+              <a:t> </a:t>
+            </a:r>
+            <a:r>
+              <a:rPr lang="en-US" sz="1200" dirty="0" err="1">
+                <a:latin typeface="Rubik"/>
+                <a:ea typeface="Rubik"/>
+                <a:cs typeface="Rubik"/>
+                <a:sym typeface="Rubik"/>
+              </a:rPr>
+              <a:t>meningkatkan</a:t>
+            </a:r>
+            <a:r>
+              <a:rPr lang="en-US" sz="1200" dirty="0">
+                <a:latin typeface="Rubik"/>
+                <a:ea typeface="Rubik"/>
+                <a:cs typeface="Rubik"/>
+                <a:sym typeface="Rubik"/>
+              </a:rPr>
+              <a:t> </a:t>
+            </a:r>
+            <a:r>
+              <a:rPr lang="en-US" sz="1200" dirty="0" err="1">
+                <a:latin typeface="Rubik"/>
+                <a:ea typeface="Rubik"/>
+                <a:cs typeface="Rubik"/>
+                <a:sym typeface="Rubik"/>
+              </a:rPr>
+              <a:t>penjualan</a:t>
+            </a:r>
+            <a:r>
+              <a:rPr lang="en-US" sz="1200" dirty="0">
+                <a:latin typeface="Rubik"/>
+                <a:ea typeface="Rubik"/>
+                <a:cs typeface="Rubik"/>
+                <a:sym typeface="Rubik"/>
+              </a:rPr>
+              <a:t> brand </a:t>
+            </a:r>
+            <a:r>
+              <a:rPr lang="en-US" sz="1200" dirty="0" err="1">
+                <a:latin typeface="Rubik"/>
+                <a:ea typeface="Rubik"/>
+                <a:cs typeface="Rubik"/>
+                <a:sym typeface="Rubik"/>
+              </a:rPr>
+              <a:t>tersebut</a:t>
+            </a:r>
+            <a:r>
+              <a:rPr lang="en-US" sz="1200" dirty="0">
+                <a:latin typeface="Rubik"/>
+                <a:ea typeface="Rubik"/>
+                <a:cs typeface="Rubik"/>
+                <a:sym typeface="Rubik"/>
+              </a:rPr>
+              <a:t>. Dan </a:t>
+            </a:r>
+            <a:r>
+              <a:rPr lang="en-US" sz="1200" dirty="0" err="1">
+                <a:latin typeface="Rubik"/>
+                <a:ea typeface="Rubik"/>
+                <a:cs typeface="Rubik"/>
+                <a:sym typeface="Rubik"/>
+              </a:rPr>
+              <a:t>apabila</a:t>
+            </a:r>
+            <a:r>
+              <a:rPr lang="en-US" sz="1200" dirty="0">
+                <a:latin typeface="Rubik"/>
+                <a:ea typeface="Rubik"/>
+                <a:cs typeface="Rubik"/>
+                <a:sym typeface="Rubik"/>
+              </a:rPr>
+              <a:t> </a:t>
+            </a:r>
+            <a:r>
+              <a:rPr lang="en-US" sz="1200" dirty="0" err="1">
+                <a:latin typeface="Rubik"/>
+                <a:ea typeface="Rubik"/>
+                <a:cs typeface="Rubik"/>
+                <a:sym typeface="Rubik"/>
+              </a:rPr>
+              <a:t>ada</a:t>
+            </a:r>
+            <a:r>
+              <a:rPr lang="en-US" sz="1200" dirty="0">
+                <a:latin typeface="Rubik"/>
+                <a:ea typeface="Rubik"/>
+                <a:cs typeface="Rubik"/>
+                <a:sym typeface="Rubik"/>
+              </a:rPr>
+              <a:t> brand yang </a:t>
+            </a:r>
+            <a:r>
+              <a:rPr lang="en-US" sz="1200" dirty="0" err="1">
+                <a:latin typeface="Rubik"/>
+                <a:ea typeface="Rubik"/>
+                <a:cs typeface="Rubik"/>
+                <a:sym typeface="Rubik"/>
+              </a:rPr>
+              <a:t>tidak</a:t>
+            </a:r>
+            <a:r>
+              <a:rPr lang="en-US" sz="1200" dirty="0">
+                <a:latin typeface="Rubik"/>
+                <a:ea typeface="Rubik"/>
+                <a:cs typeface="Rubik"/>
+                <a:sym typeface="Rubik"/>
+              </a:rPr>
+              <a:t> </a:t>
+            </a:r>
+            <a:r>
+              <a:rPr lang="en-US" sz="1200" dirty="0" err="1">
+                <a:latin typeface="Rubik"/>
+                <a:ea typeface="Rubik"/>
+                <a:cs typeface="Rubik"/>
+                <a:sym typeface="Rubik"/>
+              </a:rPr>
+              <a:t>menunjukan</a:t>
+            </a:r>
+            <a:r>
+              <a:rPr lang="en-US" sz="1200" dirty="0">
+                <a:latin typeface="Rubik"/>
+                <a:ea typeface="Rubik"/>
+                <a:cs typeface="Rubik"/>
+                <a:sym typeface="Rubik"/>
+              </a:rPr>
+              <a:t> </a:t>
+            </a:r>
+            <a:r>
+              <a:rPr lang="en-US" sz="1200" dirty="0" err="1">
+                <a:latin typeface="Rubik"/>
+                <a:ea typeface="Rubik"/>
+                <a:cs typeface="Rubik"/>
+                <a:sym typeface="Rubik"/>
+              </a:rPr>
+              <a:t>peningkatan</a:t>
+            </a:r>
+            <a:r>
+              <a:rPr lang="en-US" sz="1200" dirty="0">
+                <a:latin typeface="Rubik"/>
+                <a:ea typeface="Rubik"/>
+                <a:cs typeface="Rubik"/>
+                <a:sym typeface="Rubik"/>
+              </a:rPr>
+              <a:t> </a:t>
+            </a:r>
+            <a:r>
+              <a:rPr lang="en-US" sz="1200" dirty="0" err="1">
+                <a:latin typeface="Rubik"/>
+                <a:ea typeface="Rubik"/>
+                <a:cs typeface="Rubik"/>
+                <a:sym typeface="Rubik"/>
+              </a:rPr>
+              <a:t>penjualan</a:t>
+            </a:r>
+            <a:r>
+              <a:rPr lang="en-US" sz="1200" dirty="0">
+                <a:latin typeface="Rubik"/>
+                <a:ea typeface="Rubik"/>
+                <a:cs typeface="Rubik"/>
+                <a:sym typeface="Rubik"/>
+              </a:rPr>
+              <a:t> </a:t>
+            </a:r>
+            <a:r>
+              <a:rPr lang="en-US" sz="1200" dirty="0" err="1">
+                <a:latin typeface="Rubik"/>
+                <a:ea typeface="Rubik"/>
+                <a:cs typeface="Rubik"/>
+                <a:sym typeface="Rubik"/>
+              </a:rPr>
+              <a:t>setelah</a:t>
+            </a:r>
+            <a:r>
+              <a:rPr lang="en-US" sz="1200" dirty="0">
+                <a:latin typeface="Rubik"/>
+                <a:ea typeface="Rubik"/>
+                <a:cs typeface="Rubik"/>
+                <a:sym typeface="Rubik"/>
+              </a:rPr>
+              <a:t> dua </a:t>
+            </a:r>
+            <a:r>
+              <a:rPr lang="en-US" sz="1200" dirty="0" err="1">
+                <a:latin typeface="Rubik"/>
+                <a:ea typeface="Rubik"/>
+                <a:cs typeface="Rubik"/>
+                <a:sym typeface="Rubik"/>
+              </a:rPr>
+              <a:t>tahun</a:t>
+            </a:r>
+            <a:r>
+              <a:rPr lang="en-US" sz="1200" dirty="0">
+                <a:latin typeface="Rubik"/>
+                <a:ea typeface="Rubik"/>
+                <a:cs typeface="Rubik"/>
+                <a:sym typeface="Rubik"/>
+              </a:rPr>
+              <a:t>, </a:t>
+            </a:r>
+            <a:r>
+              <a:rPr lang="en-US" sz="1200" dirty="0" err="1">
+                <a:latin typeface="Rubik"/>
+                <a:ea typeface="Rubik"/>
+                <a:cs typeface="Rubik"/>
+                <a:sym typeface="Rubik"/>
+              </a:rPr>
+              <a:t>pertimbangkan</a:t>
+            </a:r>
+            <a:r>
+              <a:rPr lang="en-US" sz="1200" dirty="0">
+                <a:latin typeface="Rubik"/>
+                <a:ea typeface="Rubik"/>
+                <a:cs typeface="Rubik"/>
+                <a:sym typeface="Rubik"/>
+              </a:rPr>
+              <a:t> </a:t>
+            </a:r>
+            <a:r>
+              <a:rPr lang="en-US" sz="1200" dirty="0" err="1">
+                <a:latin typeface="Rubik"/>
+                <a:ea typeface="Rubik"/>
+                <a:cs typeface="Rubik"/>
+                <a:sym typeface="Rubik"/>
+              </a:rPr>
+              <a:t>untuk</a:t>
+            </a:r>
+            <a:r>
+              <a:rPr lang="en-US" sz="1200" dirty="0">
+                <a:latin typeface="Rubik"/>
+                <a:ea typeface="Rubik"/>
+                <a:cs typeface="Rubik"/>
+                <a:sym typeface="Rubik"/>
+              </a:rPr>
+              <a:t> </a:t>
+            </a:r>
+            <a:r>
+              <a:rPr lang="en-US" sz="1200" dirty="0" err="1">
+                <a:latin typeface="Rubik"/>
+                <a:ea typeface="Rubik"/>
+                <a:cs typeface="Rubik"/>
+                <a:sym typeface="Rubik"/>
+              </a:rPr>
+              <a:t>mengganti</a:t>
+            </a:r>
+            <a:r>
+              <a:rPr lang="en-US" sz="1200" dirty="0">
+                <a:latin typeface="Rubik"/>
+                <a:ea typeface="Rubik"/>
+                <a:cs typeface="Rubik"/>
+                <a:sym typeface="Rubik"/>
+              </a:rPr>
+              <a:t> </a:t>
+            </a:r>
+            <a:r>
+              <a:rPr lang="en-US" sz="1200" dirty="0" err="1">
+                <a:latin typeface="Rubik"/>
+                <a:ea typeface="Rubik"/>
+                <a:cs typeface="Rubik"/>
+                <a:sym typeface="Rubik"/>
+              </a:rPr>
+              <a:t>peralatan</a:t>
+            </a:r>
+            <a:r>
+              <a:rPr lang="en-US" sz="1200" dirty="0">
+                <a:latin typeface="Rubik"/>
+                <a:ea typeface="Rubik"/>
+                <a:cs typeface="Rubik"/>
+                <a:sym typeface="Rubik"/>
+              </a:rPr>
+              <a:t> </a:t>
+            </a:r>
+            <a:r>
+              <a:rPr lang="en-US" sz="1200" dirty="0" err="1">
+                <a:latin typeface="Rubik"/>
+                <a:ea typeface="Rubik"/>
+                <a:cs typeface="Rubik"/>
+                <a:sym typeface="Rubik"/>
+              </a:rPr>
+              <a:t>dari</a:t>
+            </a:r>
+            <a:r>
+              <a:rPr lang="en-US" sz="1200" dirty="0">
+                <a:latin typeface="Rubik"/>
+                <a:ea typeface="Rubik"/>
+                <a:cs typeface="Rubik"/>
+                <a:sym typeface="Rubik"/>
+              </a:rPr>
+              <a:t> brand </a:t>
+            </a:r>
+            <a:r>
+              <a:rPr lang="en-US" sz="1200" dirty="0" err="1">
+                <a:latin typeface="Rubik"/>
+                <a:ea typeface="Rubik"/>
+                <a:cs typeface="Rubik"/>
+                <a:sym typeface="Rubik"/>
+              </a:rPr>
+              <a:t>tersebut</a:t>
+            </a:r>
+            <a:endParaRPr kumimoji="0" lang="id-ID" sz="1200" b="0" i="0" u="none" strike="noStrike" kern="0" cap="none" spc="0" normalizeH="0" baseline="0" noProof="0" dirty="0">
+              <a:ln>
+                <a:noFill/>
+              </a:ln>
+              <a:solidFill>
+                <a:srgbClr val="000000"/>
+              </a:solidFill>
+              <a:effectLst/>
+              <a:uLnTx/>
+              <a:uFillTx/>
+              <a:latin typeface="Rubik"/>
+              <a:ea typeface="Rubik"/>
+              <a:cs typeface="Rubik"/>
+              <a:sym typeface="Rubik"/>
+            </a:endParaRPr>
+          </a:p>
+        </p:txBody>
+      </p:sp>
+      <p:sp>
+        <p:nvSpPr>
+          <p:cNvPr id="94" name="Google Shape;94;p4">
+            <a:extLst>
+              <a:ext uri="{FF2B5EF4-FFF2-40B4-BE49-F238E27FC236}">
+                <a16:creationId xmlns:a16="http://schemas.microsoft.com/office/drawing/2014/main" id="{BE8DDAEB-DE89-8CDF-B5C7-FF2B596896AC}"/>
+              </a:ext>
+            </a:extLst>
+          </p:cNvPr>
+          <p:cNvSpPr txBox="1"/>
+          <p:nvPr/>
+        </p:nvSpPr>
+        <p:spPr>
+          <a:xfrm>
+            <a:off x="340500" y="1815070"/>
+            <a:ext cx="8463000" cy="646500"/>
+          </a:xfrm>
+          <a:prstGeom prst="rect">
+            <a:avLst/>
+          </a:prstGeom>
+          <a:noFill/>
+          <a:ln>
+            <a:noFill/>
+          </a:ln>
+          <a:effectLst>
+            <a:outerShdw blurRad="57150" dist="19050" dir="2820000" algn="bl" rotWithShape="0">
+              <a:srgbClr val="B7B7B7">
+                <a:alpha val="85098"/>
+              </a:srgbClr>
+            </a:outerShdw>
+          </a:effectLst>
+        </p:spPr>
+        <p:txBody>
+          <a:bodyPr spcFirstLastPara="1" wrap="square" lIns="91425" tIns="91425" rIns="91425" bIns="91425" anchor="t" anchorCtr="0">
+            <a:spAutoFit/>
+          </a:bodyPr>
+          <a:lstStyle/>
+          <a:p>
+            <a:pPr marL="0" marR="0" lvl="0" indent="0" defTabSz="914400" rtl="0" eaLnBrk="1" fontAlgn="auto" latinLnBrk="0" hangingPunct="1">
+              <a:lnSpc>
+                <a:spcPct val="100000"/>
+              </a:lnSpc>
+              <a:spcBef>
+                <a:spcPts val="0"/>
+              </a:spcBef>
+              <a:spcAft>
+                <a:spcPts val="0"/>
+              </a:spcAft>
+              <a:buClr>
+                <a:srgbClr val="000000"/>
+              </a:buClr>
+              <a:buSzPts val="5000"/>
+              <a:buFont typeface="Arial"/>
+              <a:buNone/>
+              <a:tabLst/>
+              <a:defRPr/>
+            </a:pPr>
+            <a:r>
+              <a:rPr kumimoji="0" lang="en" sz="3000" b="1" i="0" u="none" strike="noStrike" kern="0" cap="none" spc="0" normalizeH="0" baseline="0" noProof="0" dirty="0">
+                <a:ln>
+                  <a:noFill/>
+                </a:ln>
+                <a:solidFill>
+                  <a:srgbClr val="000000"/>
+                </a:solidFill>
+                <a:effectLst/>
+                <a:uLnTx/>
+                <a:uFillTx/>
+                <a:latin typeface="Rubik"/>
+                <a:ea typeface="Rubik"/>
+                <a:cs typeface="Rubik"/>
+                <a:sym typeface="Rubik"/>
+              </a:rPr>
+              <a:t>Rekomendasi</a:t>
+            </a:r>
+            <a:endParaRPr kumimoji="0" sz="3000" b="1" i="0" u="none" strike="noStrike" kern="0" cap="none" spc="0" normalizeH="0" baseline="0" noProof="0" dirty="0">
+              <a:ln>
+                <a:noFill/>
+              </a:ln>
+              <a:solidFill>
+                <a:srgbClr val="0097A7"/>
+              </a:solidFill>
+              <a:effectLst/>
+              <a:uLnTx/>
+              <a:uFillTx/>
+              <a:latin typeface="Rubik"/>
+              <a:ea typeface="Rubik"/>
+              <a:cs typeface="Rubik"/>
+              <a:sym typeface="Rubik"/>
+            </a:endParaRPr>
+          </a:p>
+        </p:txBody>
+      </p:sp>
+      <p:sp>
+        <p:nvSpPr>
+          <p:cNvPr id="2" name="Google Shape;93;p4">
+            <a:extLst>
+              <a:ext uri="{FF2B5EF4-FFF2-40B4-BE49-F238E27FC236}">
+                <a16:creationId xmlns:a16="http://schemas.microsoft.com/office/drawing/2014/main" id="{8B51B603-4294-0477-636C-3DA158D8D1B7}"/>
+              </a:ext>
+            </a:extLst>
+          </p:cNvPr>
+          <p:cNvSpPr txBox="1"/>
+          <p:nvPr/>
+        </p:nvSpPr>
+        <p:spPr>
+          <a:xfrm>
+            <a:off x="340500" y="780971"/>
+            <a:ext cx="8462999" cy="609367"/>
+          </a:xfrm>
+          <a:prstGeom prst="rect">
+            <a:avLst/>
+          </a:prstGeom>
+          <a:noFill/>
+          <a:ln>
+            <a:noFill/>
+          </a:ln>
+        </p:spPr>
+        <p:txBody>
+          <a:bodyPr spcFirstLastPara="1" wrap="square" lIns="91425" tIns="91425" rIns="91425" bIns="91425" anchor="t" anchorCtr="0">
+            <a:spAutoFit/>
+          </a:bodyPr>
+          <a:lstStyle/>
+          <a:p>
+            <a:pPr marL="228600" marR="0" lvl="0" indent="-228600" algn="just" defTabSz="914400" rtl="0" eaLnBrk="1" fontAlgn="auto" latinLnBrk="0" hangingPunct="1">
+              <a:lnSpc>
+                <a:spcPct val="115000"/>
+              </a:lnSpc>
+              <a:spcBef>
+                <a:spcPts val="0"/>
+              </a:spcBef>
+              <a:spcAft>
+                <a:spcPts val="0"/>
+              </a:spcAft>
+              <a:buClr>
+                <a:srgbClr val="000000"/>
+              </a:buClr>
+              <a:buSzPts val="1100"/>
+              <a:buFont typeface="Arial"/>
+              <a:buAutoNum type="arabicPeriod"/>
+              <a:tabLst/>
+              <a:defRPr/>
+            </a:pPr>
+            <a:r>
+              <a:rPr kumimoji="0" lang="en-US" sz="1200" b="0" i="0" u="none" strike="noStrike" kern="0" cap="none" spc="0" normalizeH="0" baseline="0" noProof="0" dirty="0">
+                <a:ln>
+                  <a:noFill/>
+                </a:ln>
+                <a:solidFill>
+                  <a:srgbClr val="000000"/>
+                </a:solidFill>
+                <a:effectLst/>
+                <a:uLnTx/>
+                <a:uFillTx/>
+                <a:latin typeface="Rubik"/>
+                <a:ea typeface="Rubik"/>
+                <a:cs typeface="Rubik"/>
+                <a:sym typeface="Rubik"/>
+              </a:rPr>
+              <a:t>Performa </a:t>
+            </a:r>
+            <a:r>
+              <a:rPr kumimoji="0" lang="en-US" sz="1200" b="0" i="0" u="none" strike="noStrike" kern="0" cap="none" spc="0" normalizeH="0" baseline="0" noProof="0" dirty="0" err="1">
+                <a:ln>
+                  <a:noFill/>
+                </a:ln>
+                <a:solidFill>
+                  <a:srgbClr val="000000"/>
+                </a:solidFill>
+                <a:effectLst/>
+                <a:uLnTx/>
+                <a:uFillTx/>
+                <a:latin typeface="Rubik"/>
+                <a:ea typeface="Rubik"/>
+                <a:cs typeface="Rubik"/>
+                <a:sym typeface="Rubik"/>
+              </a:rPr>
+              <a:t>penjualan</a:t>
+            </a:r>
+            <a:r>
+              <a:rPr kumimoji="0" lang="en-US" sz="1200" b="0" i="0" u="none" strike="noStrike" kern="0" cap="none" spc="0" normalizeH="0" baseline="0" noProof="0" dirty="0">
+                <a:ln>
+                  <a:noFill/>
+                </a:ln>
+                <a:solidFill>
+                  <a:srgbClr val="000000"/>
+                </a:solidFill>
+                <a:effectLst/>
+                <a:uLnTx/>
+                <a:uFillTx/>
+                <a:latin typeface="Rubik"/>
+                <a:ea typeface="Rubik"/>
+                <a:cs typeface="Rubik"/>
+                <a:sym typeface="Rubik"/>
+              </a:rPr>
+              <a:t> </a:t>
+            </a:r>
+            <a:r>
+              <a:rPr kumimoji="0" lang="en-US" sz="1200" b="0" i="0" u="none" strike="noStrike" kern="0" cap="none" spc="0" normalizeH="0" baseline="0" noProof="0" dirty="0" err="1">
+                <a:ln>
+                  <a:noFill/>
+                </a:ln>
+                <a:solidFill>
+                  <a:srgbClr val="000000"/>
+                </a:solidFill>
+                <a:effectLst/>
+                <a:uLnTx/>
+                <a:uFillTx/>
+                <a:latin typeface="Rubik"/>
+                <a:ea typeface="Rubik"/>
+                <a:cs typeface="Rubik"/>
+                <a:sym typeface="Rubik"/>
+              </a:rPr>
+              <a:t>setiap</a:t>
+            </a:r>
+            <a:r>
+              <a:rPr kumimoji="0" lang="en-US" sz="1200" b="0" i="0" u="none" strike="noStrike" kern="0" cap="none" spc="0" normalizeH="0" baseline="0" noProof="0" dirty="0">
+                <a:ln>
+                  <a:noFill/>
+                </a:ln>
+                <a:solidFill>
+                  <a:srgbClr val="000000"/>
+                </a:solidFill>
+                <a:effectLst/>
+                <a:uLnTx/>
+                <a:uFillTx/>
+                <a:latin typeface="Rubik"/>
+                <a:ea typeface="Rubik"/>
+                <a:cs typeface="Rubik"/>
+                <a:sym typeface="Rubik"/>
+              </a:rPr>
+              <a:t> brand </a:t>
+            </a:r>
+            <a:r>
+              <a:rPr kumimoji="0" lang="en-US" sz="1200" b="0" i="0" u="none" strike="noStrike" kern="0" cap="none" spc="0" normalizeH="0" baseline="0" noProof="0" dirty="0" err="1">
+                <a:ln>
+                  <a:noFill/>
+                </a:ln>
+                <a:solidFill>
+                  <a:srgbClr val="000000"/>
+                </a:solidFill>
+                <a:effectLst/>
+                <a:uLnTx/>
+                <a:uFillTx/>
+                <a:latin typeface="Rubik"/>
+                <a:ea typeface="Rubik"/>
+                <a:cs typeface="Rubik"/>
+                <a:sym typeface="Rubik"/>
+              </a:rPr>
+              <a:t>secara</a:t>
+            </a:r>
+            <a:r>
+              <a:rPr kumimoji="0" lang="en-US" sz="1200" b="0" i="0" u="none" strike="noStrike" kern="0" cap="none" spc="0" normalizeH="0" baseline="0" noProof="0" dirty="0">
+                <a:ln>
+                  <a:noFill/>
+                </a:ln>
+                <a:solidFill>
+                  <a:srgbClr val="000000"/>
+                </a:solidFill>
+                <a:effectLst/>
+                <a:uLnTx/>
+                <a:uFillTx/>
+                <a:latin typeface="Rubik"/>
+                <a:ea typeface="Rubik"/>
+                <a:cs typeface="Rubik"/>
+                <a:sym typeface="Rubik"/>
+              </a:rPr>
+              <a:t> </a:t>
+            </a:r>
+            <a:r>
+              <a:rPr kumimoji="0" lang="en-US" sz="1200" b="0" i="0" u="none" strike="noStrike" kern="0" cap="none" spc="0" normalizeH="0" baseline="0" noProof="0" dirty="0" err="1">
+                <a:ln>
+                  <a:noFill/>
+                </a:ln>
+                <a:solidFill>
+                  <a:srgbClr val="000000"/>
+                </a:solidFill>
+                <a:effectLst/>
+                <a:uLnTx/>
+                <a:uFillTx/>
+                <a:latin typeface="Rubik"/>
+                <a:ea typeface="Rubik"/>
+                <a:cs typeface="Rubik"/>
+                <a:sym typeface="Rubik"/>
+              </a:rPr>
+              <a:t>keseluruhan</a:t>
+            </a:r>
+            <a:r>
+              <a:rPr kumimoji="0" lang="en-US" sz="1200" b="0" i="0" u="none" strike="noStrike" kern="0" cap="none" spc="0" normalizeH="0" baseline="0" noProof="0" dirty="0">
+                <a:ln>
+                  <a:noFill/>
+                </a:ln>
+                <a:solidFill>
+                  <a:srgbClr val="000000"/>
+                </a:solidFill>
+                <a:effectLst/>
+                <a:uLnTx/>
+                <a:uFillTx/>
+                <a:latin typeface="Rubik"/>
+                <a:ea typeface="Rubik"/>
+                <a:cs typeface="Rubik"/>
+                <a:sym typeface="Rubik"/>
+              </a:rPr>
+              <a:t> </a:t>
+            </a:r>
+            <a:r>
+              <a:rPr kumimoji="0" lang="en-US" sz="1200" b="0" i="0" u="none" strike="noStrike" kern="0" cap="none" spc="0" normalizeH="0" baseline="0" noProof="0" dirty="0" err="1">
+                <a:ln>
+                  <a:noFill/>
+                </a:ln>
+                <a:solidFill>
+                  <a:srgbClr val="000000"/>
+                </a:solidFill>
+                <a:effectLst/>
+                <a:uLnTx/>
+                <a:uFillTx/>
+                <a:latin typeface="Rubik"/>
+                <a:ea typeface="Rubik"/>
+                <a:cs typeface="Rubik"/>
+                <a:sym typeface="Rubik"/>
+              </a:rPr>
+              <a:t>tidak</a:t>
+            </a:r>
+            <a:r>
+              <a:rPr kumimoji="0" lang="en-US" sz="1200" b="0" i="0" u="none" strike="noStrike" kern="0" cap="none" spc="0" normalizeH="0" baseline="0" noProof="0" dirty="0">
+                <a:ln>
+                  <a:noFill/>
+                </a:ln>
+                <a:solidFill>
+                  <a:srgbClr val="000000"/>
+                </a:solidFill>
+                <a:effectLst/>
+                <a:uLnTx/>
+                <a:uFillTx/>
+                <a:latin typeface="Rubik"/>
+                <a:ea typeface="Rubik"/>
+                <a:cs typeface="Rubik"/>
+                <a:sym typeface="Rubik"/>
+              </a:rPr>
+              <a:t> </a:t>
+            </a:r>
+            <a:r>
+              <a:rPr kumimoji="0" lang="en-US" sz="1200" b="0" i="0" u="none" strike="noStrike" kern="0" cap="none" spc="0" normalizeH="0" baseline="0" noProof="0" dirty="0" err="1">
+                <a:ln>
+                  <a:noFill/>
+                </a:ln>
+                <a:solidFill>
+                  <a:srgbClr val="000000"/>
+                </a:solidFill>
+                <a:effectLst/>
+                <a:uLnTx/>
+                <a:uFillTx/>
+                <a:latin typeface="Rubik"/>
+                <a:ea typeface="Rubik"/>
+                <a:cs typeface="Rubik"/>
+                <a:sym typeface="Rubik"/>
+              </a:rPr>
+              <a:t>ada</a:t>
+            </a:r>
+            <a:r>
+              <a:rPr kumimoji="0" lang="en-US" sz="1200" b="0" i="0" u="none" strike="noStrike" kern="0" cap="none" spc="0" normalizeH="0" baseline="0" noProof="0" dirty="0">
+                <a:ln>
+                  <a:noFill/>
+                </a:ln>
+                <a:solidFill>
+                  <a:srgbClr val="000000"/>
+                </a:solidFill>
+                <a:effectLst/>
+                <a:uLnTx/>
+                <a:uFillTx/>
+                <a:latin typeface="Rubik"/>
+                <a:ea typeface="Rubik"/>
+                <a:cs typeface="Rubik"/>
+                <a:sym typeface="Rubik"/>
+              </a:rPr>
+              <a:t> yang </a:t>
+            </a:r>
+            <a:r>
+              <a:rPr kumimoji="0" lang="en-US" sz="1200" b="0" i="0" u="none" strike="noStrike" kern="0" cap="none" spc="0" normalizeH="0" baseline="0" noProof="0" dirty="0" err="1">
+                <a:ln>
+                  <a:noFill/>
+                </a:ln>
+                <a:solidFill>
+                  <a:srgbClr val="000000"/>
+                </a:solidFill>
+                <a:effectLst/>
+                <a:uLnTx/>
+                <a:uFillTx/>
+                <a:latin typeface="Rubik"/>
+                <a:ea typeface="Rubik"/>
+                <a:cs typeface="Rubik"/>
+                <a:sym typeface="Rubik"/>
+              </a:rPr>
+              <a:t>menunjukan</a:t>
+            </a:r>
+            <a:r>
+              <a:rPr kumimoji="0" lang="en-US" sz="1200" b="0" i="0" u="none" strike="noStrike" kern="0" cap="none" spc="0" normalizeH="0" baseline="0" noProof="0" dirty="0">
+                <a:ln>
+                  <a:noFill/>
+                </a:ln>
+                <a:solidFill>
+                  <a:srgbClr val="000000"/>
+                </a:solidFill>
+                <a:effectLst/>
+                <a:uLnTx/>
+                <a:uFillTx/>
+                <a:latin typeface="Rubik"/>
+                <a:ea typeface="Rubik"/>
+                <a:cs typeface="Rubik"/>
+                <a:sym typeface="Rubik"/>
+              </a:rPr>
+              <a:t> </a:t>
+            </a:r>
+            <a:r>
+              <a:rPr kumimoji="0" lang="en-US" sz="1200" b="0" i="0" u="none" strike="noStrike" kern="0" cap="none" spc="0" normalizeH="0" baseline="0" noProof="0" dirty="0" err="1">
+                <a:ln>
+                  <a:noFill/>
+                </a:ln>
+                <a:solidFill>
+                  <a:srgbClr val="000000"/>
+                </a:solidFill>
+                <a:effectLst/>
+                <a:uLnTx/>
+                <a:uFillTx/>
+                <a:latin typeface="Rubik"/>
+                <a:ea typeface="Rubik"/>
+                <a:cs typeface="Rubik"/>
+                <a:sym typeface="Rubik"/>
+              </a:rPr>
+              <a:t>dominansi</a:t>
+            </a:r>
+            <a:r>
+              <a:rPr kumimoji="0" lang="en-US" sz="1200" b="0" i="0" u="none" strike="noStrike" kern="0" cap="none" spc="0" normalizeH="0" baseline="0" noProof="0" dirty="0">
+                <a:ln>
+                  <a:noFill/>
+                </a:ln>
+                <a:solidFill>
+                  <a:srgbClr val="000000"/>
+                </a:solidFill>
+                <a:effectLst/>
+                <a:uLnTx/>
+                <a:uFillTx/>
+                <a:latin typeface="Rubik"/>
+                <a:ea typeface="Rubik"/>
+                <a:cs typeface="Rubik"/>
+                <a:sym typeface="Rubik"/>
+              </a:rPr>
+              <a:t>. </a:t>
+            </a:r>
+            <a:r>
+              <a:rPr kumimoji="0" lang="en-US" sz="1200" b="0" i="0" u="none" strike="noStrike" kern="0" cap="none" spc="0" normalizeH="0" baseline="0" noProof="0" dirty="0" err="1">
+                <a:ln>
+                  <a:noFill/>
+                </a:ln>
+                <a:solidFill>
+                  <a:srgbClr val="000000"/>
+                </a:solidFill>
+                <a:effectLst/>
+                <a:uLnTx/>
+                <a:uFillTx/>
+                <a:latin typeface="Rubik"/>
+                <a:ea typeface="Rubik"/>
+                <a:cs typeface="Rubik"/>
+                <a:sym typeface="Rubik"/>
+              </a:rPr>
+              <a:t>Penjualan</a:t>
+            </a:r>
+            <a:r>
+              <a:rPr kumimoji="0" lang="en-US" sz="1200" b="0" i="0" u="none" strike="noStrike" kern="0" cap="none" spc="0" normalizeH="0" baseline="0" noProof="0" dirty="0">
+                <a:ln>
+                  <a:noFill/>
+                </a:ln>
+                <a:solidFill>
+                  <a:srgbClr val="000000"/>
+                </a:solidFill>
+                <a:effectLst/>
+                <a:uLnTx/>
+                <a:uFillTx/>
+                <a:latin typeface="Rubik"/>
+                <a:ea typeface="Rubik"/>
+                <a:cs typeface="Rubik"/>
+                <a:sym typeface="Rubik"/>
+              </a:rPr>
+              <a:t> yang </a:t>
+            </a:r>
+            <a:r>
+              <a:rPr kumimoji="0" lang="en-US" sz="1200" b="0" i="0" u="none" strike="noStrike" kern="0" cap="none" spc="0" normalizeH="0" baseline="0" noProof="0" dirty="0" err="1">
+                <a:ln>
+                  <a:noFill/>
+                </a:ln>
+                <a:solidFill>
+                  <a:srgbClr val="000000"/>
+                </a:solidFill>
+                <a:effectLst/>
+                <a:uLnTx/>
+                <a:uFillTx/>
+                <a:latin typeface="Rubik"/>
+                <a:ea typeface="Rubik"/>
+                <a:cs typeface="Rubik"/>
+                <a:sym typeface="Rubik"/>
+              </a:rPr>
+              <a:t>menurun</a:t>
+            </a:r>
+            <a:r>
+              <a:rPr kumimoji="0" lang="en-US" sz="1200" b="0" i="0" u="none" strike="noStrike" kern="0" cap="none" spc="0" normalizeH="0" baseline="0" noProof="0" dirty="0">
+                <a:ln>
+                  <a:noFill/>
+                </a:ln>
+                <a:solidFill>
+                  <a:srgbClr val="000000"/>
+                </a:solidFill>
+                <a:effectLst/>
+                <a:uLnTx/>
+                <a:uFillTx/>
+                <a:latin typeface="Rubik"/>
+                <a:ea typeface="Rubik"/>
+                <a:cs typeface="Rubik"/>
+                <a:sym typeface="Rubik"/>
+              </a:rPr>
+              <a:t> </a:t>
+            </a:r>
+            <a:r>
+              <a:rPr kumimoji="0" lang="en-US" sz="1200" b="0" i="0" u="none" strike="noStrike" kern="0" cap="none" spc="0" normalizeH="0" baseline="0" noProof="0" dirty="0" err="1">
+                <a:ln>
+                  <a:noFill/>
+                </a:ln>
+                <a:solidFill>
+                  <a:srgbClr val="000000"/>
+                </a:solidFill>
+                <a:effectLst/>
+                <a:uLnTx/>
+                <a:uFillTx/>
+                <a:latin typeface="Rubik"/>
+                <a:ea typeface="Rubik"/>
+                <a:cs typeface="Rubik"/>
+                <a:sym typeface="Rubik"/>
+              </a:rPr>
+              <a:t>sudah</a:t>
+            </a:r>
+            <a:r>
+              <a:rPr kumimoji="0" lang="en-US" sz="1200" b="0" i="0" u="none" strike="noStrike" kern="0" cap="none" spc="0" normalizeH="0" baseline="0" noProof="0" dirty="0">
+                <a:ln>
+                  <a:noFill/>
+                </a:ln>
+                <a:solidFill>
+                  <a:srgbClr val="000000"/>
+                </a:solidFill>
+                <a:effectLst/>
+                <a:uLnTx/>
+                <a:uFillTx/>
+                <a:latin typeface="Rubik"/>
+                <a:ea typeface="Rubik"/>
+                <a:cs typeface="Rubik"/>
+                <a:sym typeface="Rubik"/>
+              </a:rPr>
+              <a:t> </a:t>
+            </a:r>
+            <a:r>
+              <a:rPr kumimoji="0" lang="en-US" sz="1200" b="0" i="0" u="none" strike="noStrike" kern="0" cap="none" spc="0" normalizeH="0" baseline="0" noProof="0" dirty="0" err="1">
+                <a:ln>
+                  <a:noFill/>
+                </a:ln>
+                <a:solidFill>
+                  <a:srgbClr val="000000"/>
+                </a:solidFill>
+                <a:effectLst/>
+                <a:uLnTx/>
+                <a:uFillTx/>
+                <a:latin typeface="Rubik"/>
+                <a:ea typeface="Rubik"/>
+                <a:cs typeface="Rubik"/>
+                <a:sym typeface="Rubik"/>
+              </a:rPr>
+              <a:t>diatasi</a:t>
+            </a:r>
+            <a:r>
+              <a:rPr kumimoji="0" lang="en-US" sz="1200" b="0" i="0" u="none" strike="noStrike" kern="0" cap="none" spc="0" normalizeH="0" baseline="0" noProof="0" dirty="0">
+                <a:ln>
+                  <a:noFill/>
+                </a:ln>
+                <a:solidFill>
+                  <a:srgbClr val="000000"/>
+                </a:solidFill>
+                <a:effectLst/>
+                <a:uLnTx/>
+                <a:uFillTx/>
+                <a:latin typeface="Rubik"/>
+                <a:ea typeface="Rubik"/>
+                <a:cs typeface="Rubik"/>
+                <a:sym typeface="Rubik"/>
+              </a:rPr>
+              <a:t> oleh </a:t>
+            </a:r>
+            <a:r>
+              <a:rPr kumimoji="0" lang="en-US" sz="1200" b="0" i="0" u="none" strike="noStrike" kern="0" cap="none" spc="0" normalizeH="0" baseline="0" noProof="0" dirty="0" err="1">
+                <a:ln>
+                  <a:noFill/>
+                </a:ln>
+                <a:solidFill>
+                  <a:srgbClr val="000000"/>
+                </a:solidFill>
+                <a:effectLst/>
+                <a:uLnTx/>
+                <a:uFillTx/>
+                <a:latin typeface="Rubik"/>
+                <a:ea typeface="Rubik"/>
+                <a:cs typeface="Rubik"/>
+                <a:sym typeface="Rubik"/>
+              </a:rPr>
+              <a:t>usaha</a:t>
+            </a:r>
+            <a:r>
+              <a:rPr kumimoji="0" lang="en-US" sz="1200" b="0" i="0" u="none" strike="noStrike" kern="0" cap="none" spc="0" normalizeH="0" baseline="0" noProof="0" dirty="0">
+                <a:ln>
+                  <a:noFill/>
+                </a:ln>
+                <a:solidFill>
+                  <a:srgbClr val="000000"/>
+                </a:solidFill>
+                <a:effectLst/>
+                <a:uLnTx/>
+                <a:uFillTx/>
+                <a:latin typeface="Rubik"/>
+                <a:ea typeface="Rubik"/>
+                <a:cs typeface="Rubik"/>
+                <a:sym typeface="Rubik"/>
+              </a:rPr>
+              <a:t> yang </a:t>
+            </a:r>
+            <a:r>
+              <a:rPr kumimoji="0" lang="en-US" sz="1200" b="0" i="0" u="none" strike="noStrike" kern="0" cap="none" spc="0" normalizeH="0" baseline="0" noProof="0" dirty="0" err="1">
+                <a:ln>
+                  <a:noFill/>
+                </a:ln>
+                <a:solidFill>
+                  <a:srgbClr val="000000"/>
+                </a:solidFill>
+                <a:effectLst/>
+                <a:uLnTx/>
+                <a:uFillTx/>
+                <a:latin typeface="Rubik"/>
+                <a:ea typeface="Rubik"/>
+                <a:cs typeface="Rubik"/>
+                <a:sym typeface="Rubik"/>
+              </a:rPr>
+              <a:t>dilakukan</a:t>
+            </a:r>
+            <a:r>
+              <a:rPr kumimoji="0" lang="en-US" sz="1200" b="0" i="0" u="none" strike="noStrike" kern="0" cap="none" spc="0" normalizeH="0" baseline="0" noProof="0" dirty="0">
+                <a:ln>
+                  <a:noFill/>
+                </a:ln>
+                <a:solidFill>
+                  <a:srgbClr val="000000"/>
+                </a:solidFill>
+                <a:effectLst/>
+                <a:uLnTx/>
+                <a:uFillTx/>
+                <a:latin typeface="Rubik"/>
+                <a:ea typeface="Rubik"/>
+                <a:cs typeface="Rubik"/>
+                <a:sym typeface="Rubik"/>
+              </a:rPr>
+              <a:t> oleh brand </a:t>
+            </a:r>
+            <a:r>
+              <a:rPr kumimoji="0" lang="en-US" sz="1200" b="0" i="0" u="none" strike="noStrike" kern="0" cap="none" spc="0" normalizeH="0" baseline="0" noProof="0" dirty="0" err="1">
+                <a:ln>
+                  <a:noFill/>
+                </a:ln>
+                <a:solidFill>
+                  <a:srgbClr val="000000"/>
+                </a:solidFill>
+                <a:effectLst/>
+                <a:uLnTx/>
+                <a:uFillTx/>
+                <a:latin typeface="Rubik"/>
+                <a:ea typeface="Rubik"/>
+                <a:cs typeface="Rubik"/>
+                <a:sym typeface="Rubik"/>
+              </a:rPr>
+              <a:t>maupun</a:t>
+            </a:r>
+            <a:r>
+              <a:rPr kumimoji="0" lang="en-US" sz="1200" b="0" i="0" u="none" strike="noStrike" kern="0" cap="none" spc="0" normalizeH="0" baseline="0" noProof="0" dirty="0">
+                <a:ln>
+                  <a:noFill/>
+                </a:ln>
+                <a:solidFill>
+                  <a:srgbClr val="000000"/>
+                </a:solidFill>
+                <a:effectLst/>
+                <a:uLnTx/>
+                <a:uFillTx/>
+                <a:latin typeface="Rubik"/>
+                <a:ea typeface="Rubik"/>
+                <a:cs typeface="Rubik"/>
+                <a:sym typeface="Rubik"/>
+              </a:rPr>
+              <a:t> </a:t>
+            </a:r>
+            <a:r>
+              <a:rPr kumimoji="0" lang="en-US" sz="1200" b="0" i="0" u="none" strike="noStrike" kern="0" cap="none" spc="0" normalizeH="0" baseline="0" noProof="0" dirty="0" err="1">
+                <a:ln>
+                  <a:noFill/>
+                </a:ln>
+                <a:solidFill>
+                  <a:srgbClr val="000000"/>
+                </a:solidFill>
+                <a:effectLst/>
+                <a:uLnTx/>
+                <a:uFillTx/>
+                <a:latin typeface="Rubik"/>
+                <a:ea typeface="Rubik"/>
+                <a:cs typeface="Rubik"/>
+                <a:sym typeface="Rubik"/>
+              </a:rPr>
+              <a:t>pemilik</a:t>
+            </a:r>
+            <a:r>
+              <a:rPr kumimoji="0" lang="en-US" sz="1200" b="0" i="0" u="none" strike="noStrike" kern="0" cap="none" spc="0" normalizeH="0" baseline="0" noProof="0" dirty="0">
+                <a:ln>
+                  <a:noFill/>
+                </a:ln>
+                <a:solidFill>
+                  <a:srgbClr val="000000"/>
+                </a:solidFill>
+                <a:effectLst/>
+                <a:uLnTx/>
+                <a:uFillTx/>
+                <a:latin typeface="Rubik"/>
+                <a:ea typeface="Rubik"/>
+                <a:cs typeface="Rubik"/>
+                <a:sym typeface="Rubik"/>
+              </a:rPr>
+              <a:t> outlet.</a:t>
+            </a:r>
+          </a:p>
+        </p:txBody>
+      </p:sp>
+      <p:sp>
+        <p:nvSpPr>
+          <p:cNvPr id="3" name="Google Shape;94;p4">
+            <a:extLst>
+              <a:ext uri="{FF2B5EF4-FFF2-40B4-BE49-F238E27FC236}">
+                <a16:creationId xmlns:a16="http://schemas.microsoft.com/office/drawing/2014/main" id="{C636FAEC-0FE6-A1F0-BC19-A605C2DC1832}"/>
+              </a:ext>
+            </a:extLst>
+          </p:cNvPr>
+          <p:cNvSpPr txBox="1"/>
+          <p:nvPr/>
+        </p:nvSpPr>
+        <p:spPr>
+          <a:xfrm>
+            <a:off x="340500" y="134471"/>
+            <a:ext cx="8463000" cy="646500"/>
+          </a:xfrm>
+          <a:prstGeom prst="rect">
+            <a:avLst/>
+          </a:prstGeom>
+          <a:noFill/>
+          <a:ln>
+            <a:noFill/>
+          </a:ln>
+          <a:effectLst>
+            <a:outerShdw blurRad="57150" dist="19050" dir="2820000" algn="bl" rotWithShape="0">
+              <a:srgbClr val="B7B7B7">
+                <a:alpha val="85098"/>
+              </a:srgbClr>
+            </a:outerShdw>
+          </a:effectLst>
+        </p:spPr>
+        <p:txBody>
+          <a:bodyPr spcFirstLastPara="1" wrap="square" lIns="91425" tIns="91425" rIns="91425" bIns="91425" anchor="t" anchorCtr="0">
+            <a:spAutoFit/>
+          </a:bodyPr>
+          <a:lstStyle/>
+          <a:p>
+            <a:pPr marL="0" marR="0" lvl="0" indent="0" defTabSz="914400" rtl="0" eaLnBrk="1" fontAlgn="auto" latinLnBrk="0" hangingPunct="1">
+              <a:lnSpc>
+                <a:spcPct val="100000"/>
+              </a:lnSpc>
+              <a:spcBef>
+                <a:spcPts val="0"/>
+              </a:spcBef>
+              <a:spcAft>
+                <a:spcPts val="0"/>
+              </a:spcAft>
+              <a:buClr>
+                <a:srgbClr val="000000"/>
+              </a:buClr>
+              <a:buSzPts val="5000"/>
+              <a:buFont typeface="Arial"/>
+              <a:buNone/>
+              <a:tabLst/>
+              <a:defRPr/>
+            </a:pPr>
+            <a:r>
+              <a:rPr kumimoji="0" lang="en" sz="3000" b="1" i="0" u="none" strike="noStrike" kern="0" cap="none" spc="0" normalizeH="0" baseline="0" noProof="0" dirty="0">
+                <a:ln>
+                  <a:noFill/>
+                </a:ln>
+                <a:solidFill>
+                  <a:srgbClr val="000000"/>
+                </a:solidFill>
+                <a:effectLst/>
+                <a:uLnTx/>
+                <a:uFillTx/>
+                <a:latin typeface="Rubik"/>
+                <a:ea typeface="Rubik"/>
+                <a:cs typeface="Rubik"/>
+                <a:sym typeface="Rubik"/>
+              </a:rPr>
+              <a:t>Insight</a:t>
+            </a:r>
+            <a:endParaRPr kumimoji="0" sz="3000" b="1" i="0" u="none" strike="noStrike" kern="0" cap="none" spc="0" normalizeH="0" baseline="0" noProof="0" dirty="0">
+              <a:ln>
+                <a:noFill/>
+              </a:ln>
+              <a:solidFill>
+                <a:srgbClr val="0097A7"/>
+              </a:solidFill>
+              <a:effectLst/>
+              <a:uLnTx/>
+              <a:uFillTx/>
+              <a:latin typeface="Rubik"/>
+              <a:ea typeface="Rubik"/>
+              <a:cs typeface="Rubik"/>
+              <a:sym typeface="Rubik"/>
+            </a:endParaRPr>
+          </a:p>
+        </p:txBody>
+      </p:sp>
+    </p:spTree>
+    <p:extLst>
+      <p:ext uri="{BB962C8B-B14F-4D97-AF65-F5344CB8AC3E}">
+        <p14:creationId xmlns:p14="http://schemas.microsoft.com/office/powerpoint/2010/main" val="2962165497"/>
+      </p:ext>
+    </p:extLst>
+  </p:cSld>
+  <p:clrMapOvr>
+    <a:masterClrMapping/>
+  </p:clrMapOvr>
+</p:sld>
+</file>
+
+<file path=ppt/slides/slide9.xml><?xml version="1.0" encoding="utf-8"?>
 <p:sld xmlns:a="http://schemas.openxmlformats.org/drawingml/2006/main" xmlns:r="http://schemas.openxmlformats.org/officeDocument/2006/relationships" xmlns:p="http://schemas.openxmlformats.org/presentationml/2006/main">
   <p:cSld>
     <p:spTree>
@@ -12475,505 +19514,6 @@
           </a:prstGeom>
         </p:spPr>
       </p:pic>
-    </p:spTree>
-  </p:cSld>
-  <p:clrMapOvr>
-    <a:masterClrMapping/>
-  </p:clrMapOvr>
-</p:sld>
-</file>
-
-<file path=ppt/slides/slide8.xml><?xml version="1.0" encoding="utf-8"?>
-<p:sld xmlns:a="http://schemas.openxmlformats.org/drawingml/2006/main" xmlns:r="http://schemas.openxmlformats.org/officeDocument/2006/relationships" xmlns:p="http://schemas.openxmlformats.org/presentationml/2006/main">
-  <p:cSld>
-    <p:spTree>
-      <p:nvGrpSpPr>
-        <p:cNvPr id="1" name="Shape 135"/>
-        <p:cNvGrpSpPr/>
-        <p:nvPr/>
-      </p:nvGrpSpPr>
-      <p:grpSpPr>
-        <a:xfrm>
-          <a:off x="0" y="0"/>
-          <a:ext cx="0" cy="0"/>
-          <a:chOff x="0" y="0"/>
-          <a:chExt cx="0" cy="0"/>
-        </a:xfrm>
-      </p:grpSpPr>
-      <p:pic>
-        <p:nvPicPr>
-          <p:cNvPr id="136" name="Google Shape;136;g23ec2985a68_1_56"/>
-          <p:cNvPicPr preferRelativeResize="0"/>
-          <p:nvPr/>
-        </p:nvPicPr>
-        <p:blipFill rotWithShape="1">
-          <a:blip r:embed="rId3">
-            <a:alphaModFix amt="10000"/>
-          </a:blip>
-          <a:srcRect/>
-          <a:stretch/>
-        </p:blipFill>
-        <p:spPr>
-          <a:xfrm>
-            <a:off x="0" y="0"/>
-            <a:ext cx="9144001" cy="5143501"/>
-          </a:xfrm>
-          <a:prstGeom prst="rect">
-            <a:avLst/>
-          </a:prstGeom>
-          <a:noFill/>
-          <a:ln>
-            <a:noFill/>
-          </a:ln>
-        </p:spPr>
-      </p:pic>
-      <p:sp>
-        <p:nvSpPr>
-          <p:cNvPr id="138" name="Google Shape;138;g23ec2985a68_1_56"/>
-          <p:cNvSpPr txBox="1"/>
-          <p:nvPr/>
-        </p:nvSpPr>
-        <p:spPr>
-          <a:xfrm>
-            <a:off x="340500" y="452038"/>
-            <a:ext cx="8463000" cy="1015632"/>
-          </a:xfrm>
-          <a:prstGeom prst="rect">
-            <a:avLst/>
-          </a:prstGeom>
-          <a:noFill/>
-          <a:ln>
-            <a:noFill/>
-          </a:ln>
-          <a:effectLst>
-            <a:outerShdw blurRad="57150" dist="19050" dir="2820000" algn="bl" rotWithShape="0">
-              <a:srgbClr val="B7B7B7">
-                <a:alpha val="85098"/>
-              </a:srgbClr>
-            </a:outerShdw>
-          </a:effectLst>
-        </p:spPr>
-        <p:txBody>
-          <a:bodyPr spcFirstLastPara="1" wrap="square" lIns="91425" tIns="91425" rIns="91425" bIns="91425" anchor="t" anchorCtr="0">
-            <a:spAutoFit/>
-          </a:bodyPr>
-          <a:lstStyle/>
-          <a:p>
-            <a:pPr marL="457200" marR="0" lvl="0" indent="-400050" algn="l" rtl="0">
-              <a:lnSpc>
-                <a:spcPct val="100000"/>
-              </a:lnSpc>
-              <a:spcBef>
-                <a:spcPts val="0"/>
-              </a:spcBef>
-              <a:spcAft>
-                <a:spcPts val="0"/>
-              </a:spcAft>
-              <a:buClr>
-                <a:srgbClr val="000000"/>
-              </a:buClr>
-              <a:buSzPts val="2700"/>
-              <a:buFont typeface="Rubik"/>
-              <a:buAutoNum type="arabicPeriod" startAt="4"/>
-            </a:pPr>
-            <a:r>
-              <a:rPr lang="en-US" sz="2700" b="1" i="0" u="none" strike="noStrike" cap="none" dirty="0">
-                <a:solidFill>
-                  <a:srgbClr val="000000"/>
-                </a:solidFill>
-                <a:latin typeface="Rubik"/>
-                <a:ea typeface="Rubik"/>
-                <a:cs typeface="Rubik"/>
-                <a:sym typeface="Rubik"/>
-              </a:rPr>
-              <a:t>Profit YTD (Year-To-Date), dan Profit MAT (Moving Annual Total).</a:t>
-            </a:r>
-          </a:p>
-        </p:txBody>
-      </p:sp>
-      <p:sp>
-        <p:nvSpPr>
-          <p:cNvPr id="139" name="Google Shape;139;g23ec2985a68_1_56"/>
-          <p:cNvSpPr txBox="1"/>
-          <p:nvPr/>
-        </p:nvSpPr>
-        <p:spPr>
-          <a:xfrm>
-            <a:off x="804524" y="1370809"/>
-            <a:ext cx="7998976" cy="877133"/>
-          </a:xfrm>
-          <a:prstGeom prst="rect">
-            <a:avLst/>
-          </a:prstGeom>
-          <a:noFill/>
-          <a:ln>
-            <a:noFill/>
-          </a:ln>
-          <a:effectLst>
-            <a:outerShdw blurRad="57150" dist="19050" dir="2820000" algn="bl" rotWithShape="0">
-              <a:srgbClr val="B7B7B7">
-                <a:alpha val="85098"/>
-              </a:srgbClr>
-            </a:outerShdw>
-          </a:effectLst>
-        </p:spPr>
-        <p:txBody>
-          <a:bodyPr spcFirstLastPara="1" wrap="square" lIns="91425" tIns="91425" rIns="91425" bIns="91425" anchor="t" anchorCtr="0">
-            <a:spAutoFit/>
-          </a:bodyPr>
-          <a:lstStyle/>
-          <a:p>
-            <a:pPr marL="0" marR="0" lvl="0" indent="0" algn="l" rtl="0">
-              <a:lnSpc>
-                <a:spcPct val="150000"/>
-              </a:lnSpc>
-              <a:spcBef>
-                <a:spcPts val="0"/>
-              </a:spcBef>
-              <a:spcAft>
-                <a:spcPts val="0"/>
-              </a:spcAft>
-              <a:buClr>
-                <a:schemeClr val="dk1"/>
-              </a:buClr>
-              <a:buSzPts val="1400"/>
-              <a:buFont typeface="Arial"/>
-              <a:buNone/>
-            </a:pPr>
-            <a:r>
-              <a:rPr lang="id-ID" sz="1500" b="0" i="0" u="none" strike="noStrike" cap="none" dirty="0">
-                <a:solidFill>
-                  <a:schemeClr val="dk1"/>
-                </a:solidFill>
-                <a:latin typeface="Rubik"/>
-                <a:ea typeface="Rubik"/>
-                <a:cs typeface="Rubik"/>
-                <a:sym typeface="Rubik"/>
-              </a:rPr>
-              <a:t>Saya membuat dashboard untuk </a:t>
-            </a:r>
-            <a:r>
-              <a:rPr lang="en-US" sz="1500" b="0" i="0" u="none" strike="noStrike" cap="none" dirty="0">
-                <a:solidFill>
-                  <a:schemeClr val="dk1"/>
-                </a:solidFill>
-                <a:latin typeface="Rubik"/>
-                <a:ea typeface="Rubik"/>
-                <a:cs typeface="Rubik"/>
-                <a:sym typeface="Rubik"/>
-              </a:rPr>
-              <a:t>Profit YTD (Year-To-Date), dan Profit MAT (Moving Annual Total) agar </a:t>
-            </a:r>
-            <a:r>
-              <a:rPr lang="en-US" sz="1500" b="0" i="0" u="none" strike="noStrike" cap="none" dirty="0" err="1">
-                <a:solidFill>
-                  <a:schemeClr val="dk1"/>
-                </a:solidFill>
-                <a:latin typeface="Rubik"/>
-                <a:ea typeface="Rubik"/>
-                <a:cs typeface="Rubik"/>
-                <a:sym typeface="Rubik"/>
-              </a:rPr>
-              <a:t>memudahkan</a:t>
-            </a:r>
-            <a:r>
-              <a:rPr lang="en-US" sz="1500" b="0" i="0" u="none" strike="noStrike" cap="none" dirty="0">
-                <a:solidFill>
-                  <a:schemeClr val="dk1"/>
-                </a:solidFill>
-                <a:latin typeface="Rubik"/>
-                <a:ea typeface="Rubik"/>
-                <a:cs typeface="Rubik"/>
-                <a:sym typeface="Rubik"/>
-              </a:rPr>
-              <a:t> </a:t>
-            </a:r>
-            <a:r>
-              <a:rPr lang="en-US" sz="1500" b="0" i="0" u="none" strike="noStrike" cap="none" dirty="0" err="1">
-                <a:solidFill>
-                  <a:schemeClr val="dk1"/>
-                </a:solidFill>
-                <a:latin typeface="Rubik"/>
-                <a:ea typeface="Rubik"/>
-                <a:cs typeface="Rubik"/>
-                <a:sym typeface="Rubik"/>
-              </a:rPr>
-              <a:t>dalam</a:t>
-            </a:r>
-            <a:r>
-              <a:rPr lang="en-US" sz="1500" b="0" i="0" u="none" strike="noStrike" cap="none" dirty="0">
-                <a:solidFill>
-                  <a:schemeClr val="dk1"/>
-                </a:solidFill>
-                <a:latin typeface="Rubik"/>
-                <a:ea typeface="Rubik"/>
-                <a:cs typeface="Rubik"/>
-                <a:sym typeface="Rubik"/>
-              </a:rPr>
-              <a:t> </a:t>
-            </a:r>
-            <a:r>
-              <a:rPr lang="en-US" sz="1500" b="0" i="0" u="none" strike="noStrike" cap="none" dirty="0" err="1">
-                <a:solidFill>
-                  <a:schemeClr val="dk1"/>
-                </a:solidFill>
-                <a:latin typeface="Rubik"/>
-                <a:ea typeface="Rubik"/>
-                <a:cs typeface="Rubik"/>
-                <a:sym typeface="Rubik"/>
-              </a:rPr>
-              <a:t>melakukan</a:t>
-            </a:r>
-            <a:r>
-              <a:rPr lang="en-US" sz="1500" b="0" i="0" u="none" strike="noStrike" cap="none" dirty="0">
-                <a:solidFill>
-                  <a:schemeClr val="dk1"/>
-                </a:solidFill>
-                <a:latin typeface="Rubik"/>
-                <a:ea typeface="Rubik"/>
-                <a:cs typeface="Rubik"/>
-                <a:sym typeface="Rubik"/>
-              </a:rPr>
-              <a:t> </a:t>
-            </a:r>
-            <a:r>
-              <a:rPr lang="en-US" sz="1500" b="0" i="0" u="none" strike="noStrike" cap="none" dirty="0" err="1">
-                <a:solidFill>
-                  <a:schemeClr val="dk1"/>
-                </a:solidFill>
-                <a:latin typeface="Rubik"/>
-                <a:ea typeface="Rubik"/>
-                <a:cs typeface="Rubik"/>
-                <a:sym typeface="Rubik"/>
-              </a:rPr>
-              <a:t>analisis</a:t>
-            </a:r>
-            <a:r>
-              <a:rPr lang="en-US" sz="1500" b="0" i="0" u="none" strike="noStrike" cap="none" dirty="0">
-                <a:solidFill>
-                  <a:schemeClr val="dk1"/>
-                </a:solidFill>
-                <a:latin typeface="Rubik"/>
-                <a:ea typeface="Rubik"/>
-                <a:cs typeface="Rubik"/>
-                <a:sym typeface="Rubik"/>
-              </a:rPr>
-              <a:t> </a:t>
-            </a:r>
-            <a:r>
-              <a:rPr lang="en-US" sz="1500" b="0" i="0" u="none" strike="noStrike" cap="none" dirty="0" err="1">
-                <a:solidFill>
-                  <a:schemeClr val="dk1"/>
-                </a:solidFill>
-                <a:latin typeface="Rubik"/>
-                <a:ea typeface="Rubik"/>
-                <a:cs typeface="Rubik"/>
-                <a:sym typeface="Rubik"/>
-              </a:rPr>
-              <a:t>terhadap</a:t>
-            </a:r>
-            <a:r>
-              <a:rPr lang="en-US" sz="1500" b="0" i="0" u="none" strike="noStrike" cap="none" dirty="0">
-                <a:solidFill>
-                  <a:schemeClr val="dk1"/>
-                </a:solidFill>
-                <a:latin typeface="Rubik"/>
-                <a:ea typeface="Rubik"/>
-                <a:cs typeface="Rubik"/>
-                <a:sym typeface="Rubik"/>
-              </a:rPr>
-              <a:t> data yang </a:t>
-            </a:r>
-            <a:r>
-              <a:rPr lang="en-US" sz="1500" b="0" i="0" u="none" strike="noStrike" cap="none" dirty="0" err="1">
-                <a:solidFill>
-                  <a:schemeClr val="dk1"/>
-                </a:solidFill>
-                <a:latin typeface="Rubik"/>
-                <a:ea typeface="Rubik"/>
-                <a:cs typeface="Rubik"/>
-                <a:sym typeface="Rubik"/>
-              </a:rPr>
-              <a:t>ada</a:t>
-            </a:r>
-            <a:r>
-              <a:rPr lang="en-US" sz="1500" b="0" i="0" u="none" strike="noStrike" cap="none" dirty="0">
-                <a:solidFill>
-                  <a:schemeClr val="dk1"/>
-                </a:solidFill>
-                <a:latin typeface="Rubik"/>
-                <a:ea typeface="Rubik"/>
-                <a:cs typeface="Rubik"/>
-                <a:sym typeface="Rubik"/>
-              </a:rPr>
-              <a:t>.</a:t>
-            </a:r>
-          </a:p>
-        </p:txBody>
-      </p:sp>
-      <p:pic>
-        <p:nvPicPr>
-          <p:cNvPr id="3" name="Picture 2">
-            <a:extLst>
-              <a:ext uri="{FF2B5EF4-FFF2-40B4-BE49-F238E27FC236}">
-                <a16:creationId xmlns:a16="http://schemas.microsoft.com/office/drawing/2014/main" id="{FB15D936-00C9-F712-37D9-20524F9450FE}"/>
-              </a:ext>
-            </a:extLst>
-          </p:cNvPr>
-          <p:cNvPicPr>
-            <a:picLocks noChangeAspect="1"/>
-          </p:cNvPicPr>
-          <p:nvPr/>
-        </p:nvPicPr>
-        <p:blipFill>
-          <a:blip r:embed="rId4"/>
-          <a:stretch>
-            <a:fillRect/>
-          </a:stretch>
-        </p:blipFill>
-        <p:spPr>
-          <a:xfrm>
-            <a:off x="900752" y="2247942"/>
-            <a:ext cx="4576550" cy="2692888"/>
-          </a:xfrm>
-          <a:prstGeom prst="rect">
-            <a:avLst/>
-          </a:prstGeom>
-        </p:spPr>
-      </p:pic>
-    </p:spTree>
-  </p:cSld>
-  <p:clrMapOvr>
-    <a:masterClrMapping/>
-  </p:clrMapOvr>
-</p:sld>
-</file>
-
-<file path=ppt/slides/slide9.xml><?xml version="1.0" encoding="utf-8"?>
-<p:sld xmlns:a="http://schemas.openxmlformats.org/drawingml/2006/main" xmlns:r="http://schemas.openxmlformats.org/officeDocument/2006/relationships" xmlns:p="http://schemas.openxmlformats.org/presentationml/2006/main">
-  <p:cSld>
-    <p:bg>
-      <p:bgPr>
-        <a:solidFill>
-          <a:srgbClr val="019FAB"/>
-        </a:solidFill>
-        <a:effectLst/>
-      </p:bgPr>
-    </p:bg>
-    <p:spTree>
-      <p:nvGrpSpPr>
-        <p:cNvPr id="1" name="Shape 144"/>
-        <p:cNvGrpSpPr/>
-        <p:nvPr/>
-      </p:nvGrpSpPr>
-      <p:grpSpPr>
-        <a:xfrm>
-          <a:off x="0" y="0"/>
-          <a:ext cx="0" cy="0"/>
-          <a:chOff x="0" y="0"/>
-          <a:chExt cx="0" cy="0"/>
-        </a:xfrm>
-      </p:grpSpPr>
-      <p:pic>
-        <p:nvPicPr>
-          <p:cNvPr id="145" name="Google Shape;145;p8"/>
-          <p:cNvPicPr preferRelativeResize="0"/>
-          <p:nvPr/>
-        </p:nvPicPr>
-        <p:blipFill rotWithShape="1">
-          <a:blip r:embed="rId3">
-            <a:alphaModFix amt="10000"/>
-          </a:blip>
-          <a:srcRect/>
-          <a:stretch/>
-        </p:blipFill>
-        <p:spPr>
-          <a:xfrm>
-            <a:off x="0" y="0"/>
-            <a:ext cx="9144001" cy="5143501"/>
-          </a:xfrm>
-          <a:prstGeom prst="rect">
-            <a:avLst/>
-          </a:prstGeom>
-          <a:noFill/>
-          <a:ln>
-            <a:noFill/>
-          </a:ln>
-        </p:spPr>
-      </p:pic>
-      <p:sp>
-        <p:nvSpPr>
-          <p:cNvPr id="147" name="Google Shape;147;p8"/>
-          <p:cNvSpPr txBox="1"/>
-          <p:nvPr/>
-        </p:nvSpPr>
-        <p:spPr>
-          <a:xfrm>
-            <a:off x="2376000" y="1939850"/>
-            <a:ext cx="4392000" cy="877200"/>
-          </a:xfrm>
-          <a:prstGeom prst="rect">
-            <a:avLst/>
-          </a:prstGeom>
-          <a:noFill/>
-          <a:ln>
-            <a:noFill/>
-          </a:ln>
-          <a:effectLst>
-            <a:outerShdw blurRad="57150" dist="19050" dir="5400000" algn="bl" rotWithShape="0">
-              <a:srgbClr val="000000">
-                <a:alpha val="49019"/>
-              </a:srgbClr>
-            </a:outerShdw>
-          </a:effectLst>
-        </p:spPr>
-        <p:txBody>
-          <a:bodyPr spcFirstLastPara="1" wrap="square" lIns="91425" tIns="91425" rIns="91425" bIns="91425" anchor="t" anchorCtr="0">
-            <a:spAutoFit/>
-          </a:bodyPr>
-          <a:lstStyle/>
-          <a:p>
-            <a:pPr marL="0" marR="0" lvl="0" indent="0" algn="ctr" rtl="0">
-              <a:lnSpc>
-                <a:spcPct val="100000"/>
-              </a:lnSpc>
-              <a:spcBef>
-                <a:spcPts val="0"/>
-              </a:spcBef>
-              <a:spcAft>
-                <a:spcPts val="0"/>
-              </a:spcAft>
-              <a:buClr>
-                <a:srgbClr val="000000"/>
-              </a:buClr>
-              <a:buSzPts val="4500"/>
-              <a:buFont typeface="Arial"/>
-              <a:buNone/>
-            </a:pPr>
-            <a:r>
-              <a:rPr lang="en" sz="4500" b="1" i="0" u="none" strike="noStrike" cap="none">
-                <a:solidFill>
-                  <a:schemeClr val="lt1"/>
-                </a:solidFill>
-                <a:latin typeface="Rubik"/>
-                <a:ea typeface="Rubik"/>
-                <a:cs typeface="Rubik"/>
-                <a:sym typeface="Rubik"/>
-              </a:rPr>
-              <a:t>Thank You</a:t>
-            </a:r>
-            <a:endParaRPr sz="2000" b="0" i="0" u="none" strike="noStrike" cap="none">
-              <a:solidFill>
-                <a:schemeClr val="lt1"/>
-              </a:solidFill>
-              <a:latin typeface="Rubik"/>
-              <a:ea typeface="Rubik"/>
-              <a:cs typeface="Rubik"/>
-              <a:sym typeface="Rubik"/>
-            </a:endParaRPr>
-          </a:p>
-        </p:txBody>
-      </p:sp>
     </p:spTree>
   </p:cSld>
   <p:clrMapOvr>
